--- a/Week1_Describe/BachmeierNTIM8150-1.pptx
+++ b/Week1_Describe/BachmeierNTIM8150-1.pptx
@@ -3458,6 +3458,788 @@
     <dgm:fillClrLst meth="repeat">
       <a:schemeClr val="accent2">
         <a:tint val="60000"/>
+      </a:schemeClr>
+    </dgm:fillClrLst>
+    <dgm:linClrLst meth="repeat">
+      <a:schemeClr val="lt1"/>
+    </dgm:linClrLst>
+    <dgm:effectClrLst/>
+    <dgm:txLinClrLst/>
+    <dgm:txFillClrLst meth="repeat">
+      <a:schemeClr val="dk1"/>
+    </dgm:txFillClrLst>
+    <dgm:txEffectClrLst/>
+  </dgm:styleLbl>
+  <dgm:styleLbl name="revTx">
+    <dgm:fillClrLst meth="repeat">
+      <a:schemeClr val="lt1">
+        <a:alpha val="0"/>
+      </a:schemeClr>
+    </dgm:fillClrLst>
+    <dgm:linClrLst meth="repeat">
+      <a:schemeClr val="dk1">
+        <a:alpha val="0"/>
+      </a:schemeClr>
+    </dgm:linClrLst>
+    <dgm:effectClrLst/>
+    <dgm:txLinClrLst/>
+    <dgm:txFillClrLst meth="repeat">
+      <a:schemeClr val="tx1"/>
+    </dgm:txFillClrLst>
+    <dgm:txEffectClrLst/>
+  </dgm:styleLbl>
+</dgm:colorsDef>
+</file>
+
+<file path=ppt/diagrams/colors5.xml><?xml version="1.0" encoding="utf-8"?>
+<dgm:colorsDef xmlns:dgm="http://schemas.openxmlformats.org/drawingml/2006/diagram" xmlns:a="http://schemas.openxmlformats.org/drawingml/2006/main" uniqueId="urn:microsoft.com/office/officeart/2005/8/colors/colorful5">
+  <dgm:title val=""/>
+  <dgm:desc val=""/>
+  <dgm:catLst>
+    <dgm:cat type="colorful" pri="10500"/>
+  </dgm:catLst>
+  <dgm:styleLbl name="node0">
+    <dgm:fillClrLst meth="repeat">
+      <a:schemeClr val="accent4"/>
+    </dgm:fillClrLst>
+    <dgm:linClrLst meth="repeat">
+      <a:schemeClr val="lt1"/>
+    </dgm:linClrLst>
+    <dgm:effectClrLst/>
+    <dgm:txLinClrLst/>
+    <dgm:txFillClrLst/>
+    <dgm:txEffectClrLst/>
+  </dgm:styleLbl>
+  <dgm:styleLbl name="node1">
+    <dgm:fillClrLst>
+      <a:schemeClr val="accent5"/>
+      <a:schemeClr val="accent6"/>
+    </dgm:fillClrLst>
+    <dgm:linClrLst meth="repeat">
+      <a:schemeClr val="lt1"/>
+    </dgm:linClrLst>
+    <dgm:effectClrLst/>
+    <dgm:txLinClrLst/>
+    <dgm:txFillClrLst/>
+    <dgm:txEffectClrLst/>
+  </dgm:styleLbl>
+  <dgm:styleLbl name="alignNode1">
+    <dgm:fillClrLst>
+      <a:schemeClr val="accent5"/>
+      <a:schemeClr val="accent6"/>
+    </dgm:fillClrLst>
+    <dgm:linClrLst>
+      <a:schemeClr val="accent5"/>
+      <a:schemeClr val="accent6"/>
+    </dgm:linClrLst>
+    <dgm:effectClrLst/>
+    <dgm:txLinClrLst/>
+    <dgm:txFillClrLst/>
+    <dgm:txEffectClrLst/>
+  </dgm:styleLbl>
+  <dgm:styleLbl name="lnNode1">
+    <dgm:fillClrLst>
+      <a:schemeClr val="accent5"/>
+      <a:schemeClr val="accent6"/>
+    </dgm:fillClrLst>
+    <dgm:linClrLst meth="repeat">
+      <a:schemeClr val="lt1"/>
+    </dgm:linClrLst>
+    <dgm:effectClrLst/>
+    <dgm:txLinClrLst/>
+    <dgm:txFillClrLst/>
+    <dgm:txEffectClrLst/>
+  </dgm:styleLbl>
+  <dgm:styleLbl name="vennNode1">
+    <dgm:fillClrLst>
+      <a:schemeClr val="accent5">
+        <a:alpha val="50000"/>
+      </a:schemeClr>
+      <a:schemeClr val="accent6">
+        <a:alpha val="50000"/>
+      </a:schemeClr>
+    </dgm:fillClrLst>
+    <dgm:linClrLst meth="repeat">
+      <a:schemeClr val="lt1"/>
+    </dgm:linClrLst>
+    <dgm:effectClrLst/>
+    <dgm:txLinClrLst/>
+    <dgm:txFillClrLst/>
+    <dgm:txEffectClrLst/>
+  </dgm:styleLbl>
+  <dgm:styleLbl name="node2">
+    <dgm:fillClrLst>
+      <a:schemeClr val="accent6"/>
+    </dgm:fillClrLst>
+    <dgm:linClrLst meth="repeat">
+      <a:schemeClr val="lt1"/>
+    </dgm:linClrLst>
+    <dgm:effectClrLst/>
+    <dgm:txLinClrLst/>
+    <dgm:txFillClrLst/>
+    <dgm:txEffectClrLst/>
+  </dgm:styleLbl>
+  <dgm:styleLbl name="node3">
+    <dgm:fillClrLst>
+      <a:schemeClr val="accent1"/>
+    </dgm:fillClrLst>
+    <dgm:linClrLst meth="repeat">
+      <a:schemeClr val="lt1"/>
+    </dgm:linClrLst>
+    <dgm:effectClrLst/>
+    <dgm:txLinClrLst/>
+    <dgm:txFillClrLst/>
+    <dgm:txEffectClrLst/>
+  </dgm:styleLbl>
+  <dgm:styleLbl name="node4">
+    <dgm:fillClrLst>
+      <a:schemeClr val="accent2"/>
+    </dgm:fillClrLst>
+    <dgm:linClrLst meth="repeat">
+      <a:schemeClr val="lt1"/>
+    </dgm:linClrLst>
+    <dgm:effectClrLst/>
+    <dgm:txLinClrLst/>
+    <dgm:txFillClrLst/>
+    <dgm:txEffectClrLst/>
+  </dgm:styleLbl>
+  <dgm:styleLbl name="fgImgPlace1">
+    <dgm:fillClrLst>
+      <a:schemeClr val="accent5">
+        <a:tint val="50000"/>
+      </a:schemeClr>
+      <a:schemeClr val="accent6">
+        <a:tint val="50000"/>
+      </a:schemeClr>
+    </dgm:fillClrLst>
+    <dgm:linClrLst meth="repeat">
+      <a:schemeClr val="lt1"/>
+    </dgm:linClrLst>
+    <dgm:effectClrLst/>
+    <dgm:txLinClrLst/>
+    <dgm:txFillClrLst meth="repeat">
+      <a:schemeClr val="lt1"/>
+    </dgm:txFillClrLst>
+    <dgm:txEffectClrLst/>
+  </dgm:styleLbl>
+  <dgm:styleLbl name="alignImgPlace1">
+    <dgm:fillClrLst>
+      <a:schemeClr val="accent5">
+        <a:tint val="50000"/>
+      </a:schemeClr>
+      <a:schemeClr val="accent6">
+        <a:tint val="20000"/>
+      </a:schemeClr>
+    </dgm:fillClrLst>
+    <dgm:linClrLst meth="repeat">
+      <a:schemeClr val="lt1"/>
+    </dgm:linClrLst>
+    <dgm:effectClrLst/>
+    <dgm:txLinClrLst/>
+    <dgm:txFillClrLst meth="repeat">
+      <a:schemeClr val="lt1"/>
+    </dgm:txFillClrLst>
+    <dgm:txEffectClrLst/>
+  </dgm:styleLbl>
+  <dgm:styleLbl name="bgImgPlace1">
+    <dgm:fillClrLst>
+      <a:schemeClr val="accent5">
+        <a:tint val="50000"/>
+      </a:schemeClr>
+      <a:schemeClr val="accent6">
+        <a:tint val="20000"/>
+      </a:schemeClr>
+    </dgm:fillClrLst>
+    <dgm:linClrLst meth="repeat">
+      <a:schemeClr val="lt1"/>
+    </dgm:linClrLst>
+    <dgm:effectClrLst/>
+    <dgm:txLinClrLst/>
+    <dgm:txFillClrLst meth="repeat">
+      <a:schemeClr val="lt1"/>
+    </dgm:txFillClrLst>
+    <dgm:txEffectClrLst/>
+  </dgm:styleLbl>
+  <dgm:styleLbl name="sibTrans2D1">
+    <dgm:fillClrLst>
+      <a:schemeClr val="accent5"/>
+      <a:schemeClr val="accent6"/>
+    </dgm:fillClrLst>
+    <dgm:linClrLst meth="repeat">
+      <a:schemeClr val="lt1"/>
+    </dgm:linClrLst>
+    <dgm:effectClrLst/>
+    <dgm:txLinClrLst/>
+    <dgm:txFillClrLst/>
+    <dgm:txEffectClrLst/>
+  </dgm:styleLbl>
+  <dgm:styleLbl name="fgSibTrans2D1">
+    <dgm:fillClrLst>
+      <a:schemeClr val="accent5"/>
+      <a:schemeClr val="accent6"/>
+    </dgm:fillClrLst>
+    <dgm:linClrLst meth="repeat">
+      <a:schemeClr val="lt1"/>
+    </dgm:linClrLst>
+    <dgm:effectClrLst/>
+    <dgm:txLinClrLst/>
+    <dgm:txFillClrLst meth="repeat">
+      <a:schemeClr val="lt1"/>
+    </dgm:txFillClrLst>
+    <dgm:txEffectClrLst/>
+  </dgm:styleLbl>
+  <dgm:styleLbl name="bgSibTrans2D1">
+    <dgm:fillClrLst>
+      <a:schemeClr val="accent5"/>
+      <a:schemeClr val="accent6"/>
+    </dgm:fillClrLst>
+    <dgm:linClrLst meth="repeat">
+      <a:schemeClr val="lt1"/>
+    </dgm:linClrLst>
+    <dgm:effectClrLst/>
+    <dgm:txLinClrLst/>
+    <dgm:txFillClrLst meth="repeat">
+      <a:schemeClr val="lt1"/>
+    </dgm:txFillClrLst>
+    <dgm:txEffectClrLst/>
+  </dgm:styleLbl>
+  <dgm:styleLbl name="sibTrans1D1">
+    <dgm:fillClrLst/>
+    <dgm:linClrLst>
+      <a:schemeClr val="accent5"/>
+      <a:schemeClr val="accent6"/>
+    </dgm:linClrLst>
+    <dgm:effectClrLst/>
+    <dgm:txLinClrLst/>
+    <dgm:txFillClrLst meth="repeat">
+      <a:schemeClr val="tx1"/>
+    </dgm:txFillClrLst>
+    <dgm:txEffectClrLst/>
+  </dgm:styleLbl>
+  <dgm:styleLbl name="callout">
+    <dgm:fillClrLst meth="repeat">
+      <a:schemeClr val="accent5"/>
+    </dgm:fillClrLst>
+    <dgm:linClrLst meth="repeat">
+      <a:schemeClr val="accent5">
+        <a:tint val="50000"/>
+      </a:schemeClr>
+    </dgm:linClrLst>
+    <dgm:effectClrLst/>
+    <dgm:txLinClrLst/>
+    <dgm:txFillClrLst meth="repeat">
+      <a:schemeClr val="tx1"/>
+    </dgm:txFillClrLst>
+    <dgm:txEffectClrLst/>
+  </dgm:styleLbl>
+  <dgm:styleLbl name="asst0">
+    <dgm:fillClrLst meth="repeat">
+      <a:schemeClr val="accent5"/>
+    </dgm:fillClrLst>
+    <dgm:linClrLst meth="repeat">
+      <a:schemeClr val="lt1">
+        <a:shade val="80000"/>
+      </a:schemeClr>
+    </dgm:linClrLst>
+    <dgm:effectClrLst/>
+    <dgm:txLinClrLst/>
+    <dgm:txFillClrLst/>
+    <dgm:txEffectClrLst/>
+  </dgm:styleLbl>
+  <dgm:styleLbl name="asst1">
+    <dgm:fillClrLst meth="repeat">
+      <a:schemeClr val="accent6"/>
+    </dgm:fillClrLst>
+    <dgm:linClrLst meth="repeat">
+      <a:schemeClr val="lt1">
+        <a:shade val="80000"/>
+      </a:schemeClr>
+    </dgm:linClrLst>
+    <dgm:effectClrLst/>
+    <dgm:txLinClrLst/>
+    <dgm:txFillClrLst/>
+    <dgm:txEffectClrLst/>
+  </dgm:styleLbl>
+  <dgm:styleLbl name="asst2">
+    <dgm:fillClrLst>
+      <a:schemeClr val="accent1"/>
+    </dgm:fillClrLst>
+    <dgm:linClrLst meth="repeat">
+      <a:schemeClr val="lt1"/>
+    </dgm:linClrLst>
+    <dgm:effectClrLst/>
+    <dgm:txLinClrLst/>
+    <dgm:txFillClrLst/>
+    <dgm:txEffectClrLst/>
+  </dgm:styleLbl>
+  <dgm:styleLbl name="asst3">
+    <dgm:fillClrLst>
+      <a:schemeClr val="accent2"/>
+    </dgm:fillClrLst>
+    <dgm:linClrLst meth="repeat">
+      <a:schemeClr val="lt1"/>
+    </dgm:linClrLst>
+    <dgm:effectClrLst/>
+    <dgm:txLinClrLst/>
+    <dgm:txFillClrLst/>
+    <dgm:txEffectClrLst/>
+  </dgm:styleLbl>
+  <dgm:styleLbl name="asst4">
+    <dgm:fillClrLst>
+      <a:schemeClr val="accent3"/>
+    </dgm:fillClrLst>
+    <dgm:linClrLst meth="repeat">
+      <a:schemeClr val="lt1"/>
+    </dgm:linClrLst>
+    <dgm:effectClrLst/>
+    <dgm:txLinClrLst/>
+    <dgm:txFillClrLst/>
+    <dgm:txEffectClrLst/>
+  </dgm:styleLbl>
+  <dgm:styleLbl name="parChTrans2D1">
+    <dgm:fillClrLst meth="repeat">
+      <a:schemeClr val="accent5"/>
+    </dgm:fillClrLst>
+    <dgm:linClrLst meth="repeat">
+      <a:schemeClr val="lt1"/>
+    </dgm:linClrLst>
+    <dgm:effectClrLst/>
+    <dgm:txLinClrLst/>
+    <dgm:txFillClrLst meth="repeat">
+      <a:schemeClr val="lt1"/>
+    </dgm:txFillClrLst>
+    <dgm:txEffectClrLst/>
+  </dgm:styleLbl>
+  <dgm:styleLbl name="parChTrans2D2">
+    <dgm:fillClrLst meth="repeat">
+      <a:schemeClr val="accent6"/>
+    </dgm:fillClrLst>
+    <dgm:linClrLst meth="repeat">
+      <a:schemeClr val="lt1"/>
+    </dgm:linClrLst>
+    <dgm:effectClrLst/>
+    <dgm:txLinClrLst/>
+    <dgm:txFillClrLst/>
+    <dgm:txEffectClrLst/>
+  </dgm:styleLbl>
+  <dgm:styleLbl name="parChTrans2D3">
+    <dgm:fillClrLst meth="repeat">
+      <a:schemeClr val="accent6"/>
+    </dgm:fillClrLst>
+    <dgm:linClrLst meth="repeat">
+      <a:schemeClr val="lt1"/>
+    </dgm:linClrLst>
+    <dgm:effectClrLst/>
+    <dgm:txLinClrLst/>
+    <dgm:txFillClrLst/>
+    <dgm:txEffectClrLst/>
+  </dgm:styleLbl>
+  <dgm:styleLbl name="parChTrans2D4">
+    <dgm:fillClrLst meth="repeat">
+      <a:schemeClr val="accent1"/>
+    </dgm:fillClrLst>
+    <dgm:linClrLst meth="repeat">
+      <a:schemeClr val="lt1"/>
+    </dgm:linClrLst>
+    <dgm:effectClrLst/>
+    <dgm:txLinClrLst/>
+    <dgm:txFillClrLst meth="repeat">
+      <a:schemeClr val="lt1"/>
+    </dgm:txFillClrLst>
+    <dgm:txEffectClrLst/>
+  </dgm:styleLbl>
+  <dgm:styleLbl name="parChTrans1D1">
+    <dgm:fillClrLst meth="repeat">
+      <a:schemeClr val="accent5"/>
+    </dgm:fillClrLst>
+    <dgm:linClrLst meth="repeat">
+      <a:schemeClr val="accent5"/>
+    </dgm:linClrLst>
+    <dgm:effectClrLst/>
+    <dgm:txLinClrLst/>
+    <dgm:txFillClrLst meth="repeat">
+      <a:schemeClr val="tx1"/>
+    </dgm:txFillClrLst>
+    <dgm:txEffectClrLst/>
+  </dgm:styleLbl>
+  <dgm:styleLbl name="parChTrans1D2">
+    <dgm:fillClrLst meth="repeat">
+      <a:schemeClr val="accent6">
+        <a:tint val="90000"/>
+      </a:schemeClr>
+    </dgm:fillClrLst>
+    <dgm:linClrLst meth="repeat">
+      <a:schemeClr val="accent6"/>
+    </dgm:linClrLst>
+    <dgm:effectClrLst/>
+    <dgm:txLinClrLst/>
+    <dgm:txFillClrLst meth="repeat">
+      <a:schemeClr val="tx1"/>
+    </dgm:txFillClrLst>
+    <dgm:txEffectClrLst/>
+  </dgm:styleLbl>
+  <dgm:styleLbl name="parChTrans1D3">
+    <dgm:fillClrLst meth="repeat">
+      <a:schemeClr val="accent6">
+        <a:tint val="70000"/>
+      </a:schemeClr>
+    </dgm:fillClrLst>
+    <dgm:linClrLst meth="repeat">
+      <a:schemeClr val="accent1"/>
+    </dgm:linClrLst>
+    <dgm:effectClrLst/>
+    <dgm:txLinClrLst/>
+    <dgm:txFillClrLst meth="repeat">
+      <a:schemeClr val="tx1"/>
+    </dgm:txFillClrLst>
+    <dgm:txEffectClrLst/>
+  </dgm:styleLbl>
+  <dgm:styleLbl name="parChTrans1D4">
+    <dgm:fillClrLst meth="repeat">
+      <a:schemeClr val="accent6">
+        <a:tint val="50000"/>
+      </a:schemeClr>
+    </dgm:fillClrLst>
+    <dgm:linClrLst meth="repeat">
+      <a:schemeClr val="accent2"/>
+    </dgm:linClrLst>
+    <dgm:effectClrLst/>
+    <dgm:txLinClrLst/>
+    <dgm:txFillClrLst meth="repeat">
+      <a:schemeClr val="tx1"/>
+    </dgm:txFillClrLst>
+    <dgm:txEffectClrLst/>
+  </dgm:styleLbl>
+  <dgm:styleLbl name="fgAcc1">
+    <dgm:fillClrLst meth="repeat">
+      <a:schemeClr val="lt1">
+        <a:alpha val="90000"/>
+      </a:schemeClr>
+    </dgm:fillClrLst>
+    <dgm:linClrLst>
+      <a:schemeClr val="accent5"/>
+      <a:schemeClr val="accent6"/>
+    </dgm:linClrLst>
+    <dgm:effectClrLst/>
+    <dgm:txLinClrLst/>
+    <dgm:txFillClrLst meth="repeat">
+      <a:schemeClr val="dk1"/>
+    </dgm:txFillClrLst>
+    <dgm:txEffectClrLst/>
+  </dgm:styleLbl>
+  <dgm:styleLbl name="conFgAcc1">
+    <dgm:fillClrLst meth="repeat">
+      <a:schemeClr val="lt1">
+        <a:alpha val="90000"/>
+      </a:schemeClr>
+    </dgm:fillClrLst>
+    <dgm:linClrLst>
+      <a:schemeClr val="accent5"/>
+      <a:schemeClr val="accent6"/>
+    </dgm:linClrLst>
+    <dgm:effectClrLst/>
+    <dgm:txLinClrLst/>
+    <dgm:txFillClrLst meth="repeat">
+      <a:schemeClr val="dk1"/>
+    </dgm:txFillClrLst>
+    <dgm:txEffectClrLst/>
+  </dgm:styleLbl>
+  <dgm:styleLbl name="alignAcc1">
+    <dgm:fillClrLst meth="repeat">
+      <a:schemeClr val="lt1">
+        <a:alpha val="90000"/>
+      </a:schemeClr>
+    </dgm:fillClrLst>
+    <dgm:linClrLst>
+      <a:schemeClr val="accent5"/>
+      <a:schemeClr val="accent6"/>
+    </dgm:linClrLst>
+    <dgm:effectClrLst/>
+    <dgm:txLinClrLst/>
+    <dgm:txFillClrLst meth="repeat">
+      <a:schemeClr val="dk1"/>
+    </dgm:txFillClrLst>
+    <dgm:txEffectClrLst/>
+  </dgm:styleLbl>
+  <dgm:styleLbl name="trAlignAcc1">
+    <dgm:fillClrLst meth="repeat">
+      <a:schemeClr val="lt1">
+        <a:alpha val="40000"/>
+      </a:schemeClr>
+    </dgm:fillClrLst>
+    <dgm:linClrLst meth="repeat">
+      <a:schemeClr val="accent5"/>
+    </dgm:linClrLst>
+    <dgm:effectClrLst/>
+    <dgm:txLinClrLst/>
+    <dgm:txFillClrLst meth="repeat">
+      <a:schemeClr val="dk1"/>
+    </dgm:txFillClrLst>
+    <dgm:txEffectClrLst/>
+  </dgm:styleLbl>
+  <dgm:styleLbl name="bgAcc1">
+    <dgm:fillClrLst meth="repeat">
+      <a:schemeClr val="lt1">
+        <a:alpha val="90000"/>
+      </a:schemeClr>
+    </dgm:fillClrLst>
+    <dgm:linClrLst>
+      <a:schemeClr val="accent5"/>
+      <a:schemeClr val="accent6"/>
+    </dgm:linClrLst>
+    <dgm:effectClrLst/>
+    <dgm:txLinClrLst/>
+    <dgm:txFillClrLst meth="repeat">
+      <a:schemeClr val="dk1"/>
+    </dgm:txFillClrLst>
+    <dgm:txEffectClrLst/>
+  </dgm:styleLbl>
+  <dgm:styleLbl name="solidFgAcc1">
+    <dgm:fillClrLst meth="repeat">
+      <a:schemeClr val="lt1"/>
+    </dgm:fillClrLst>
+    <dgm:linClrLst>
+      <a:schemeClr val="accent5"/>
+      <a:schemeClr val="accent6"/>
+    </dgm:linClrLst>
+    <dgm:effectClrLst/>
+    <dgm:txLinClrLst/>
+    <dgm:txFillClrLst meth="repeat">
+      <a:schemeClr val="dk1"/>
+    </dgm:txFillClrLst>
+    <dgm:txEffectClrLst/>
+  </dgm:styleLbl>
+  <dgm:styleLbl name="solidAlignAcc1">
+    <dgm:fillClrLst meth="repeat">
+      <a:schemeClr val="lt1"/>
+    </dgm:fillClrLst>
+    <dgm:linClrLst>
+      <a:schemeClr val="accent5"/>
+      <a:schemeClr val="accent6"/>
+    </dgm:linClrLst>
+    <dgm:effectClrLst/>
+    <dgm:txLinClrLst/>
+    <dgm:txFillClrLst meth="repeat">
+      <a:schemeClr val="dk1"/>
+    </dgm:txFillClrLst>
+    <dgm:txEffectClrLst/>
+  </dgm:styleLbl>
+  <dgm:styleLbl name="solidBgAcc1">
+    <dgm:fillClrLst meth="repeat">
+      <a:schemeClr val="lt1"/>
+    </dgm:fillClrLst>
+    <dgm:linClrLst>
+      <a:schemeClr val="accent5"/>
+      <a:schemeClr val="accent6"/>
+    </dgm:linClrLst>
+    <dgm:effectClrLst/>
+    <dgm:txLinClrLst/>
+    <dgm:txFillClrLst meth="repeat">
+      <a:schemeClr val="dk1"/>
+    </dgm:txFillClrLst>
+    <dgm:txEffectClrLst/>
+  </dgm:styleLbl>
+  <dgm:styleLbl name="fgAccFollowNode1">
+    <dgm:fillClrLst>
+      <a:schemeClr val="accent5">
+        <a:tint val="40000"/>
+        <a:alpha val="90000"/>
+      </a:schemeClr>
+      <a:schemeClr val="accent6">
+        <a:tint val="40000"/>
+        <a:alpha val="90000"/>
+      </a:schemeClr>
+    </dgm:fillClrLst>
+    <dgm:linClrLst>
+      <a:schemeClr val="accent5">
+        <a:tint val="40000"/>
+        <a:alpha val="90000"/>
+      </a:schemeClr>
+      <a:schemeClr val="accent5">
+        <a:tint val="40000"/>
+        <a:alpha val="90000"/>
+      </a:schemeClr>
+    </dgm:linClrLst>
+    <dgm:effectClrLst/>
+    <dgm:txLinClrLst/>
+    <dgm:txFillClrLst meth="repeat">
+      <a:schemeClr val="dk1"/>
+    </dgm:txFillClrLst>
+    <dgm:txEffectClrLst/>
+  </dgm:styleLbl>
+  <dgm:styleLbl name="alignAccFollowNode1">
+    <dgm:fillClrLst>
+      <a:schemeClr val="accent5">
+        <a:tint val="40000"/>
+        <a:alpha val="90000"/>
+      </a:schemeClr>
+      <a:schemeClr val="accent6">
+        <a:tint val="40000"/>
+        <a:alpha val="90000"/>
+      </a:schemeClr>
+    </dgm:fillClrLst>
+    <dgm:linClrLst>
+      <a:schemeClr val="accent5">
+        <a:tint val="40000"/>
+        <a:alpha val="90000"/>
+      </a:schemeClr>
+      <a:schemeClr val="accent6">
+        <a:tint val="40000"/>
+        <a:alpha val="90000"/>
+      </a:schemeClr>
+    </dgm:linClrLst>
+    <dgm:effectClrLst/>
+    <dgm:txLinClrLst/>
+    <dgm:txFillClrLst meth="repeat">
+      <a:schemeClr val="dk1"/>
+    </dgm:txFillClrLst>
+    <dgm:txEffectClrLst/>
+  </dgm:styleLbl>
+  <dgm:styleLbl name="bgAccFollowNode1">
+    <dgm:fillClrLst>
+      <a:schemeClr val="accent5">
+        <a:tint val="40000"/>
+        <a:alpha val="90000"/>
+      </a:schemeClr>
+      <a:schemeClr val="accent6">
+        <a:tint val="40000"/>
+        <a:alpha val="90000"/>
+      </a:schemeClr>
+    </dgm:fillClrLst>
+    <dgm:linClrLst>
+      <a:schemeClr val="accent5">
+        <a:tint val="40000"/>
+        <a:alpha val="90000"/>
+      </a:schemeClr>
+      <a:schemeClr val="accent6">
+        <a:tint val="40000"/>
+        <a:alpha val="90000"/>
+      </a:schemeClr>
+    </dgm:linClrLst>
+    <dgm:effectClrLst/>
+    <dgm:txLinClrLst/>
+    <dgm:txFillClrLst meth="repeat">
+      <a:schemeClr val="dk1"/>
+    </dgm:txFillClrLst>
+    <dgm:txEffectClrLst/>
+  </dgm:styleLbl>
+  <dgm:styleLbl name="fgAcc0">
+    <dgm:fillClrLst meth="repeat">
+      <a:schemeClr val="lt1">
+        <a:alpha val="90000"/>
+      </a:schemeClr>
+    </dgm:fillClrLst>
+    <dgm:linClrLst>
+      <a:schemeClr val="accent4"/>
+    </dgm:linClrLst>
+    <dgm:effectClrLst/>
+    <dgm:txLinClrLst/>
+    <dgm:txFillClrLst meth="repeat">
+      <a:schemeClr val="dk1"/>
+    </dgm:txFillClrLst>
+    <dgm:txEffectClrLst/>
+  </dgm:styleLbl>
+  <dgm:styleLbl name="fgAcc2">
+    <dgm:fillClrLst meth="repeat">
+      <a:schemeClr val="lt1">
+        <a:alpha val="90000"/>
+      </a:schemeClr>
+    </dgm:fillClrLst>
+    <dgm:linClrLst>
+      <a:schemeClr val="accent6"/>
+    </dgm:linClrLst>
+    <dgm:effectClrLst/>
+    <dgm:txLinClrLst/>
+    <dgm:txFillClrLst meth="repeat">
+      <a:schemeClr val="dk1"/>
+    </dgm:txFillClrLst>
+    <dgm:txEffectClrLst/>
+  </dgm:styleLbl>
+  <dgm:styleLbl name="fgAcc3">
+    <dgm:fillClrLst meth="repeat">
+      <a:schemeClr val="lt1">
+        <a:alpha val="90000"/>
+      </a:schemeClr>
+    </dgm:fillClrLst>
+    <dgm:linClrLst>
+      <a:schemeClr val="accent1"/>
+    </dgm:linClrLst>
+    <dgm:effectClrLst/>
+    <dgm:txLinClrLst/>
+    <dgm:txFillClrLst meth="repeat">
+      <a:schemeClr val="dk1"/>
+    </dgm:txFillClrLst>
+    <dgm:txEffectClrLst/>
+  </dgm:styleLbl>
+  <dgm:styleLbl name="fgAcc4">
+    <dgm:fillClrLst meth="repeat">
+      <a:schemeClr val="lt1">
+        <a:alpha val="90000"/>
+      </a:schemeClr>
+    </dgm:fillClrLst>
+    <dgm:linClrLst>
+      <a:schemeClr val="accent2"/>
+    </dgm:linClrLst>
+    <dgm:effectClrLst/>
+    <dgm:txLinClrLst/>
+    <dgm:txFillClrLst meth="repeat">
+      <a:schemeClr val="dk1"/>
+    </dgm:txFillClrLst>
+    <dgm:txEffectClrLst/>
+  </dgm:styleLbl>
+  <dgm:styleLbl name="bgShp">
+    <dgm:fillClrLst meth="repeat">
+      <a:schemeClr val="accent5">
+        <a:tint val="40000"/>
+      </a:schemeClr>
+    </dgm:fillClrLst>
+    <dgm:linClrLst meth="repeat">
+      <a:schemeClr val="dk1"/>
+    </dgm:linClrLst>
+    <dgm:effectClrLst/>
+    <dgm:txLinClrLst/>
+    <dgm:txFillClrLst meth="repeat">
+      <a:schemeClr val="dk1"/>
+    </dgm:txFillClrLst>
+    <dgm:txEffectClrLst/>
+  </dgm:styleLbl>
+  <dgm:styleLbl name="dkBgShp">
+    <dgm:fillClrLst meth="repeat">
+      <a:schemeClr val="accent5">
+        <a:shade val="90000"/>
+      </a:schemeClr>
+    </dgm:fillClrLst>
+    <dgm:linClrLst meth="repeat">
+      <a:schemeClr val="dk1"/>
+    </dgm:linClrLst>
+    <dgm:effectClrLst/>
+    <dgm:txLinClrLst/>
+    <dgm:txFillClrLst meth="repeat">
+      <a:schemeClr val="lt1"/>
+    </dgm:txFillClrLst>
+    <dgm:txEffectClrLst/>
+  </dgm:styleLbl>
+  <dgm:styleLbl name="trBgShp">
+    <dgm:fillClrLst meth="repeat">
+      <a:schemeClr val="accent5">
+        <a:tint val="50000"/>
+        <a:alpha val="40000"/>
+      </a:schemeClr>
+    </dgm:fillClrLst>
+    <dgm:linClrLst meth="repeat">
+      <a:schemeClr val="accent5"/>
+    </dgm:linClrLst>
+    <dgm:effectClrLst/>
+    <dgm:txLinClrLst/>
+    <dgm:txFillClrLst meth="repeat">
+      <a:schemeClr val="lt1"/>
+    </dgm:txFillClrLst>
+    <dgm:txEffectClrLst/>
+  </dgm:styleLbl>
+  <dgm:styleLbl name="fgShp">
+    <dgm:fillClrLst meth="repeat">
+      <a:schemeClr val="accent5">
+        <a:tint val="40000"/>
       </a:schemeClr>
     </dgm:fillClrLst>
     <dgm:linClrLst meth="repeat">
@@ -7108,6 +7890,415 @@
     <dgm:cxn modelId="{CBD1333B-EEA3-4EA9-AF7D-1BBD6E8C26D1}" type="presParOf" srcId="{AC4CD002-7F42-42E4-8CB9-FD75C1A51895}" destId="{609D0C04-96A9-4739-95B6-99E4ED59A734}" srcOrd="2" destOrd="0" presId="urn:microsoft.com/office/officeart/2005/8/layout/orgChart1"/>
     <dgm:cxn modelId="{6B93B10C-149F-49C8-98B4-100AA75EB24D}" type="presParOf" srcId="{DABE179C-6184-4E2B-9813-A73598022C10}" destId="{061A1665-AE18-4C66-9617-1252CEFB6887}" srcOrd="2" destOrd="0" presId="urn:microsoft.com/office/officeart/2005/8/layout/orgChart1"/>
     <dgm:cxn modelId="{B7478E15-B27C-4491-BAD1-82EBAB599672}" type="presParOf" srcId="{D39A5477-54FA-4D91-8A38-C6D819457F00}" destId="{93C22FAD-2DF3-4269-86B8-5B823FB1C9EA}" srcOrd="2" destOrd="0" presId="urn:microsoft.com/office/officeart/2005/8/layout/orgChart1"/>
+  </dgm:cxnLst>
+  <dgm:bg/>
+  <dgm:whole/>
+  <dgm:extLst>
+    <a:ext uri="http://schemas.microsoft.com/office/drawing/2008/diagram">
+      <dsp:dataModelExt xmlns:dsp="http://schemas.microsoft.com/office/drawing/2008/diagram" relId="rId7" minVer="http://schemas.openxmlformats.org/drawingml/2006/diagram"/>
+    </a:ext>
+  </dgm:extLst>
+</dgm:dataModel>
+</file>
+
+<file path=ppt/diagrams/data5.xml><?xml version="1.0" encoding="utf-8"?>
+<dgm:dataModel xmlns:dgm="http://schemas.openxmlformats.org/drawingml/2006/diagram" xmlns:a="http://schemas.openxmlformats.org/drawingml/2006/main">
+  <dgm:ptLst>
+    <dgm:pt modelId="{E153CA7E-3639-4A4C-90D1-473992927546}" type="doc">
+      <dgm:prSet loTypeId="urn:microsoft.com/office/officeart/2005/8/layout/vList2" loCatId="list" qsTypeId="urn:microsoft.com/office/officeart/2005/8/quickstyle/simple1" qsCatId="simple" csTypeId="urn:microsoft.com/office/officeart/2005/8/colors/colorful5" csCatId="colorful" phldr="1"/>
+      <dgm:spPr/>
+      <dgm:t>
+        <a:bodyPr/>
+        <a:lstStyle/>
+        <a:p>
+          <a:endParaRPr lang="en-US"/>
+        </a:p>
+      </dgm:t>
+    </dgm:pt>
+    <dgm:pt modelId="{148EE70C-BD2E-46C5-BCD6-9533D484989D}">
+      <dgm:prSet phldrT="[Text]"/>
+      <dgm:spPr/>
+      <dgm:t>
+        <a:bodyPr/>
+        <a:lstStyle/>
+        <a:p>
+          <a:r>
+            <a:rPr lang="en-US"/>
+            <a:t>Data</a:t>
+          </a:r>
+        </a:p>
+      </dgm:t>
+    </dgm:pt>
+    <dgm:pt modelId="{5CCDC265-5CB6-4446-9A7E-B9B239D8798A}" type="parTrans" cxnId="{84973E28-A4A8-4F9F-885D-1538668E355F}">
+      <dgm:prSet/>
+      <dgm:spPr/>
+      <dgm:t>
+        <a:bodyPr/>
+        <a:lstStyle/>
+        <a:p>
+          <a:endParaRPr lang="en-US"/>
+        </a:p>
+      </dgm:t>
+    </dgm:pt>
+    <dgm:pt modelId="{EF954835-BF0D-4A6A-8A83-89A00005EAA6}" type="sibTrans" cxnId="{84973E28-A4A8-4F9F-885D-1538668E355F}">
+      <dgm:prSet/>
+      <dgm:spPr/>
+      <dgm:t>
+        <a:bodyPr/>
+        <a:lstStyle/>
+        <a:p>
+          <a:endParaRPr lang="en-US"/>
+        </a:p>
+      </dgm:t>
+    </dgm:pt>
+    <dgm:pt modelId="{1F56DF61-7B66-4206-BFAE-068AA15474ED}">
+      <dgm:prSet/>
+      <dgm:spPr/>
+      <dgm:t>
+        <a:bodyPr/>
+        <a:lstStyle/>
+        <a:p>
+          <a:r>
+            <a:rPr lang="en-US"/>
+            <a:t>Intelligent</a:t>
+          </a:r>
+          <a:endParaRPr lang="en-US" dirty="0"/>
+        </a:p>
+      </dgm:t>
+    </dgm:pt>
+    <dgm:pt modelId="{29AA8E7C-CABB-4C3A-8557-46DB7F17A972}" type="parTrans" cxnId="{828A9E80-B38B-4840-A2B4-EAA9A2D53AEF}">
+      <dgm:prSet/>
+      <dgm:spPr/>
+      <dgm:t>
+        <a:bodyPr/>
+        <a:lstStyle/>
+        <a:p>
+          <a:endParaRPr lang="en-US"/>
+        </a:p>
+      </dgm:t>
+    </dgm:pt>
+    <dgm:pt modelId="{4657918C-6E02-4D51-B9AD-EED91A1A82C8}" type="sibTrans" cxnId="{828A9E80-B38B-4840-A2B4-EAA9A2D53AEF}">
+      <dgm:prSet/>
+      <dgm:spPr/>
+      <dgm:t>
+        <a:bodyPr/>
+        <a:lstStyle/>
+        <a:p>
+          <a:endParaRPr lang="en-US"/>
+        </a:p>
+      </dgm:t>
+    </dgm:pt>
+    <dgm:pt modelId="{37D7028F-BC4B-4684-AFC7-D85F2EAD3E35}">
+      <dgm:prSet/>
+      <dgm:spPr/>
+      <dgm:t>
+        <a:bodyPr/>
+        <a:lstStyle/>
+        <a:p>
+          <a:r>
+            <a:rPr lang="en-US"/>
+            <a:t>Grounded</a:t>
+          </a:r>
+          <a:endParaRPr lang="en-US" dirty="0"/>
+        </a:p>
+      </dgm:t>
+    </dgm:pt>
+    <dgm:pt modelId="{E8CC1548-6C3C-4EF1-A69D-A3C83E1667C6}" type="parTrans" cxnId="{67B96AFA-2BD7-4BC6-AF0D-4559D3737BA1}">
+      <dgm:prSet/>
+      <dgm:spPr/>
+      <dgm:t>
+        <a:bodyPr/>
+        <a:lstStyle/>
+        <a:p>
+          <a:endParaRPr lang="en-US"/>
+        </a:p>
+      </dgm:t>
+    </dgm:pt>
+    <dgm:pt modelId="{1F66543A-8CF0-4F8D-A162-A65D342129D5}" type="sibTrans" cxnId="{67B96AFA-2BD7-4BC6-AF0D-4559D3737BA1}">
+      <dgm:prSet/>
+      <dgm:spPr/>
+      <dgm:t>
+        <a:bodyPr/>
+        <a:lstStyle/>
+        <a:p>
+          <a:endParaRPr lang="en-US"/>
+        </a:p>
+      </dgm:t>
+    </dgm:pt>
+    <dgm:pt modelId="{BE38367A-BA59-4F80-B225-46DCFAF6D5B2}">
+      <dgm:prSet/>
+      <dgm:spPr/>
+      <dgm:t>
+        <a:bodyPr/>
+        <a:lstStyle/>
+        <a:p>
+          <a:r>
+            <a:rPr lang="en-US"/>
+            <a:t>Integral</a:t>
+          </a:r>
+          <a:endParaRPr lang="en-US" dirty="0"/>
+        </a:p>
+      </dgm:t>
+    </dgm:pt>
+    <dgm:pt modelId="{7BF6C8C7-981C-4C48-9314-810D83F0D6DF}" type="parTrans" cxnId="{9BD48C65-34F1-4E7C-8F92-BA607C13C79A}">
+      <dgm:prSet/>
+      <dgm:spPr/>
+      <dgm:t>
+        <a:bodyPr/>
+        <a:lstStyle/>
+        <a:p>
+          <a:endParaRPr lang="en-US"/>
+        </a:p>
+      </dgm:t>
+    </dgm:pt>
+    <dgm:pt modelId="{6ED06ACD-CC29-437F-B15D-68F2A8C0F91D}" type="sibTrans" cxnId="{9BD48C65-34F1-4E7C-8F92-BA607C13C79A}">
+      <dgm:prSet/>
+      <dgm:spPr/>
+      <dgm:t>
+        <a:bodyPr/>
+        <a:lstStyle/>
+        <a:p>
+          <a:endParaRPr lang="en-US"/>
+        </a:p>
+      </dgm:t>
+    </dgm:pt>
+    <dgm:pt modelId="{A40A55E8-37BC-4121-99B0-F487501595D5}">
+      <dgm:prSet/>
+      <dgm:spPr/>
+      <dgm:t>
+        <a:bodyPr/>
+        <a:lstStyle/>
+        <a:p>
+          <a:r>
+            <a:rPr lang="en-US"/>
+            <a:t>Teaming</a:t>
+          </a:r>
+          <a:endParaRPr lang="en-US" dirty="0"/>
+        </a:p>
+      </dgm:t>
+    </dgm:pt>
+    <dgm:pt modelId="{56BC639C-4EE9-4FAF-9808-D2A3926AFDA3}" type="parTrans" cxnId="{66F72CDA-A114-4AC9-98A6-CC093192FADD}">
+      <dgm:prSet/>
+      <dgm:spPr/>
+      <dgm:t>
+        <a:bodyPr/>
+        <a:lstStyle/>
+        <a:p>
+          <a:endParaRPr lang="en-US"/>
+        </a:p>
+      </dgm:t>
+    </dgm:pt>
+    <dgm:pt modelId="{7275BF7A-B645-493C-AA78-360D45179220}" type="sibTrans" cxnId="{66F72CDA-A114-4AC9-98A6-CC093192FADD}">
+      <dgm:prSet/>
+      <dgm:spPr/>
+      <dgm:t>
+        <a:bodyPr/>
+        <a:lstStyle/>
+        <a:p>
+          <a:endParaRPr lang="en-US"/>
+        </a:p>
+      </dgm:t>
+    </dgm:pt>
+    <dgm:pt modelId="{0641F9AB-A179-4EAA-BC4C-2683CC98656E}">
+      <dgm:prSet/>
+      <dgm:spPr/>
+      <dgm:t>
+        <a:bodyPr/>
+        <a:lstStyle/>
+        <a:p>
+          <a:r>
+            <a:rPr lang="en-US"/>
+            <a:t>Agile</a:t>
+          </a:r>
+          <a:endParaRPr lang="en-US" dirty="0"/>
+        </a:p>
+      </dgm:t>
+    </dgm:pt>
+    <dgm:pt modelId="{7835ED4F-21D2-489C-894C-B9362C6BE6DD}" type="parTrans" cxnId="{638125EE-8A67-4FBA-B94C-45C1523571C6}">
+      <dgm:prSet/>
+      <dgm:spPr/>
+      <dgm:t>
+        <a:bodyPr/>
+        <a:lstStyle/>
+        <a:p>
+          <a:endParaRPr lang="en-US"/>
+        </a:p>
+      </dgm:t>
+    </dgm:pt>
+    <dgm:pt modelId="{EDE1C310-53EC-4FDE-8918-EB9AA411F0A0}" type="sibTrans" cxnId="{638125EE-8A67-4FBA-B94C-45C1523571C6}">
+      <dgm:prSet/>
+      <dgm:spPr/>
+      <dgm:t>
+        <a:bodyPr/>
+        <a:lstStyle/>
+        <a:p>
+          <a:endParaRPr lang="en-US"/>
+        </a:p>
+      </dgm:t>
+    </dgm:pt>
+    <dgm:pt modelId="{CB8C029E-40C9-470F-801B-B5D7AFE9668F}">
+      <dgm:prSet/>
+      <dgm:spPr/>
+      <dgm:t>
+        <a:bodyPr/>
+        <a:lstStyle/>
+        <a:p>
+          <a:r>
+            <a:rPr lang="en-US"/>
+            <a:t>Leadership</a:t>
+          </a:r>
+          <a:endParaRPr lang="en-US" dirty="0"/>
+        </a:p>
+      </dgm:t>
+    </dgm:pt>
+    <dgm:pt modelId="{C31E250B-A366-4DFD-9ED5-58AC8380DFA5}" type="parTrans" cxnId="{F4B192D8-90B0-4070-8E30-28475319C40A}">
+      <dgm:prSet/>
+      <dgm:spPr/>
+      <dgm:t>
+        <a:bodyPr/>
+        <a:lstStyle/>
+        <a:p>
+          <a:endParaRPr lang="en-US"/>
+        </a:p>
+      </dgm:t>
+    </dgm:pt>
+    <dgm:pt modelId="{562A30A8-2B2D-46B4-AAD8-F29BB18BDD94}" type="sibTrans" cxnId="{F4B192D8-90B0-4070-8E30-28475319C40A}">
+      <dgm:prSet/>
+      <dgm:spPr/>
+      <dgm:t>
+        <a:bodyPr/>
+        <a:lstStyle/>
+        <a:p>
+          <a:endParaRPr lang="en-US"/>
+        </a:p>
+      </dgm:t>
+    </dgm:pt>
+    <dgm:pt modelId="{BA2A5561-C224-45C0-A0CB-FEB01B2A3035}" type="pres">
+      <dgm:prSet presAssocID="{E153CA7E-3639-4A4C-90D1-473992927546}" presName="linear" presStyleCnt="0">
+        <dgm:presLayoutVars>
+          <dgm:animLvl val="lvl"/>
+          <dgm:resizeHandles val="exact"/>
+        </dgm:presLayoutVars>
+      </dgm:prSet>
+      <dgm:spPr/>
+    </dgm:pt>
+    <dgm:pt modelId="{F7D4C54A-5A88-40F2-9B22-144729283005}" type="pres">
+      <dgm:prSet presAssocID="{148EE70C-BD2E-46C5-BCD6-9533D484989D}" presName="parentText" presStyleLbl="node1" presStyleIdx="0" presStyleCnt="7">
+        <dgm:presLayoutVars>
+          <dgm:chMax val="0"/>
+          <dgm:bulletEnabled val="1"/>
+        </dgm:presLayoutVars>
+      </dgm:prSet>
+      <dgm:spPr/>
+    </dgm:pt>
+    <dgm:pt modelId="{CB5205CF-8330-40FF-B623-059842B4E556}" type="pres">
+      <dgm:prSet presAssocID="{EF954835-BF0D-4A6A-8A83-89A00005EAA6}" presName="spacer" presStyleCnt="0"/>
+      <dgm:spPr/>
+    </dgm:pt>
+    <dgm:pt modelId="{03DF3C2B-ADE1-4910-AEAD-2E98757C643B}" type="pres">
+      <dgm:prSet presAssocID="{1F56DF61-7B66-4206-BFAE-068AA15474ED}" presName="parentText" presStyleLbl="node1" presStyleIdx="1" presStyleCnt="7">
+        <dgm:presLayoutVars>
+          <dgm:chMax val="0"/>
+          <dgm:bulletEnabled val="1"/>
+        </dgm:presLayoutVars>
+      </dgm:prSet>
+      <dgm:spPr/>
+    </dgm:pt>
+    <dgm:pt modelId="{22765BAF-41CD-42CD-B73D-762BB79B9AA8}" type="pres">
+      <dgm:prSet presAssocID="{4657918C-6E02-4D51-B9AD-EED91A1A82C8}" presName="spacer" presStyleCnt="0"/>
+      <dgm:spPr/>
+    </dgm:pt>
+    <dgm:pt modelId="{15944FA8-B9FA-4A9A-80C0-136681716328}" type="pres">
+      <dgm:prSet presAssocID="{37D7028F-BC4B-4684-AFC7-D85F2EAD3E35}" presName="parentText" presStyleLbl="node1" presStyleIdx="2" presStyleCnt="7">
+        <dgm:presLayoutVars>
+          <dgm:chMax val="0"/>
+          <dgm:bulletEnabled val="1"/>
+        </dgm:presLayoutVars>
+      </dgm:prSet>
+      <dgm:spPr/>
+    </dgm:pt>
+    <dgm:pt modelId="{FC581F7B-CA99-469F-9527-3945B34100AF}" type="pres">
+      <dgm:prSet presAssocID="{1F66543A-8CF0-4F8D-A162-A65D342129D5}" presName="spacer" presStyleCnt="0"/>
+      <dgm:spPr/>
+    </dgm:pt>
+    <dgm:pt modelId="{96EA34C3-C274-436A-B809-7CA6F3D4E20C}" type="pres">
+      <dgm:prSet presAssocID="{BE38367A-BA59-4F80-B225-46DCFAF6D5B2}" presName="parentText" presStyleLbl="node1" presStyleIdx="3" presStyleCnt="7">
+        <dgm:presLayoutVars>
+          <dgm:chMax val="0"/>
+          <dgm:bulletEnabled val="1"/>
+        </dgm:presLayoutVars>
+      </dgm:prSet>
+      <dgm:spPr/>
+    </dgm:pt>
+    <dgm:pt modelId="{894D0A87-03EC-4F4C-AA22-7986E4716535}" type="pres">
+      <dgm:prSet presAssocID="{6ED06ACD-CC29-437F-B15D-68F2A8C0F91D}" presName="spacer" presStyleCnt="0"/>
+      <dgm:spPr/>
+    </dgm:pt>
+    <dgm:pt modelId="{DC4C90FD-4B48-4FB5-B0D4-2CB51354C9AE}" type="pres">
+      <dgm:prSet presAssocID="{A40A55E8-37BC-4121-99B0-F487501595D5}" presName="parentText" presStyleLbl="node1" presStyleIdx="4" presStyleCnt="7">
+        <dgm:presLayoutVars>
+          <dgm:chMax val="0"/>
+          <dgm:bulletEnabled val="1"/>
+        </dgm:presLayoutVars>
+      </dgm:prSet>
+      <dgm:spPr/>
+    </dgm:pt>
+    <dgm:pt modelId="{B2F845A5-E536-4AC0-8813-FD49D32081CA}" type="pres">
+      <dgm:prSet presAssocID="{7275BF7A-B645-493C-AA78-360D45179220}" presName="spacer" presStyleCnt="0"/>
+      <dgm:spPr/>
+    </dgm:pt>
+    <dgm:pt modelId="{31ADBAF3-F4AA-4D56-B6AA-0D928D5D511A}" type="pres">
+      <dgm:prSet presAssocID="{0641F9AB-A179-4EAA-BC4C-2683CC98656E}" presName="parentText" presStyleLbl="node1" presStyleIdx="5" presStyleCnt="7">
+        <dgm:presLayoutVars>
+          <dgm:chMax val="0"/>
+          <dgm:bulletEnabled val="1"/>
+        </dgm:presLayoutVars>
+      </dgm:prSet>
+      <dgm:spPr/>
+    </dgm:pt>
+    <dgm:pt modelId="{D4DB09A5-05F2-4008-8115-E717F707D678}" type="pres">
+      <dgm:prSet presAssocID="{EDE1C310-53EC-4FDE-8918-EB9AA411F0A0}" presName="spacer" presStyleCnt="0"/>
+      <dgm:spPr/>
+    </dgm:pt>
+    <dgm:pt modelId="{1A6D3C26-07B0-4C75-8844-2FC3C3AFD867}" type="pres">
+      <dgm:prSet presAssocID="{CB8C029E-40C9-470F-801B-B5D7AFE9668F}" presName="parentText" presStyleLbl="node1" presStyleIdx="6" presStyleCnt="7">
+        <dgm:presLayoutVars>
+          <dgm:chMax val="0"/>
+          <dgm:bulletEnabled val="1"/>
+        </dgm:presLayoutVars>
+      </dgm:prSet>
+      <dgm:spPr/>
+    </dgm:pt>
+  </dgm:ptLst>
+  <dgm:cxnLst>
+    <dgm:cxn modelId="{1BD60213-C5A2-4375-A121-1810E4F34D3A}" type="presOf" srcId="{E153CA7E-3639-4A4C-90D1-473992927546}" destId="{BA2A5561-C224-45C0-A0CB-FEB01B2A3035}" srcOrd="0" destOrd="0" presId="urn:microsoft.com/office/officeart/2005/8/layout/vList2"/>
+    <dgm:cxn modelId="{84973E28-A4A8-4F9F-885D-1538668E355F}" srcId="{E153CA7E-3639-4A4C-90D1-473992927546}" destId="{148EE70C-BD2E-46C5-BCD6-9533D484989D}" srcOrd="0" destOrd="0" parTransId="{5CCDC265-5CB6-4446-9A7E-B9B239D8798A}" sibTransId="{EF954835-BF0D-4A6A-8A83-89A00005EAA6}"/>
+    <dgm:cxn modelId="{272AF42F-FA4F-427A-99FB-2B1700EA2C23}" type="presOf" srcId="{37D7028F-BC4B-4684-AFC7-D85F2EAD3E35}" destId="{15944FA8-B9FA-4A9A-80C0-136681716328}" srcOrd="0" destOrd="0" presId="urn:microsoft.com/office/officeart/2005/8/layout/vList2"/>
+    <dgm:cxn modelId="{9BD48C65-34F1-4E7C-8F92-BA607C13C79A}" srcId="{E153CA7E-3639-4A4C-90D1-473992927546}" destId="{BE38367A-BA59-4F80-B225-46DCFAF6D5B2}" srcOrd="3" destOrd="0" parTransId="{7BF6C8C7-981C-4C48-9314-810D83F0D6DF}" sibTransId="{6ED06ACD-CC29-437F-B15D-68F2A8C0F91D}"/>
+    <dgm:cxn modelId="{27095055-51B3-4791-BF37-7042579AA984}" type="presOf" srcId="{CB8C029E-40C9-470F-801B-B5D7AFE9668F}" destId="{1A6D3C26-07B0-4C75-8844-2FC3C3AFD867}" srcOrd="0" destOrd="0" presId="urn:microsoft.com/office/officeart/2005/8/layout/vList2"/>
+    <dgm:cxn modelId="{8972F859-CD2A-4C93-A3C9-1D0A8823765A}" type="presOf" srcId="{148EE70C-BD2E-46C5-BCD6-9533D484989D}" destId="{F7D4C54A-5A88-40F2-9B22-144729283005}" srcOrd="0" destOrd="0" presId="urn:microsoft.com/office/officeart/2005/8/layout/vList2"/>
+    <dgm:cxn modelId="{828A9E80-B38B-4840-A2B4-EAA9A2D53AEF}" srcId="{E153CA7E-3639-4A4C-90D1-473992927546}" destId="{1F56DF61-7B66-4206-BFAE-068AA15474ED}" srcOrd="1" destOrd="0" parTransId="{29AA8E7C-CABB-4C3A-8557-46DB7F17A972}" sibTransId="{4657918C-6E02-4D51-B9AD-EED91A1A82C8}"/>
+    <dgm:cxn modelId="{07CCA487-6961-4F13-B009-9CAD4B8C0071}" type="presOf" srcId="{1F56DF61-7B66-4206-BFAE-068AA15474ED}" destId="{03DF3C2B-ADE1-4910-AEAD-2E98757C643B}" srcOrd="0" destOrd="0" presId="urn:microsoft.com/office/officeart/2005/8/layout/vList2"/>
+    <dgm:cxn modelId="{9AAEE099-6E13-4940-A1AC-A65F3655713A}" type="presOf" srcId="{BE38367A-BA59-4F80-B225-46DCFAF6D5B2}" destId="{96EA34C3-C274-436A-B809-7CA6F3D4E20C}" srcOrd="0" destOrd="0" presId="urn:microsoft.com/office/officeart/2005/8/layout/vList2"/>
+    <dgm:cxn modelId="{25C2ABC4-BAB2-4287-8A0F-44FD9CE6A96B}" type="presOf" srcId="{A40A55E8-37BC-4121-99B0-F487501595D5}" destId="{DC4C90FD-4B48-4FB5-B0D4-2CB51354C9AE}" srcOrd="0" destOrd="0" presId="urn:microsoft.com/office/officeart/2005/8/layout/vList2"/>
+    <dgm:cxn modelId="{F4B192D8-90B0-4070-8E30-28475319C40A}" srcId="{E153CA7E-3639-4A4C-90D1-473992927546}" destId="{CB8C029E-40C9-470F-801B-B5D7AFE9668F}" srcOrd="6" destOrd="0" parTransId="{C31E250B-A366-4DFD-9ED5-58AC8380DFA5}" sibTransId="{562A30A8-2B2D-46B4-AAD8-F29BB18BDD94}"/>
+    <dgm:cxn modelId="{66F72CDA-A114-4AC9-98A6-CC093192FADD}" srcId="{E153CA7E-3639-4A4C-90D1-473992927546}" destId="{A40A55E8-37BC-4121-99B0-F487501595D5}" srcOrd="4" destOrd="0" parTransId="{56BC639C-4EE9-4FAF-9808-D2A3926AFDA3}" sibTransId="{7275BF7A-B645-493C-AA78-360D45179220}"/>
+    <dgm:cxn modelId="{638125EE-8A67-4FBA-B94C-45C1523571C6}" srcId="{E153CA7E-3639-4A4C-90D1-473992927546}" destId="{0641F9AB-A179-4EAA-BC4C-2683CC98656E}" srcOrd="5" destOrd="0" parTransId="{7835ED4F-21D2-489C-894C-B9362C6BE6DD}" sibTransId="{EDE1C310-53EC-4FDE-8918-EB9AA411F0A0}"/>
+    <dgm:cxn modelId="{015820F5-F55B-4351-9D32-9F8C61C69F21}" type="presOf" srcId="{0641F9AB-A179-4EAA-BC4C-2683CC98656E}" destId="{31ADBAF3-F4AA-4D56-B6AA-0D928D5D511A}" srcOrd="0" destOrd="0" presId="urn:microsoft.com/office/officeart/2005/8/layout/vList2"/>
+    <dgm:cxn modelId="{67B96AFA-2BD7-4BC6-AF0D-4559D3737BA1}" srcId="{E153CA7E-3639-4A4C-90D1-473992927546}" destId="{37D7028F-BC4B-4684-AFC7-D85F2EAD3E35}" srcOrd="2" destOrd="0" parTransId="{E8CC1548-6C3C-4EF1-A69D-A3C83E1667C6}" sibTransId="{1F66543A-8CF0-4F8D-A162-A65D342129D5}"/>
+    <dgm:cxn modelId="{EE96F0B8-4D6D-45C1-B0A4-136827B452FE}" type="presParOf" srcId="{BA2A5561-C224-45C0-A0CB-FEB01B2A3035}" destId="{F7D4C54A-5A88-40F2-9B22-144729283005}" srcOrd="0" destOrd="0" presId="urn:microsoft.com/office/officeart/2005/8/layout/vList2"/>
+    <dgm:cxn modelId="{E1DB1E90-F815-4109-A1D5-E772499E295E}" type="presParOf" srcId="{BA2A5561-C224-45C0-A0CB-FEB01B2A3035}" destId="{CB5205CF-8330-40FF-B623-059842B4E556}" srcOrd="1" destOrd="0" presId="urn:microsoft.com/office/officeart/2005/8/layout/vList2"/>
+    <dgm:cxn modelId="{7868D4E6-1FD5-4FF8-88DB-056BC8F31972}" type="presParOf" srcId="{BA2A5561-C224-45C0-A0CB-FEB01B2A3035}" destId="{03DF3C2B-ADE1-4910-AEAD-2E98757C643B}" srcOrd="2" destOrd="0" presId="urn:microsoft.com/office/officeart/2005/8/layout/vList2"/>
+    <dgm:cxn modelId="{28BFD4B4-8ED5-4216-9762-8EAC812612BF}" type="presParOf" srcId="{BA2A5561-C224-45C0-A0CB-FEB01B2A3035}" destId="{22765BAF-41CD-42CD-B73D-762BB79B9AA8}" srcOrd="3" destOrd="0" presId="urn:microsoft.com/office/officeart/2005/8/layout/vList2"/>
+    <dgm:cxn modelId="{2584B267-C824-4464-8534-B79487289129}" type="presParOf" srcId="{BA2A5561-C224-45C0-A0CB-FEB01B2A3035}" destId="{15944FA8-B9FA-4A9A-80C0-136681716328}" srcOrd="4" destOrd="0" presId="urn:microsoft.com/office/officeart/2005/8/layout/vList2"/>
+    <dgm:cxn modelId="{97469A25-5806-4F24-ACD9-5809D5B5D9AC}" type="presParOf" srcId="{BA2A5561-C224-45C0-A0CB-FEB01B2A3035}" destId="{FC581F7B-CA99-469F-9527-3945B34100AF}" srcOrd="5" destOrd="0" presId="urn:microsoft.com/office/officeart/2005/8/layout/vList2"/>
+    <dgm:cxn modelId="{38377B5F-FCF7-47E7-804E-3DDC54DEEC3F}" type="presParOf" srcId="{BA2A5561-C224-45C0-A0CB-FEB01B2A3035}" destId="{96EA34C3-C274-436A-B809-7CA6F3D4E20C}" srcOrd="6" destOrd="0" presId="urn:microsoft.com/office/officeart/2005/8/layout/vList2"/>
+    <dgm:cxn modelId="{00978AF5-EBDA-44F1-987A-DDE17234974C}" type="presParOf" srcId="{BA2A5561-C224-45C0-A0CB-FEB01B2A3035}" destId="{894D0A87-03EC-4F4C-AA22-7986E4716535}" srcOrd="7" destOrd="0" presId="urn:microsoft.com/office/officeart/2005/8/layout/vList2"/>
+    <dgm:cxn modelId="{DF36ABB0-9460-4A7B-9AE0-6C968C0651B2}" type="presParOf" srcId="{BA2A5561-C224-45C0-A0CB-FEB01B2A3035}" destId="{DC4C90FD-4B48-4FB5-B0D4-2CB51354C9AE}" srcOrd="8" destOrd="0" presId="urn:microsoft.com/office/officeart/2005/8/layout/vList2"/>
+    <dgm:cxn modelId="{E34659EE-4D80-49C6-A5E3-696BF56446F3}" type="presParOf" srcId="{BA2A5561-C224-45C0-A0CB-FEB01B2A3035}" destId="{B2F845A5-E536-4AC0-8813-FD49D32081CA}" srcOrd="9" destOrd="0" presId="urn:microsoft.com/office/officeart/2005/8/layout/vList2"/>
+    <dgm:cxn modelId="{7B441DD5-A8F4-446F-BED0-60E133F25DDE}" type="presParOf" srcId="{BA2A5561-C224-45C0-A0CB-FEB01B2A3035}" destId="{31ADBAF3-F4AA-4D56-B6AA-0D928D5D511A}" srcOrd="10" destOrd="0" presId="urn:microsoft.com/office/officeart/2005/8/layout/vList2"/>
+    <dgm:cxn modelId="{F071E8A0-E19F-4945-B874-B467BDC75F0F}" type="presParOf" srcId="{BA2A5561-C224-45C0-A0CB-FEB01B2A3035}" destId="{D4DB09A5-05F2-4008-8115-E717F707D678}" srcOrd="11" destOrd="0" presId="urn:microsoft.com/office/officeart/2005/8/layout/vList2"/>
+    <dgm:cxn modelId="{440C0E4A-CA1C-43B5-A760-0AFFA73F0D7A}" type="presParOf" srcId="{BA2A5561-C224-45C0-A0CB-FEB01B2A3035}" destId="{1A6D3C26-07B0-4C75-8844-2FC3C3AFD867}" srcOrd="12" destOrd="0" presId="urn:microsoft.com/office/officeart/2005/8/layout/vList2"/>
   </dgm:cxnLst>
   <dgm:bg/>
   <dgm:whole/>
@@ -12550,6 +13741,563 @@
 </dsp:drawing>
 </file>
 
+<file path=ppt/diagrams/drawing5.xml><?xml version="1.0" encoding="utf-8"?>
+<dsp:drawing xmlns:dgm="http://schemas.openxmlformats.org/drawingml/2006/diagram" xmlns:dsp="http://schemas.microsoft.com/office/drawing/2008/diagram" xmlns:a="http://schemas.openxmlformats.org/drawingml/2006/main">
+  <dsp:spTree>
+    <dsp:nvGrpSpPr>
+      <dsp:cNvPr id="0" name=""/>
+      <dsp:cNvGrpSpPr/>
+    </dsp:nvGrpSpPr>
+    <dsp:grpSpPr/>
+    <dsp:sp modelId="{F7D4C54A-5A88-40F2-9B22-144729283005}">
+      <dsp:nvSpPr>
+        <dsp:cNvPr id="0" name=""/>
+        <dsp:cNvSpPr/>
+      </dsp:nvSpPr>
+      <dsp:spPr>
+        <a:xfrm>
+          <a:off x="0" y="13342"/>
+          <a:ext cx="10906125" cy="421200"/>
+        </a:xfrm>
+        <a:prstGeom prst="roundRect">
+          <a:avLst/>
+        </a:prstGeom>
+        <a:solidFill>
+          <a:schemeClr val="accent5">
+            <a:hueOff val="0"/>
+            <a:satOff val="0"/>
+            <a:lumOff val="0"/>
+            <a:alphaOff val="0"/>
+          </a:schemeClr>
+        </a:solidFill>
+        <a:ln w="19050" cap="rnd" cmpd="sng" algn="ctr">
+          <a:solidFill>
+            <a:schemeClr val="lt1">
+              <a:hueOff val="0"/>
+              <a:satOff val="0"/>
+              <a:lumOff val="0"/>
+              <a:alphaOff val="0"/>
+            </a:schemeClr>
+          </a:solidFill>
+          <a:prstDash val="solid"/>
+        </a:ln>
+        <a:effectLst/>
+      </dsp:spPr>
+      <dsp:style>
+        <a:lnRef idx="2">
+          <a:scrgbClr r="0" g="0" b="0"/>
+        </a:lnRef>
+        <a:fillRef idx="1">
+          <a:scrgbClr r="0" g="0" b="0"/>
+        </a:fillRef>
+        <a:effectRef idx="0">
+          <a:scrgbClr r="0" g="0" b="0"/>
+        </a:effectRef>
+        <a:fontRef idx="minor">
+          <a:schemeClr val="lt1"/>
+        </a:fontRef>
+      </dsp:style>
+      <dsp:txBody>
+        <a:bodyPr spcFirstLastPara="0" vert="horz" wrap="square" lIns="68580" tIns="68580" rIns="68580" bIns="68580" numCol="1" spcCol="1270" anchor="ctr" anchorCtr="0">
+          <a:noAutofit/>
+        </a:bodyPr>
+        <a:lstStyle/>
+        <a:p>
+          <a:pPr marL="0" lvl="0" indent="0" algn="l" defTabSz="800100">
+            <a:lnSpc>
+              <a:spcPct val="90000"/>
+            </a:lnSpc>
+            <a:spcBef>
+              <a:spcPct val="0"/>
+            </a:spcBef>
+            <a:spcAft>
+              <a:spcPct val="35000"/>
+            </a:spcAft>
+            <a:buNone/>
+          </a:pPr>
+          <a:r>
+            <a:rPr lang="en-US" sz="1800" kern="1200"/>
+            <a:t>Data</a:t>
+          </a:r>
+        </a:p>
+      </dsp:txBody>
+      <dsp:txXfrm>
+        <a:off x="20561" y="33903"/>
+        <a:ext cx="10865003" cy="380078"/>
+      </dsp:txXfrm>
+    </dsp:sp>
+    <dsp:sp modelId="{03DF3C2B-ADE1-4910-AEAD-2E98757C643B}">
+      <dsp:nvSpPr>
+        <dsp:cNvPr id="0" name=""/>
+        <dsp:cNvSpPr/>
+      </dsp:nvSpPr>
+      <dsp:spPr>
+        <a:xfrm>
+          <a:off x="0" y="486382"/>
+          <a:ext cx="10906125" cy="421200"/>
+        </a:xfrm>
+        <a:prstGeom prst="roundRect">
+          <a:avLst/>
+        </a:prstGeom>
+        <a:solidFill>
+          <a:schemeClr val="accent5">
+            <a:hueOff val="415876"/>
+            <a:satOff val="-8415"/>
+            <a:lumOff val="261"/>
+            <a:alphaOff val="0"/>
+          </a:schemeClr>
+        </a:solidFill>
+        <a:ln w="19050" cap="rnd" cmpd="sng" algn="ctr">
+          <a:solidFill>
+            <a:schemeClr val="lt1">
+              <a:hueOff val="0"/>
+              <a:satOff val="0"/>
+              <a:lumOff val="0"/>
+              <a:alphaOff val="0"/>
+            </a:schemeClr>
+          </a:solidFill>
+          <a:prstDash val="solid"/>
+        </a:ln>
+        <a:effectLst/>
+      </dsp:spPr>
+      <dsp:style>
+        <a:lnRef idx="2">
+          <a:scrgbClr r="0" g="0" b="0"/>
+        </a:lnRef>
+        <a:fillRef idx="1">
+          <a:scrgbClr r="0" g="0" b="0"/>
+        </a:fillRef>
+        <a:effectRef idx="0">
+          <a:scrgbClr r="0" g="0" b="0"/>
+        </a:effectRef>
+        <a:fontRef idx="minor">
+          <a:schemeClr val="lt1"/>
+        </a:fontRef>
+      </dsp:style>
+      <dsp:txBody>
+        <a:bodyPr spcFirstLastPara="0" vert="horz" wrap="square" lIns="68580" tIns="68580" rIns="68580" bIns="68580" numCol="1" spcCol="1270" anchor="ctr" anchorCtr="0">
+          <a:noAutofit/>
+        </a:bodyPr>
+        <a:lstStyle/>
+        <a:p>
+          <a:pPr marL="0" lvl="0" indent="0" algn="l" defTabSz="800100">
+            <a:lnSpc>
+              <a:spcPct val="90000"/>
+            </a:lnSpc>
+            <a:spcBef>
+              <a:spcPct val="0"/>
+            </a:spcBef>
+            <a:spcAft>
+              <a:spcPct val="35000"/>
+            </a:spcAft>
+            <a:buNone/>
+          </a:pPr>
+          <a:r>
+            <a:rPr lang="en-US" sz="1800" kern="1200"/>
+            <a:t>Intelligent</a:t>
+          </a:r>
+          <a:endParaRPr lang="en-US" sz="1800" kern="1200" dirty="0"/>
+        </a:p>
+      </dsp:txBody>
+      <dsp:txXfrm>
+        <a:off x="20561" y="506943"/>
+        <a:ext cx="10865003" cy="380078"/>
+      </dsp:txXfrm>
+    </dsp:sp>
+    <dsp:sp modelId="{15944FA8-B9FA-4A9A-80C0-136681716328}">
+      <dsp:nvSpPr>
+        <dsp:cNvPr id="0" name=""/>
+        <dsp:cNvSpPr/>
+      </dsp:nvSpPr>
+      <dsp:spPr>
+        <a:xfrm>
+          <a:off x="0" y="959422"/>
+          <a:ext cx="10906125" cy="421200"/>
+        </a:xfrm>
+        <a:prstGeom prst="roundRect">
+          <a:avLst/>
+        </a:prstGeom>
+        <a:solidFill>
+          <a:schemeClr val="accent5">
+            <a:hueOff val="831752"/>
+            <a:satOff val="-16830"/>
+            <a:lumOff val="523"/>
+            <a:alphaOff val="0"/>
+          </a:schemeClr>
+        </a:solidFill>
+        <a:ln w="19050" cap="rnd" cmpd="sng" algn="ctr">
+          <a:solidFill>
+            <a:schemeClr val="lt1">
+              <a:hueOff val="0"/>
+              <a:satOff val="0"/>
+              <a:lumOff val="0"/>
+              <a:alphaOff val="0"/>
+            </a:schemeClr>
+          </a:solidFill>
+          <a:prstDash val="solid"/>
+        </a:ln>
+        <a:effectLst/>
+      </dsp:spPr>
+      <dsp:style>
+        <a:lnRef idx="2">
+          <a:scrgbClr r="0" g="0" b="0"/>
+        </a:lnRef>
+        <a:fillRef idx="1">
+          <a:scrgbClr r="0" g="0" b="0"/>
+        </a:fillRef>
+        <a:effectRef idx="0">
+          <a:scrgbClr r="0" g="0" b="0"/>
+        </a:effectRef>
+        <a:fontRef idx="minor">
+          <a:schemeClr val="lt1"/>
+        </a:fontRef>
+      </dsp:style>
+      <dsp:txBody>
+        <a:bodyPr spcFirstLastPara="0" vert="horz" wrap="square" lIns="68580" tIns="68580" rIns="68580" bIns="68580" numCol="1" spcCol="1270" anchor="ctr" anchorCtr="0">
+          <a:noAutofit/>
+        </a:bodyPr>
+        <a:lstStyle/>
+        <a:p>
+          <a:pPr marL="0" lvl="0" indent="0" algn="l" defTabSz="800100">
+            <a:lnSpc>
+              <a:spcPct val="90000"/>
+            </a:lnSpc>
+            <a:spcBef>
+              <a:spcPct val="0"/>
+            </a:spcBef>
+            <a:spcAft>
+              <a:spcPct val="35000"/>
+            </a:spcAft>
+            <a:buNone/>
+          </a:pPr>
+          <a:r>
+            <a:rPr lang="en-US" sz="1800" kern="1200"/>
+            <a:t>Grounded</a:t>
+          </a:r>
+          <a:endParaRPr lang="en-US" sz="1800" kern="1200" dirty="0"/>
+        </a:p>
+      </dsp:txBody>
+      <dsp:txXfrm>
+        <a:off x="20561" y="979983"/>
+        <a:ext cx="10865003" cy="380078"/>
+      </dsp:txXfrm>
+    </dsp:sp>
+    <dsp:sp modelId="{96EA34C3-C274-436A-B809-7CA6F3D4E20C}">
+      <dsp:nvSpPr>
+        <dsp:cNvPr id="0" name=""/>
+        <dsp:cNvSpPr/>
+      </dsp:nvSpPr>
+      <dsp:spPr>
+        <a:xfrm>
+          <a:off x="0" y="1432462"/>
+          <a:ext cx="10906125" cy="421200"/>
+        </a:xfrm>
+        <a:prstGeom prst="roundRect">
+          <a:avLst/>
+        </a:prstGeom>
+        <a:solidFill>
+          <a:schemeClr val="accent5">
+            <a:hueOff val="1247628"/>
+            <a:satOff val="-25244"/>
+            <a:lumOff val="784"/>
+            <a:alphaOff val="0"/>
+          </a:schemeClr>
+        </a:solidFill>
+        <a:ln w="19050" cap="rnd" cmpd="sng" algn="ctr">
+          <a:solidFill>
+            <a:schemeClr val="lt1">
+              <a:hueOff val="0"/>
+              <a:satOff val="0"/>
+              <a:lumOff val="0"/>
+              <a:alphaOff val="0"/>
+            </a:schemeClr>
+          </a:solidFill>
+          <a:prstDash val="solid"/>
+        </a:ln>
+        <a:effectLst/>
+      </dsp:spPr>
+      <dsp:style>
+        <a:lnRef idx="2">
+          <a:scrgbClr r="0" g="0" b="0"/>
+        </a:lnRef>
+        <a:fillRef idx="1">
+          <a:scrgbClr r="0" g="0" b="0"/>
+        </a:fillRef>
+        <a:effectRef idx="0">
+          <a:scrgbClr r="0" g="0" b="0"/>
+        </a:effectRef>
+        <a:fontRef idx="minor">
+          <a:schemeClr val="lt1"/>
+        </a:fontRef>
+      </dsp:style>
+      <dsp:txBody>
+        <a:bodyPr spcFirstLastPara="0" vert="horz" wrap="square" lIns="68580" tIns="68580" rIns="68580" bIns="68580" numCol="1" spcCol="1270" anchor="ctr" anchorCtr="0">
+          <a:noAutofit/>
+        </a:bodyPr>
+        <a:lstStyle/>
+        <a:p>
+          <a:pPr marL="0" lvl="0" indent="0" algn="l" defTabSz="800100">
+            <a:lnSpc>
+              <a:spcPct val="90000"/>
+            </a:lnSpc>
+            <a:spcBef>
+              <a:spcPct val="0"/>
+            </a:spcBef>
+            <a:spcAft>
+              <a:spcPct val="35000"/>
+            </a:spcAft>
+            <a:buNone/>
+          </a:pPr>
+          <a:r>
+            <a:rPr lang="en-US" sz="1800" kern="1200"/>
+            <a:t>Integral</a:t>
+          </a:r>
+          <a:endParaRPr lang="en-US" sz="1800" kern="1200" dirty="0"/>
+        </a:p>
+      </dsp:txBody>
+      <dsp:txXfrm>
+        <a:off x="20561" y="1453023"/>
+        <a:ext cx="10865003" cy="380078"/>
+      </dsp:txXfrm>
+    </dsp:sp>
+    <dsp:sp modelId="{DC4C90FD-4B48-4FB5-B0D4-2CB51354C9AE}">
+      <dsp:nvSpPr>
+        <dsp:cNvPr id="0" name=""/>
+        <dsp:cNvSpPr/>
+      </dsp:nvSpPr>
+      <dsp:spPr>
+        <a:xfrm>
+          <a:off x="0" y="1905502"/>
+          <a:ext cx="10906125" cy="421200"/>
+        </a:xfrm>
+        <a:prstGeom prst="roundRect">
+          <a:avLst/>
+        </a:prstGeom>
+        <a:solidFill>
+          <a:schemeClr val="accent5">
+            <a:hueOff val="1663504"/>
+            <a:satOff val="-33659"/>
+            <a:lumOff val="1046"/>
+            <a:alphaOff val="0"/>
+          </a:schemeClr>
+        </a:solidFill>
+        <a:ln w="19050" cap="rnd" cmpd="sng" algn="ctr">
+          <a:solidFill>
+            <a:schemeClr val="lt1">
+              <a:hueOff val="0"/>
+              <a:satOff val="0"/>
+              <a:lumOff val="0"/>
+              <a:alphaOff val="0"/>
+            </a:schemeClr>
+          </a:solidFill>
+          <a:prstDash val="solid"/>
+        </a:ln>
+        <a:effectLst/>
+      </dsp:spPr>
+      <dsp:style>
+        <a:lnRef idx="2">
+          <a:scrgbClr r="0" g="0" b="0"/>
+        </a:lnRef>
+        <a:fillRef idx="1">
+          <a:scrgbClr r="0" g="0" b="0"/>
+        </a:fillRef>
+        <a:effectRef idx="0">
+          <a:scrgbClr r="0" g="0" b="0"/>
+        </a:effectRef>
+        <a:fontRef idx="minor">
+          <a:schemeClr val="lt1"/>
+        </a:fontRef>
+      </dsp:style>
+      <dsp:txBody>
+        <a:bodyPr spcFirstLastPara="0" vert="horz" wrap="square" lIns="68580" tIns="68580" rIns="68580" bIns="68580" numCol="1" spcCol="1270" anchor="ctr" anchorCtr="0">
+          <a:noAutofit/>
+        </a:bodyPr>
+        <a:lstStyle/>
+        <a:p>
+          <a:pPr marL="0" lvl="0" indent="0" algn="l" defTabSz="800100">
+            <a:lnSpc>
+              <a:spcPct val="90000"/>
+            </a:lnSpc>
+            <a:spcBef>
+              <a:spcPct val="0"/>
+            </a:spcBef>
+            <a:spcAft>
+              <a:spcPct val="35000"/>
+            </a:spcAft>
+            <a:buNone/>
+          </a:pPr>
+          <a:r>
+            <a:rPr lang="en-US" sz="1800" kern="1200"/>
+            <a:t>Teaming</a:t>
+          </a:r>
+          <a:endParaRPr lang="en-US" sz="1800" kern="1200" dirty="0"/>
+        </a:p>
+      </dsp:txBody>
+      <dsp:txXfrm>
+        <a:off x="20561" y="1926063"/>
+        <a:ext cx="10865003" cy="380078"/>
+      </dsp:txXfrm>
+    </dsp:sp>
+    <dsp:sp modelId="{31ADBAF3-F4AA-4D56-B6AA-0D928D5D511A}">
+      <dsp:nvSpPr>
+        <dsp:cNvPr id="0" name=""/>
+        <dsp:cNvSpPr/>
+      </dsp:nvSpPr>
+      <dsp:spPr>
+        <a:xfrm>
+          <a:off x="0" y="2378542"/>
+          <a:ext cx="10906125" cy="421200"/>
+        </a:xfrm>
+        <a:prstGeom prst="roundRect">
+          <a:avLst/>
+        </a:prstGeom>
+        <a:solidFill>
+          <a:schemeClr val="accent5">
+            <a:hueOff val="2079380"/>
+            <a:satOff val="-42074"/>
+            <a:lumOff val="1307"/>
+            <a:alphaOff val="0"/>
+          </a:schemeClr>
+        </a:solidFill>
+        <a:ln w="19050" cap="rnd" cmpd="sng" algn="ctr">
+          <a:solidFill>
+            <a:schemeClr val="lt1">
+              <a:hueOff val="0"/>
+              <a:satOff val="0"/>
+              <a:lumOff val="0"/>
+              <a:alphaOff val="0"/>
+            </a:schemeClr>
+          </a:solidFill>
+          <a:prstDash val="solid"/>
+        </a:ln>
+        <a:effectLst/>
+      </dsp:spPr>
+      <dsp:style>
+        <a:lnRef idx="2">
+          <a:scrgbClr r="0" g="0" b="0"/>
+        </a:lnRef>
+        <a:fillRef idx="1">
+          <a:scrgbClr r="0" g="0" b="0"/>
+        </a:fillRef>
+        <a:effectRef idx="0">
+          <a:scrgbClr r="0" g="0" b="0"/>
+        </a:effectRef>
+        <a:fontRef idx="minor">
+          <a:schemeClr val="lt1"/>
+        </a:fontRef>
+      </dsp:style>
+      <dsp:txBody>
+        <a:bodyPr spcFirstLastPara="0" vert="horz" wrap="square" lIns="68580" tIns="68580" rIns="68580" bIns="68580" numCol="1" spcCol="1270" anchor="ctr" anchorCtr="0">
+          <a:noAutofit/>
+        </a:bodyPr>
+        <a:lstStyle/>
+        <a:p>
+          <a:pPr marL="0" lvl="0" indent="0" algn="l" defTabSz="800100">
+            <a:lnSpc>
+              <a:spcPct val="90000"/>
+            </a:lnSpc>
+            <a:spcBef>
+              <a:spcPct val="0"/>
+            </a:spcBef>
+            <a:spcAft>
+              <a:spcPct val="35000"/>
+            </a:spcAft>
+            <a:buNone/>
+          </a:pPr>
+          <a:r>
+            <a:rPr lang="en-US" sz="1800" kern="1200"/>
+            <a:t>Agile</a:t>
+          </a:r>
+          <a:endParaRPr lang="en-US" sz="1800" kern="1200" dirty="0"/>
+        </a:p>
+      </dsp:txBody>
+      <dsp:txXfrm>
+        <a:off x="20561" y="2399103"/>
+        <a:ext cx="10865003" cy="380078"/>
+      </dsp:txXfrm>
+    </dsp:sp>
+    <dsp:sp modelId="{1A6D3C26-07B0-4C75-8844-2FC3C3AFD867}">
+      <dsp:nvSpPr>
+        <dsp:cNvPr id="0" name=""/>
+        <dsp:cNvSpPr/>
+      </dsp:nvSpPr>
+      <dsp:spPr>
+        <a:xfrm>
+          <a:off x="0" y="2851582"/>
+          <a:ext cx="10906125" cy="421200"/>
+        </a:xfrm>
+        <a:prstGeom prst="roundRect">
+          <a:avLst/>
+        </a:prstGeom>
+        <a:solidFill>
+          <a:schemeClr val="accent5">
+            <a:hueOff val="2495256"/>
+            <a:satOff val="-50489"/>
+            <a:lumOff val="1569"/>
+            <a:alphaOff val="0"/>
+          </a:schemeClr>
+        </a:solidFill>
+        <a:ln w="19050" cap="rnd" cmpd="sng" algn="ctr">
+          <a:solidFill>
+            <a:schemeClr val="lt1">
+              <a:hueOff val="0"/>
+              <a:satOff val="0"/>
+              <a:lumOff val="0"/>
+              <a:alphaOff val="0"/>
+            </a:schemeClr>
+          </a:solidFill>
+          <a:prstDash val="solid"/>
+        </a:ln>
+        <a:effectLst/>
+      </dsp:spPr>
+      <dsp:style>
+        <a:lnRef idx="2">
+          <a:scrgbClr r="0" g="0" b="0"/>
+        </a:lnRef>
+        <a:fillRef idx="1">
+          <a:scrgbClr r="0" g="0" b="0"/>
+        </a:fillRef>
+        <a:effectRef idx="0">
+          <a:scrgbClr r="0" g="0" b="0"/>
+        </a:effectRef>
+        <a:fontRef idx="minor">
+          <a:schemeClr val="lt1"/>
+        </a:fontRef>
+      </dsp:style>
+      <dsp:txBody>
+        <a:bodyPr spcFirstLastPara="0" vert="horz" wrap="square" lIns="68580" tIns="68580" rIns="68580" bIns="68580" numCol="1" spcCol="1270" anchor="ctr" anchorCtr="0">
+          <a:noAutofit/>
+        </a:bodyPr>
+        <a:lstStyle/>
+        <a:p>
+          <a:pPr marL="0" lvl="0" indent="0" algn="l" defTabSz="800100">
+            <a:lnSpc>
+              <a:spcPct val="90000"/>
+            </a:lnSpc>
+            <a:spcBef>
+              <a:spcPct val="0"/>
+            </a:spcBef>
+            <a:spcAft>
+              <a:spcPct val="35000"/>
+            </a:spcAft>
+            <a:buNone/>
+          </a:pPr>
+          <a:r>
+            <a:rPr lang="en-US" sz="1800" kern="1200"/>
+            <a:t>Leadership</a:t>
+          </a:r>
+          <a:endParaRPr lang="en-US" sz="1800" kern="1200" dirty="0"/>
+        </a:p>
+      </dsp:txBody>
+      <dsp:txXfrm>
+        <a:off x="20561" y="2872143"/>
+        <a:ext cx="10865003" cy="380078"/>
+      </dsp:txXfrm>
+    </dsp:sp>
+  </dsp:spTree>
+</dsp:drawing>
+</file>
+
 <file path=ppt/diagrams/layout1.xml><?xml version="1.0" encoding="utf-8"?>
 <dgm:layoutDef xmlns:dgm="http://schemas.openxmlformats.org/drawingml/2006/diagram" xmlns:a="http://schemas.openxmlformats.org/drawingml/2006/main" uniqueId="urn:microsoft.com/office/officeart/2016/7/layout/LinearBlockProcessNumbered">
   <dgm:title val="Linear Block Process Numbered"/>
@@ -15402,6 +17150,173 @@
 </dgm:layoutDef>
 </file>
 
+<file path=ppt/diagrams/layout5.xml><?xml version="1.0" encoding="utf-8"?>
+<dgm:layoutDef xmlns:dgm="http://schemas.openxmlformats.org/drawingml/2006/diagram" xmlns:a="http://schemas.openxmlformats.org/drawingml/2006/main" uniqueId="urn:microsoft.com/office/officeart/2005/8/layout/vList2">
+  <dgm:title val=""/>
+  <dgm:desc val=""/>
+  <dgm:catLst>
+    <dgm:cat type="list" pri="3000"/>
+    <dgm:cat type="convert" pri="1000"/>
+  </dgm:catLst>
+  <dgm:sampData>
+    <dgm:dataModel>
+      <dgm:ptLst>
+        <dgm:pt modelId="0" type="doc"/>
+        <dgm:pt modelId="1">
+          <dgm:prSet phldr="1"/>
+        </dgm:pt>
+        <dgm:pt modelId="11">
+          <dgm:prSet phldr="1"/>
+        </dgm:pt>
+        <dgm:pt modelId="2">
+          <dgm:prSet phldr="1"/>
+        </dgm:pt>
+        <dgm:pt modelId="21">
+          <dgm:prSet phldr="1"/>
+        </dgm:pt>
+      </dgm:ptLst>
+      <dgm:cxnLst>
+        <dgm:cxn modelId="4" srcId="0" destId="1" srcOrd="0" destOrd="0"/>
+        <dgm:cxn modelId="5" srcId="0" destId="2" srcOrd="1" destOrd="0"/>
+        <dgm:cxn modelId="12" srcId="1" destId="11" srcOrd="0" destOrd="0"/>
+        <dgm:cxn modelId="23" srcId="2" destId="21" srcOrd="0" destOrd="0"/>
+      </dgm:cxnLst>
+      <dgm:bg/>
+      <dgm:whole/>
+    </dgm:dataModel>
+  </dgm:sampData>
+  <dgm:styleData>
+    <dgm:dataModel>
+      <dgm:ptLst>
+        <dgm:pt modelId="0" type="doc"/>
+        <dgm:pt modelId="1"/>
+        <dgm:pt modelId="2"/>
+      </dgm:ptLst>
+      <dgm:cxnLst>
+        <dgm:cxn modelId="3" srcId="0" destId="1" srcOrd="0" destOrd="0"/>
+        <dgm:cxn modelId="4" srcId="0" destId="2" srcOrd="1" destOrd="0"/>
+      </dgm:cxnLst>
+      <dgm:bg/>
+      <dgm:whole/>
+    </dgm:dataModel>
+  </dgm:styleData>
+  <dgm:clrData>
+    <dgm:dataModel>
+      <dgm:ptLst>
+        <dgm:pt modelId="0" type="doc"/>
+        <dgm:pt modelId="1"/>
+        <dgm:pt modelId="2"/>
+        <dgm:pt modelId="3"/>
+        <dgm:pt modelId="4"/>
+      </dgm:ptLst>
+      <dgm:cxnLst>
+        <dgm:cxn modelId="5" srcId="0" destId="1" srcOrd="0" destOrd="0"/>
+        <dgm:cxn modelId="6" srcId="0" destId="2" srcOrd="1" destOrd="0"/>
+        <dgm:cxn modelId="7" srcId="0" destId="3" srcOrd="2" destOrd="0"/>
+        <dgm:cxn modelId="8" srcId="0" destId="4" srcOrd="3" destOrd="0"/>
+      </dgm:cxnLst>
+      <dgm:bg/>
+      <dgm:whole/>
+    </dgm:dataModel>
+  </dgm:clrData>
+  <dgm:layoutNode name="linear">
+    <dgm:varLst>
+      <dgm:animLvl val="lvl"/>
+      <dgm:resizeHandles val="exact"/>
+    </dgm:varLst>
+    <dgm:alg type="lin">
+      <dgm:param type="linDir" val="fromT"/>
+      <dgm:param type="vertAlign" val="mid"/>
+    </dgm:alg>
+    <dgm:shape xmlns:r="http://schemas.openxmlformats.org/officeDocument/2006/relationships" r:blip="">
+      <dgm:adjLst/>
+    </dgm:shape>
+    <dgm:presOf/>
+    <dgm:constrLst>
+      <dgm:constr type="w" for="ch" forName="parentText" refType="w"/>
+      <dgm:constr type="h" for="ch" forName="parentText" refType="primFontSz" refFor="ch" refForName="parentText" fact="0.52"/>
+      <dgm:constr type="w" for="ch" forName="childText" refType="w"/>
+      <dgm:constr type="h" for="ch" forName="childText" refType="primFontSz" refFor="ch" refForName="parentText" fact="0.46"/>
+      <dgm:constr type="h" for="ch" forName="parentText" op="equ"/>
+      <dgm:constr type="primFontSz" for="ch" forName="parentText" op="equ" val="65"/>
+      <dgm:constr type="primFontSz" for="ch" forName="childText" refType="primFontSz" refFor="ch" refForName="parentText" op="equ"/>
+      <dgm:constr type="h" for="ch" forName="spacer" refType="primFontSz" refFor="ch" refForName="parentText" fact="0.08"/>
+    </dgm:constrLst>
+    <dgm:ruleLst>
+      <dgm:rule type="primFontSz" for="ch" forName="parentText" val="5" fact="NaN" max="NaN"/>
+    </dgm:ruleLst>
+    <dgm:forEach name="Name0" axis="ch" ptType="node">
+      <dgm:layoutNode name="parentText" styleLbl="node1">
+        <dgm:varLst>
+          <dgm:chMax val="0"/>
+          <dgm:bulletEnabled val="1"/>
+        </dgm:varLst>
+        <dgm:alg type="tx">
+          <dgm:param type="parTxLTRAlign" val="l"/>
+          <dgm:param type="parTxRTLAlign" val="r"/>
+        </dgm:alg>
+        <dgm:shape xmlns:r="http://schemas.openxmlformats.org/officeDocument/2006/relationships" type="roundRect" r:blip="">
+          <dgm:adjLst/>
+        </dgm:shape>
+        <dgm:presOf axis="self"/>
+        <dgm:constrLst>
+          <dgm:constr type="tMarg" refType="primFontSz" fact="0.3"/>
+          <dgm:constr type="bMarg" refType="primFontSz" fact="0.3"/>
+          <dgm:constr type="lMarg" refType="primFontSz" fact="0.3"/>
+          <dgm:constr type="rMarg" refType="primFontSz" fact="0.3"/>
+        </dgm:constrLst>
+        <dgm:ruleLst>
+          <dgm:rule type="h" val="INF" fact="NaN" max="NaN"/>
+        </dgm:ruleLst>
+      </dgm:layoutNode>
+      <dgm:choose name="Name1">
+        <dgm:if name="Name2" axis="ch" ptType="node" func="cnt" op="gte" val="1">
+          <dgm:layoutNode name="childText" styleLbl="revTx">
+            <dgm:varLst>
+              <dgm:bulletEnabled val="1"/>
+            </dgm:varLst>
+            <dgm:alg type="tx">
+              <dgm:param type="stBulletLvl" val="1"/>
+              <dgm:param type="lnSpAfChP" val="20"/>
+            </dgm:alg>
+            <dgm:shape xmlns:r="http://schemas.openxmlformats.org/officeDocument/2006/relationships" type="rect" r:blip="">
+              <dgm:adjLst/>
+            </dgm:shape>
+            <dgm:presOf axis="des" ptType="node"/>
+            <dgm:constrLst>
+              <dgm:constr type="tMarg" refType="primFontSz" fact="0.1"/>
+              <dgm:constr type="bMarg" refType="primFontSz" fact="0.1"/>
+              <dgm:constr type="lMarg" refType="w" fact="0.09"/>
+            </dgm:constrLst>
+            <dgm:ruleLst>
+              <dgm:rule type="h" val="INF" fact="NaN" max="NaN"/>
+            </dgm:ruleLst>
+          </dgm:layoutNode>
+        </dgm:if>
+        <dgm:else name="Name3">
+          <dgm:choose name="Name4">
+            <dgm:if name="Name5" axis="par ch" ptType="doc node" func="cnt" op="gte" val="2">
+              <dgm:forEach name="Name6" axis="followSib" ptType="sibTrans" cnt="1">
+                <dgm:layoutNode name="spacer">
+                  <dgm:alg type="sp"/>
+                  <dgm:shape xmlns:r="http://schemas.openxmlformats.org/officeDocument/2006/relationships" r:blip="">
+                    <dgm:adjLst/>
+                  </dgm:shape>
+                  <dgm:presOf/>
+                  <dgm:constrLst/>
+                  <dgm:ruleLst/>
+                </dgm:layoutNode>
+              </dgm:forEach>
+            </dgm:if>
+            <dgm:else name="Name7"/>
+          </dgm:choose>
+        </dgm:else>
+      </dgm:choose>
+    </dgm:forEach>
+  </dgm:layoutNode>
+</dgm:layoutDef>
+</file>
+
 <file path=ppt/diagrams/quickStyle1.xml><?xml version="1.0" encoding="utf-8"?>
 <dgm:styleDef xmlns:dgm="http://schemas.openxmlformats.org/drawingml/2006/diagram" xmlns:a="http://schemas.openxmlformats.org/drawingml/2006/main" uniqueId="urn:microsoft.com/office/officeart/2005/8/quickstyle/simple1">
   <dgm:title val=""/>
@@ -19510,6 +21425,1040 @@
         <a:scrgbClr r="0" g="0" b="0"/>
       </a:fillRef>
       <a:effectRef idx="2">
+        <a:scrgbClr r="0" g="0" b="0"/>
+      </a:effectRef>
+      <a:fontRef idx="minor"/>
+    </dgm:style>
+  </dgm:styleLbl>
+  <dgm:styleLbl name="revTx">
+    <dgm:scene3d>
+      <a:camera prst="orthographicFront"/>
+      <a:lightRig rig="threePt" dir="t"/>
+    </dgm:scene3d>
+    <dgm:sp3d/>
+    <dgm:txPr/>
+    <dgm:style>
+      <a:lnRef idx="0">
+        <a:scrgbClr r="0" g="0" b="0"/>
+      </a:lnRef>
+      <a:fillRef idx="0">
+        <a:scrgbClr r="0" g="0" b="0"/>
+      </a:fillRef>
+      <a:effectRef idx="0">
+        <a:scrgbClr r="0" g="0" b="0"/>
+      </a:effectRef>
+      <a:fontRef idx="minor"/>
+    </dgm:style>
+  </dgm:styleLbl>
+</dgm:styleDef>
+</file>
+
+<file path=ppt/diagrams/quickStyle5.xml><?xml version="1.0" encoding="utf-8"?>
+<dgm:styleDef xmlns:dgm="http://schemas.openxmlformats.org/drawingml/2006/diagram" xmlns:a="http://schemas.openxmlformats.org/drawingml/2006/main" uniqueId="urn:microsoft.com/office/officeart/2005/8/quickstyle/simple1">
+  <dgm:title val=""/>
+  <dgm:desc val=""/>
+  <dgm:catLst>
+    <dgm:cat type="simple" pri="10100"/>
+  </dgm:catLst>
+  <dgm:scene3d>
+    <a:camera prst="orthographicFront"/>
+    <a:lightRig rig="threePt" dir="t"/>
+  </dgm:scene3d>
+  <dgm:styleLbl name="node0">
+    <dgm:scene3d>
+      <a:camera prst="orthographicFront"/>
+      <a:lightRig rig="threePt" dir="t"/>
+    </dgm:scene3d>
+    <dgm:sp3d/>
+    <dgm:txPr/>
+    <dgm:style>
+      <a:lnRef idx="2">
+        <a:scrgbClr r="0" g="0" b="0"/>
+      </a:lnRef>
+      <a:fillRef idx="1">
+        <a:scrgbClr r="0" g="0" b="0"/>
+      </a:fillRef>
+      <a:effectRef idx="0">
+        <a:scrgbClr r="0" g="0" b="0"/>
+      </a:effectRef>
+      <a:fontRef idx="minor">
+        <a:schemeClr val="lt1"/>
+      </a:fontRef>
+    </dgm:style>
+  </dgm:styleLbl>
+  <dgm:styleLbl name="lnNode1">
+    <dgm:scene3d>
+      <a:camera prst="orthographicFront"/>
+      <a:lightRig rig="threePt" dir="t"/>
+    </dgm:scene3d>
+    <dgm:sp3d/>
+    <dgm:txPr/>
+    <dgm:style>
+      <a:lnRef idx="2">
+        <a:scrgbClr r="0" g="0" b="0"/>
+      </a:lnRef>
+      <a:fillRef idx="1">
+        <a:scrgbClr r="0" g="0" b="0"/>
+      </a:fillRef>
+      <a:effectRef idx="0">
+        <a:scrgbClr r="0" g="0" b="0"/>
+      </a:effectRef>
+      <a:fontRef idx="minor">
+        <a:schemeClr val="lt1"/>
+      </a:fontRef>
+    </dgm:style>
+  </dgm:styleLbl>
+  <dgm:styleLbl name="vennNode1">
+    <dgm:scene3d>
+      <a:camera prst="orthographicFront"/>
+      <a:lightRig rig="threePt" dir="t"/>
+    </dgm:scene3d>
+    <dgm:sp3d/>
+    <dgm:txPr/>
+    <dgm:style>
+      <a:lnRef idx="2">
+        <a:scrgbClr r="0" g="0" b="0"/>
+      </a:lnRef>
+      <a:fillRef idx="1">
+        <a:scrgbClr r="0" g="0" b="0"/>
+      </a:fillRef>
+      <a:effectRef idx="0">
+        <a:scrgbClr r="0" g="0" b="0"/>
+      </a:effectRef>
+      <a:fontRef idx="minor">
+        <a:schemeClr val="tx1"/>
+      </a:fontRef>
+    </dgm:style>
+  </dgm:styleLbl>
+  <dgm:styleLbl name="alignNode1">
+    <dgm:scene3d>
+      <a:camera prst="orthographicFront"/>
+      <a:lightRig rig="threePt" dir="t"/>
+    </dgm:scene3d>
+    <dgm:sp3d/>
+    <dgm:txPr/>
+    <dgm:style>
+      <a:lnRef idx="2">
+        <a:scrgbClr r="0" g="0" b="0"/>
+      </a:lnRef>
+      <a:fillRef idx="1">
+        <a:scrgbClr r="0" g="0" b="0"/>
+      </a:fillRef>
+      <a:effectRef idx="0">
+        <a:scrgbClr r="0" g="0" b="0"/>
+      </a:effectRef>
+      <a:fontRef idx="minor">
+        <a:schemeClr val="lt1"/>
+      </a:fontRef>
+    </dgm:style>
+  </dgm:styleLbl>
+  <dgm:styleLbl name="node1">
+    <dgm:scene3d>
+      <a:camera prst="orthographicFront"/>
+      <a:lightRig rig="threePt" dir="t"/>
+    </dgm:scene3d>
+    <dgm:sp3d/>
+    <dgm:txPr/>
+    <dgm:style>
+      <a:lnRef idx="2">
+        <a:scrgbClr r="0" g="0" b="0"/>
+      </a:lnRef>
+      <a:fillRef idx="1">
+        <a:scrgbClr r="0" g="0" b="0"/>
+      </a:fillRef>
+      <a:effectRef idx="0">
+        <a:scrgbClr r="0" g="0" b="0"/>
+      </a:effectRef>
+      <a:fontRef idx="minor">
+        <a:schemeClr val="lt1"/>
+      </a:fontRef>
+    </dgm:style>
+  </dgm:styleLbl>
+  <dgm:styleLbl name="node2">
+    <dgm:scene3d>
+      <a:camera prst="orthographicFront"/>
+      <a:lightRig rig="threePt" dir="t"/>
+    </dgm:scene3d>
+    <dgm:sp3d/>
+    <dgm:txPr/>
+    <dgm:style>
+      <a:lnRef idx="2">
+        <a:scrgbClr r="0" g="0" b="0"/>
+      </a:lnRef>
+      <a:fillRef idx="1">
+        <a:scrgbClr r="0" g="0" b="0"/>
+      </a:fillRef>
+      <a:effectRef idx="0">
+        <a:scrgbClr r="0" g="0" b="0"/>
+      </a:effectRef>
+      <a:fontRef idx="minor">
+        <a:schemeClr val="lt1"/>
+      </a:fontRef>
+    </dgm:style>
+  </dgm:styleLbl>
+  <dgm:styleLbl name="node3">
+    <dgm:scene3d>
+      <a:camera prst="orthographicFront"/>
+      <a:lightRig rig="threePt" dir="t"/>
+    </dgm:scene3d>
+    <dgm:sp3d/>
+    <dgm:txPr/>
+    <dgm:style>
+      <a:lnRef idx="2">
+        <a:scrgbClr r="0" g="0" b="0"/>
+      </a:lnRef>
+      <a:fillRef idx="1">
+        <a:scrgbClr r="0" g="0" b="0"/>
+      </a:fillRef>
+      <a:effectRef idx="0">
+        <a:scrgbClr r="0" g="0" b="0"/>
+      </a:effectRef>
+      <a:fontRef idx="minor">
+        <a:schemeClr val="lt1"/>
+      </a:fontRef>
+    </dgm:style>
+  </dgm:styleLbl>
+  <dgm:styleLbl name="node4">
+    <dgm:scene3d>
+      <a:camera prst="orthographicFront"/>
+      <a:lightRig rig="threePt" dir="t"/>
+    </dgm:scene3d>
+    <dgm:sp3d/>
+    <dgm:txPr/>
+    <dgm:style>
+      <a:lnRef idx="2">
+        <a:scrgbClr r="0" g="0" b="0"/>
+      </a:lnRef>
+      <a:fillRef idx="1">
+        <a:scrgbClr r="0" g="0" b="0"/>
+      </a:fillRef>
+      <a:effectRef idx="0">
+        <a:scrgbClr r="0" g="0" b="0"/>
+      </a:effectRef>
+      <a:fontRef idx="minor">
+        <a:schemeClr val="lt1"/>
+      </a:fontRef>
+    </dgm:style>
+  </dgm:styleLbl>
+  <dgm:styleLbl name="fgImgPlace1">
+    <dgm:scene3d>
+      <a:camera prst="orthographicFront"/>
+      <a:lightRig rig="threePt" dir="t"/>
+    </dgm:scene3d>
+    <dgm:sp3d/>
+    <dgm:txPr/>
+    <dgm:style>
+      <a:lnRef idx="2">
+        <a:scrgbClr r="0" g="0" b="0"/>
+      </a:lnRef>
+      <a:fillRef idx="1">
+        <a:scrgbClr r="0" g="0" b="0"/>
+      </a:fillRef>
+      <a:effectRef idx="0">
+        <a:scrgbClr r="0" g="0" b="0"/>
+      </a:effectRef>
+      <a:fontRef idx="minor"/>
+    </dgm:style>
+  </dgm:styleLbl>
+  <dgm:styleLbl name="alignImgPlace1">
+    <dgm:scene3d>
+      <a:camera prst="orthographicFront"/>
+      <a:lightRig rig="threePt" dir="t"/>
+    </dgm:scene3d>
+    <dgm:sp3d/>
+    <dgm:txPr/>
+    <dgm:style>
+      <a:lnRef idx="2">
+        <a:scrgbClr r="0" g="0" b="0"/>
+      </a:lnRef>
+      <a:fillRef idx="1">
+        <a:scrgbClr r="0" g="0" b="0"/>
+      </a:fillRef>
+      <a:effectRef idx="0">
+        <a:scrgbClr r="0" g="0" b="0"/>
+      </a:effectRef>
+      <a:fontRef idx="minor"/>
+    </dgm:style>
+  </dgm:styleLbl>
+  <dgm:styleLbl name="bgImgPlace1">
+    <dgm:scene3d>
+      <a:camera prst="orthographicFront"/>
+      <a:lightRig rig="threePt" dir="t"/>
+    </dgm:scene3d>
+    <dgm:sp3d/>
+    <dgm:txPr/>
+    <dgm:style>
+      <a:lnRef idx="2">
+        <a:scrgbClr r="0" g="0" b="0"/>
+      </a:lnRef>
+      <a:fillRef idx="1">
+        <a:scrgbClr r="0" g="0" b="0"/>
+      </a:fillRef>
+      <a:effectRef idx="0">
+        <a:scrgbClr r="0" g="0" b="0"/>
+      </a:effectRef>
+      <a:fontRef idx="minor"/>
+    </dgm:style>
+  </dgm:styleLbl>
+  <dgm:styleLbl name="sibTrans2D1">
+    <dgm:scene3d>
+      <a:camera prst="orthographicFront"/>
+      <a:lightRig rig="threePt" dir="t"/>
+    </dgm:scene3d>
+    <dgm:sp3d/>
+    <dgm:txPr/>
+    <dgm:style>
+      <a:lnRef idx="0">
+        <a:scrgbClr r="0" g="0" b="0"/>
+      </a:lnRef>
+      <a:fillRef idx="1">
+        <a:scrgbClr r="0" g="0" b="0"/>
+      </a:fillRef>
+      <a:effectRef idx="0">
+        <a:scrgbClr r="0" g="0" b="0"/>
+      </a:effectRef>
+      <a:fontRef idx="minor">
+        <a:schemeClr val="lt1"/>
+      </a:fontRef>
+    </dgm:style>
+  </dgm:styleLbl>
+  <dgm:styleLbl name="fgSibTrans2D1">
+    <dgm:scene3d>
+      <a:camera prst="orthographicFront"/>
+      <a:lightRig rig="threePt" dir="t"/>
+    </dgm:scene3d>
+    <dgm:sp3d/>
+    <dgm:txPr/>
+    <dgm:style>
+      <a:lnRef idx="0">
+        <a:scrgbClr r="0" g="0" b="0"/>
+      </a:lnRef>
+      <a:fillRef idx="1">
+        <a:scrgbClr r="0" g="0" b="0"/>
+      </a:fillRef>
+      <a:effectRef idx="0">
+        <a:scrgbClr r="0" g="0" b="0"/>
+      </a:effectRef>
+      <a:fontRef idx="minor">
+        <a:schemeClr val="lt1"/>
+      </a:fontRef>
+    </dgm:style>
+  </dgm:styleLbl>
+  <dgm:styleLbl name="bgSibTrans2D1">
+    <dgm:scene3d>
+      <a:camera prst="orthographicFront"/>
+      <a:lightRig rig="threePt" dir="t"/>
+    </dgm:scene3d>
+    <dgm:sp3d/>
+    <dgm:txPr/>
+    <dgm:style>
+      <a:lnRef idx="0">
+        <a:scrgbClr r="0" g="0" b="0"/>
+      </a:lnRef>
+      <a:fillRef idx="1">
+        <a:scrgbClr r="0" g="0" b="0"/>
+      </a:fillRef>
+      <a:effectRef idx="0">
+        <a:scrgbClr r="0" g="0" b="0"/>
+      </a:effectRef>
+      <a:fontRef idx="minor">
+        <a:schemeClr val="lt1"/>
+      </a:fontRef>
+    </dgm:style>
+  </dgm:styleLbl>
+  <dgm:styleLbl name="sibTrans1D1">
+    <dgm:scene3d>
+      <a:camera prst="orthographicFront"/>
+      <a:lightRig rig="threePt" dir="t"/>
+    </dgm:scene3d>
+    <dgm:sp3d/>
+    <dgm:txPr/>
+    <dgm:style>
+      <a:lnRef idx="1">
+        <a:scrgbClr r="0" g="0" b="0"/>
+      </a:lnRef>
+      <a:fillRef idx="0">
+        <a:scrgbClr r="0" g="0" b="0"/>
+      </a:fillRef>
+      <a:effectRef idx="0">
+        <a:scrgbClr r="0" g="0" b="0"/>
+      </a:effectRef>
+      <a:fontRef idx="minor"/>
+    </dgm:style>
+  </dgm:styleLbl>
+  <dgm:styleLbl name="callout">
+    <dgm:scene3d>
+      <a:camera prst="orthographicFront"/>
+      <a:lightRig rig="threePt" dir="t"/>
+    </dgm:scene3d>
+    <dgm:sp3d/>
+    <dgm:txPr/>
+    <dgm:style>
+      <a:lnRef idx="2">
+        <a:scrgbClr r="0" g="0" b="0"/>
+      </a:lnRef>
+      <a:fillRef idx="1">
+        <a:scrgbClr r="0" g="0" b="0"/>
+      </a:fillRef>
+      <a:effectRef idx="0">
+        <a:scrgbClr r="0" g="0" b="0"/>
+      </a:effectRef>
+      <a:fontRef idx="minor"/>
+    </dgm:style>
+  </dgm:styleLbl>
+  <dgm:styleLbl name="asst0">
+    <dgm:scene3d>
+      <a:camera prst="orthographicFront"/>
+      <a:lightRig rig="threePt" dir="t"/>
+    </dgm:scene3d>
+    <dgm:sp3d/>
+    <dgm:txPr/>
+    <dgm:style>
+      <a:lnRef idx="2">
+        <a:scrgbClr r="0" g="0" b="0"/>
+      </a:lnRef>
+      <a:fillRef idx="1">
+        <a:scrgbClr r="0" g="0" b="0"/>
+      </a:fillRef>
+      <a:effectRef idx="0">
+        <a:scrgbClr r="0" g="0" b="0"/>
+      </a:effectRef>
+      <a:fontRef idx="minor">
+        <a:schemeClr val="lt1"/>
+      </a:fontRef>
+    </dgm:style>
+  </dgm:styleLbl>
+  <dgm:styleLbl name="asst1">
+    <dgm:scene3d>
+      <a:camera prst="orthographicFront"/>
+      <a:lightRig rig="threePt" dir="t"/>
+    </dgm:scene3d>
+    <dgm:sp3d/>
+    <dgm:txPr/>
+    <dgm:style>
+      <a:lnRef idx="2">
+        <a:scrgbClr r="0" g="0" b="0"/>
+      </a:lnRef>
+      <a:fillRef idx="1">
+        <a:scrgbClr r="0" g="0" b="0"/>
+      </a:fillRef>
+      <a:effectRef idx="0">
+        <a:scrgbClr r="0" g="0" b="0"/>
+      </a:effectRef>
+      <a:fontRef idx="minor">
+        <a:schemeClr val="lt1"/>
+      </a:fontRef>
+    </dgm:style>
+  </dgm:styleLbl>
+  <dgm:styleLbl name="asst2">
+    <dgm:scene3d>
+      <a:camera prst="orthographicFront"/>
+      <a:lightRig rig="threePt" dir="t"/>
+    </dgm:scene3d>
+    <dgm:sp3d/>
+    <dgm:txPr/>
+    <dgm:style>
+      <a:lnRef idx="2">
+        <a:scrgbClr r="0" g="0" b="0"/>
+      </a:lnRef>
+      <a:fillRef idx="1">
+        <a:scrgbClr r="0" g="0" b="0"/>
+      </a:fillRef>
+      <a:effectRef idx="0">
+        <a:scrgbClr r="0" g="0" b="0"/>
+      </a:effectRef>
+      <a:fontRef idx="minor">
+        <a:schemeClr val="lt1"/>
+      </a:fontRef>
+    </dgm:style>
+  </dgm:styleLbl>
+  <dgm:styleLbl name="asst3">
+    <dgm:scene3d>
+      <a:camera prst="orthographicFront"/>
+      <a:lightRig rig="threePt" dir="t"/>
+    </dgm:scene3d>
+    <dgm:sp3d/>
+    <dgm:txPr/>
+    <dgm:style>
+      <a:lnRef idx="2">
+        <a:scrgbClr r="0" g="0" b="0"/>
+      </a:lnRef>
+      <a:fillRef idx="1">
+        <a:scrgbClr r="0" g="0" b="0"/>
+      </a:fillRef>
+      <a:effectRef idx="0">
+        <a:scrgbClr r="0" g="0" b="0"/>
+      </a:effectRef>
+      <a:fontRef idx="minor">
+        <a:schemeClr val="lt1"/>
+      </a:fontRef>
+    </dgm:style>
+  </dgm:styleLbl>
+  <dgm:styleLbl name="asst4">
+    <dgm:scene3d>
+      <a:camera prst="orthographicFront"/>
+      <a:lightRig rig="threePt" dir="t"/>
+    </dgm:scene3d>
+    <dgm:sp3d/>
+    <dgm:txPr/>
+    <dgm:style>
+      <a:lnRef idx="2">
+        <a:scrgbClr r="0" g="0" b="0"/>
+      </a:lnRef>
+      <a:fillRef idx="1">
+        <a:scrgbClr r="0" g="0" b="0"/>
+      </a:fillRef>
+      <a:effectRef idx="0">
+        <a:scrgbClr r="0" g="0" b="0"/>
+      </a:effectRef>
+      <a:fontRef idx="minor">
+        <a:schemeClr val="lt1"/>
+      </a:fontRef>
+    </dgm:style>
+  </dgm:styleLbl>
+  <dgm:styleLbl name="parChTrans2D1">
+    <dgm:scene3d>
+      <a:camera prst="orthographicFront"/>
+      <a:lightRig rig="threePt" dir="t"/>
+    </dgm:scene3d>
+    <dgm:sp3d/>
+    <dgm:txPr/>
+    <dgm:style>
+      <a:lnRef idx="2">
+        <a:scrgbClr r="0" g="0" b="0"/>
+      </a:lnRef>
+      <a:fillRef idx="1">
+        <a:scrgbClr r="0" g="0" b="0"/>
+      </a:fillRef>
+      <a:effectRef idx="0">
+        <a:scrgbClr r="0" g="0" b="0"/>
+      </a:effectRef>
+      <a:fontRef idx="minor">
+        <a:schemeClr val="lt1"/>
+      </a:fontRef>
+    </dgm:style>
+  </dgm:styleLbl>
+  <dgm:styleLbl name="parChTrans2D2">
+    <dgm:scene3d>
+      <a:camera prst="orthographicFront"/>
+      <a:lightRig rig="threePt" dir="t"/>
+    </dgm:scene3d>
+    <dgm:sp3d/>
+    <dgm:txPr/>
+    <dgm:style>
+      <a:lnRef idx="2">
+        <a:scrgbClr r="0" g="0" b="0"/>
+      </a:lnRef>
+      <a:fillRef idx="1">
+        <a:scrgbClr r="0" g="0" b="0"/>
+      </a:fillRef>
+      <a:effectRef idx="0">
+        <a:scrgbClr r="0" g="0" b="0"/>
+      </a:effectRef>
+      <a:fontRef idx="minor">
+        <a:schemeClr val="lt1"/>
+      </a:fontRef>
+    </dgm:style>
+  </dgm:styleLbl>
+  <dgm:styleLbl name="parChTrans2D3">
+    <dgm:scene3d>
+      <a:camera prst="orthographicFront"/>
+      <a:lightRig rig="threePt" dir="t"/>
+    </dgm:scene3d>
+    <dgm:sp3d/>
+    <dgm:txPr/>
+    <dgm:style>
+      <a:lnRef idx="2">
+        <a:scrgbClr r="0" g="0" b="0"/>
+      </a:lnRef>
+      <a:fillRef idx="1">
+        <a:scrgbClr r="0" g="0" b="0"/>
+      </a:fillRef>
+      <a:effectRef idx="0">
+        <a:scrgbClr r="0" g="0" b="0"/>
+      </a:effectRef>
+      <a:fontRef idx="minor">
+        <a:schemeClr val="lt1"/>
+      </a:fontRef>
+    </dgm:style>
+  </dgm:styleLbl>
+  <dgm:styleLbl name="parChTrans2D4">
+    <dgm:scene3d>
+      <a:camera prst="orthographicFront"/>
+      <a:lightRig rig="threePt" dir="t"/>
+    </dgm:scene3d>
+    <dgm:sp3d/>
+    <dgm:txPr/>
+    <dgm:style>
+      <a:lnRef idx="2">
+        <a:scrgbClr r="0" g="0" b="0"/>
+      </a:lnRef>
+      <a:fillRef idx="1">
+        <a:scrgbClr r="0" g="0" b="0"/>
+      </a:fillRef>
+      <a:effectRef idx="0">
+        <a:scrgbClr r="0" g="0" b="0"/>
+      </a:effectRef>
+      <a:fontRef idx="minor">
+        <a:schemeClr val="lt1"/>
+      </a:fontRef>
+    </dgm:style>
+  </dgm:styleLbl>
+  <dgm:styleLbl name="parChTrans1D1">
+    <dgm:scene3d>
+      <a:camera prst="orthographicFront"/>
+      <a:lightRig rig="threePt" dir="t"/>
+    </dgm:scene3d>
+    <dgm:sp3d/>
+    <dgm:txPr/>
+    <dgm:style>
+      <a:lnRef idx="2">
+        <a:scrgbClr r="0" g="0" b="0"/>
+      </a:lnRef>
+      <a:fillRef idx="0">
+        <a:scrgbClr r="0" g="0" b="0"/>
+      </a:fillRef>
+      <a:effectRef idx="0">
+        <a:scrgbClr r="0" g="0" b="0"/>
+      </a:effectRef>
+      <a:fontRef idx="minor"/>
+    </dgm:style>
+  </dgm:styleLbl>
+  <dgm:styleLbl name="parChTrans1D2">
+    <dgm:scene3d>
+      <a:camera prst="orthographicFront"/>
+      <a:lightRig rig="threePt" dir="t"/>
+    </dgm:scene3d>
+    <dgm:sp3d/>
+    <dgm:txPr/>
+    <dgm:style>
+      <a:lnRef idx="2">
+        <a:scrgbClr r="0" g="0" b="0"/>
+      </a:lnRef>
+      <a:fillRef idx="0">
+        <a:scrgbClr r="0" g="0" b="0"/>
+      </a:fillRef>
+      <a:effectRef idx="0">
+        <a:scrgbClr r="0" g="0" b="0"/>
+      </a:effectRef>
+      <a:fontRef idx="minor"/>
+    </dgm:style>
+  </dgm:styleLbl>
+  <dgm:styleLbl name="parChTrans1D3">
+    <dgm:scene3d>
+      <a:camera prst="orthographicFront"/>
+      <a:lightRig rig="threePt" dir="t"/>
+    </dgm:scene3d>
+    <dgm:sp3d/>
+    <dgm:txPr/>
+    <dgm:style>
+      <a:lnRef idx="2">
+        <a:scrgbClr r="0" g="0" b="0"/>
+      </a:lnRef>
+      <a:fillRef idx="0">
+        <a:scrgbClr r="0" g="0" b="0"/>
+      </a:fillRef>
+      <a:effectRef idx="0">
+        <a:scrgbClr r="0" g="0" b="0"/>
+      </a:effectRef>
+      <a:fontRef idx="minor"/>
+    </dgm:style>
+  </dgm:styleLbl>
+  <dgm:styleLbl name="parChTrans1D4">
+    <dgm:scene3d>
+      <a:camera prst="orthographicFront"/>
+      <a:lightRig rig="threePt" dir="t"/>
+    </dgm:scene3d>
+    <dgm:sp3d/>
+    <dgm:txPr/>
+    <dgm:style>
+      <a:lnRef idx="2">
+        <a:scrgbClr r="0" g="0" b="0"/>
+      </a:lnRef>
+      <a:fillRef idx="0">
+        <a:scrgbClr r="0" g="0" b="0"/>
+      </a:fillRef>
+      <a:effectRef idx="0">
+        <a:scrgbClr r="0" g="0" b="0"/>
+      </a:effectRef>
+      <a:fontRef idx="minor"/>
+    </dgm:style>
+  </dgm:styleLbl>
+  <dgm:styleLbl name="fgAcc1">
+    <dgm:scene3d>
+      <a:camera prst="orthographicFront"/>
+      <a:lightRig rig="threePt" dir="t"/>
+    </dgm:scene3d>
+    <dgm:sp3d/>
+    <dgm:txPr/>
+    <dgm:style>
+      <a:lnRef idx="2">
+        <a:scrgbClr r="0" g="0" b="0"/>
+      </a:lnRef>
+      <a:fillRef idx="1">
+        <a:scrgbClr r="0" g="0" b="0"/>
+      </a:fillRef>
+      <a:effectRef idx="0">
+        <a:scrgbClr r="0" g="0" b="0"/>
+      </a:effectRef>
+      <a:fontRef idx="minor"/>
+    </dgm:style>
+  </dgm:styleLbl>
+  <dgm:styleLbl name="conFgAcc1">
+    <dgm:scene3d>
+      <a:camera prst="orthographicFront"/>
+      <a:lightRig rig="threePt" dir="t"/>
+    </dgm:scene3d>
+    <dgm:sp3d/>
+    <dgm:txPr/>
+    <dgm:style>
+      <a:lnRef idx="2">
+        <a:scrgbClr r="0" g="0" b="0"/>
+      </a:lnRef>
+      <a:fillRef idx="1">
+        <a:scrgbClr r="0" g="0" b="0"/>
+      </a:fillRef>
+      <a:effectRef idx="0">
+        <a:scrgbClr r="0" g="0" b="0"/>
+      </a:effectRef>
+      <a:fontRef idx="minor"/>
+    </dgm:style>
+  </dgm:styleLbl>
+  <dgm:styleLbl name="alignAcc1">
+    <dgm:scene3d>
+      <a:camera prst="orthographicFront"/>
+      <a:lightRig rig="threePt" dir="t"/>
+    </dgm:scene3d>
+    <dgm:sp3d/>
+    <dgm:txPr/>
+    <dgm:style>
+      <a:lnRef idx="2">
+        <a:scrgbClr r="0" g="0" b="0"/>
+      </a:lnRef>
+      <a:fillRef idx="1">
+        <a:scrgbClr r="0" g="0" b="0"/>
+      </a:fillRef>
+      <a:effectRef idx="0">
+        <a:scrgbClr r="0" g="0" b="0"/>
+      </a:effectRef>
+      <a:fontRef idx="minor"/>
+    </dgm:style>
+  </dgm:styleLbl>
+  <dgm:styleLbl name="trAlignAcc1">
+    <dgm:scene3d>
+      <a:camera prst="orthographicFront"/>
+      <a:lightRig rig="threePt" dir="t"/>
+    </dgm:scene3d>
+    <dgm:sp3d/>
+    <dgm:txPr/>
+    <dgm:style>
+      <a:lnRef idx="1">
+        <a:scrgbClr r="0" g="0" b="0"/>
+      </a:lnRef>
+      <a:fillRef idx="1">
+        <a:scrgbClr r="0" g="0" b="0"/>
+      </a:fillRef>
+      <a:effectRef idx="0">
+        <a:scrgbClr r="0" g="0" b="0"/>
+      </a:effectRef>
+      <a:fontRef idx="minor"/>
+    </dgm:style>
+  </dgm:styleLbl>
+  <dgm:styleLbl name="bgAcc1">
+    <dgm:scene3d>
+      <a:camera prst="orthographicFront"/>
+      <a:lightRig rig="threePt" dir="t"/>
+    </dgm:scene3d>
+    <dgm:sp3d/>
+    <dgm:txPr/>
+    <dgm:style>
+      <a:lnRef idx="2">
+        <a:scrgbClr r="0" g="0" b="0"/>
+      </a:lnRef>
+      <a:fillRef idx="1">
+        <a:scrgbClr r="0" g="0" b="0"/>
+      </a:fillRef>
+      <a:effectRef idx="0">
+        <a:scrgbClr r="0" g="0" b="0"/>
+      </a:effectRef>
+      <a:fontRef idx="minor"/>
+    </dgm:style>
+  </dgm:styleLbl>
+  <dgm:styleLbl name="solidFgAcc1">
+    <dgm:scene3d>
+      <a:camera prst="orthographicFront"/>
+      <a:lightRig rig="threePt" dir="t"/>
+    </dgm:scene3d>
+    <dgm:sp3d/>
+    <dgm:txPr/>
+    <dgm:style>
+      <a:lnRef idx="2">
+        <a:scrgbClr r="0" g="0" b="0"/>
+      </a:lnRef>
+      <a:fillRef idx="1">
+        <a:scrgbClr r="0" g="0" b="0"/>
+      </a:fillRef>
+      <a:effectRef idx="0">
+        <a:scrgbClr r="0" g="0" b="0"/>
+      </a:effectRef>
+      <a:fontRef idx="minor"/>
+    </dgm:style>
+  </dgm:styleLbl>
+  <dgm:styleLbl name="solidAlignAcc1">
+    <dgm:scene3d>
+      <a:camera prst="orthographicFront"/>
+      <a:lightRig rig="threePt" dir="t"/>
+    </dgm:scene3d>
+    <dgm:sp3d/>
+    <dgm:txPr/>
+    <dgm:style>
+      <a:lnRef idx="2">
+        <a:scrgbClr r="0" g="0" b="0"/>
+      </a:lnRef>
+      <a:fillRef idx="1">
+        <a:scrgbClr r="0" g="0" b="0"/>
+      </a:fillRef>
+      <a:effectRef idx="0">
+        <a:scrgbClr r="0" g="0" b="0"/>
+      </a:effectRef>
+      <a:fontRef idx="minor"/>
+    </dgm:style>
+  </dgm:styleLbl>
+  <dgm:styleLbl name="solidBgAcc1">
+    <dgm:scene3d>
+      <a:camera prst="orthographicFront"/>
+      <a:lightRig rig="threePt" dir="t"/>
+    </dgm:scene3d>
+    <dgm:sp3d/>
+    <dgm:txPr/>
+    <dgm:style>
+      <a:lnRef idx="2">
+        <a:scrgbClr r="0" g="0" b="0"/>
+      </a:lnRef>
+      <a:fillRef idx="1">
+        <a:scrgbClr r="0" g="0" b="0"/>
+      </a:fillRef>
+      <a:effectRef idx="0">
+        <a:scrgbClr r="0" g="0" b="0"/>
+      </a:effectRef>
+      <a:fontRef idx="minor"/>
+    </dgm:style>
+  </dgm:styleLbl>
+  <dgm:styleLbl name="fgAccFollowNode1">
+    <dgm:scene3d>
+      <a:camera prst="orthographicFront"/>
+      <a:lightRig rig="threePt" dir="t"/>
+    </dgm:scene3d>
+    <dgm:sp3d/>
+    <dgm:txPr/>
+    <dgm:style>
+      <a:lnRef idx="2">
+        <a:scrgbClr r="0" g="0" b="0"/>
+      </a:lnRef>
+      <a:fillRef idx="1">
+        <a:scrgbClr r="0" g="0" b="0"/>
+      </a:fillRef>
+      <a:effectRef idx="0">
+        <a:scrgbClr r="0" g="0" b="0"/>
+      </a:effectRef>
+      <a:fontRef idx="minor"/>
+    </dgm:style>
+  </dgm:styleLbl>
+  <dgm:styleLbl name="alignAccFollowNode1">
+    <dgm:scene3d>
+      <a:camera prst="orthographicFront"/>
+      <a:lightRig rig="threePt" dir="t"/>
+    </dgm:scene3d>
+    <dgm:sp3d/>
+    <dgm:txPr/>
+    <dgm:style>
+      <a:lnRef idx="2">
+        <a:scrgbClr r="0" g="0" b="0"/>
+      </a:lnRef>
+      <a:fillRef idx="1">
+        <a:scrgbClr r="0" g="0" b="0"/>
+      </a:fillRef>
+      <a:effectRef idx="0">
+        <a:scrgbClr r="0" g="0" b="0"/>
+      </a:effectRef>
+      <a:fontRef idx="minor"/>
+    </dgm:style>
+  </dgm:styleLbl>
+  <dgm:styleLbl name="bgAccFollowNode1">
+    <dgm:scene3d>
+      <a:camera prst="orthographicFront"/>
+      <a:lightRig rig="threePt" dir="t"/>
+    </dgm:scene3d>
+    <dgm:sp3d/>
+    <dgm:txPr/>
+    <dgm:style>
+      <a:lnRef idx="2">
+        <a:scrgbClr r="0" g="0" b="0"/>
+      </a:lnRef>
+      <a:fillRef idx="1">
+        <a:scrgbClr r="0" g="0" b="0"/>
+      </a:fillRef>
+      <a:effectRef idx="0">
+        <a:scrgbClr r="0" g="0" b="0"/>
+      </a:effectRef>
+      <a:fontRef idx="minor"/>
+    </dgm:style>
+  </dgm:styleLbl>
+  <dgm:styleLbl name="fgAcc0">
+    <dgm:scene3d>
+      <a:camera prst="orthographicFront"/>
+      <a:lightRig rig="threePt" dir="t"/>
+    </dgm:scene3d>
+    <dgm:sp3d/>
+    <dgm:txPr/>
+    <dgm:style>
+      <a:lnRef idx="2">
+        <a:scrgbClr r="0" g="0" b="0"/>
+      </a:lnRef>
+      <a:fillRef idx="1">
+        <a:scrgbClr r="0" g="0" b="0"/>
+      </a:fillRef>
+      <a:effectRef idx="0">
+        <a:scrgbClr r="0" g="0" b="0"/>
+      </a:effectRef>
+      <a:fontRef idx="minor"/>
+    </dgm:style>
+  </dgm:styleLbl>
+  <dgm:styleLbl name="fgAcc2">
+    <dgm:scene3d>
+      <a:camera prst="orthographicFront"/>
+      <a:lightRig rig="threePt" dir="t"/>
+    </dgm:scene3d>
+    <dgm:sp3d/>
+    <dgm:txPr/>
+    <dgm:style>
+      <a:lnRef idx="2">
+        <a:scrgbClr r="0" g="0" b="0"/>
+      </a:lnRef>
+      <a:fillRef idx="1">
+        <a:scrgbClr r="0" g="0" b="0"/>
+      </a:fillRef>
+      <a:effectRef idx="0">
+        <a:scrgbClr r="0" g="0" b="0"/>
+      </a:effectRef>
+      <a:fontRef idx="minor"/>
+    </dgm:style>
+  </dgm:styleLbl>
+  <dgm:styleLbl name="fgAcc3">
+    <dgm:scene3d>
+      <a:camera prst="orthographicFront"/>
+      <a:lightRig rig="threePt" dir="t"/>
+    </dgm:scene3d>
+    <dgm:sp3d/>
+    <dgm:txPr/>
+    <dgm:style>
+      <a:lnRef idx="2">
+        <a:scrgbClr r="0" g="0" b="0"/>
+      </a:lnRef>
+      <a:fillRef idx="1">
+        <a:scrgbClr r="0" g="0" b="0"/>
+      </a:fillRef>
+      <a:effectRef idx="0">
+        <a:scrgbClr r="0" g="0" b="0"/>
+      </a:effectRef>
+      <a:fontRef idx="minor"/>
+    </dgm:style>
+  </dgm:styleLbl>
+  <dgm:styleLbl name="fgAcc4">
+    <dgm:scene3d>
+      <a:camera prst="orthographicFront"/>
+      <a:lightRig rig="threePt" dir="t"/>
+    </dgm:scene3d>
+    <dgm:sp3d/>
+    <dgm:txPr/>
+    <dgm:style>
+      <a:lnRef idx="2">
+        <a:scrgbClr r="0" g="0" b="0"/>
+      </a:lnRef>
+      <a:fillRef idx="1">
+        <a:scrgbClr r="0" g="0" b="0"/>
+      </a:fillRef>
+      <a:effectRef idx="0">
+        <a:scrgbClr r="0" g="0" b="0"/>
+      </a:effectRef>
+      <a:fontRef idx="minor"/>
+    </dgm:style>
+  </dgm:styleLbl>
+  <dgm:styleLbl name="bgShp">
+    <dgm:scene3d>
+      <a:camera prst="orthographicFront"/>
+      <a:lightRig rig="threePt" dir="t"/>
+    </dgm:scene3d>
+    <dgm:sp3d/>
+    <dgm:txPr/>
+    <dgm:style>
+      <a:lnRef idx="0">
+        <a:scrgbClr r="0" g="0" b="0"/>
+      </a:lnRef>
+      <a:fillRef idx="1">
+        <a:scrgbClr r="0" g="0" b="0"/>
+      </a:fillRef>
+      <a:effectRef idx="0">
+        <a:scrgbClr r="0" g="0" b="0"/>
+      </a:effectRef>
+      <a:fontRef idx="minor"/>
+    </dgm:style>
+  </dgm:styleLbl>
+  <dgm:styleLbl name="dkBgShp">
+    <dgm:scene3d>
+      <a:camera prst="orthographicFront"/>
+      <a:lightRig rig="threePt" dir="t"/>
+    </dgm:scene3d>
+    <dgm:sp3d/>
+    <dgm:txPr/>
+    <dgm:style>
+      <a:lnRef idx="0">
+        <a:scrgbClr r="0" g="0" b="0"/>
+      </a:lnRef>
+      <a:fillRef idx="1">
+        <a:scrgbClr r="0" g="0" b="0"/>
+      </a:fillRef>
+      <a:effectRef idx="0">
+        <a:scrgbClr r="0" g="0" b="0"/>
+      </a:effectRef>
+      <a:fontRef idx="minor"/>
+    </dgm:style>
+  </dgm:styleLbl>
+  <dgm:styleLbl name="trBgShp">
+    <dgm:scene3d>
+      <a:camera prst="orthographicFront"/>
+      <a:lightRig rig="threePt" dir="t"/>
+    </dgm:scene3d>
+    <dgm:sp3d/>
+    <dgm:txPr/>
+    <dgm:style>
+      <a:lnRef idx="0">
+        <a:scrgbClr r="0" g="0" b="0"/>
+      </a:lnRef>
+      <a:fillRef idx="1">
+        <a:scrgbClr r="0" g="0" b="0"/>
+      </a:fillRef>
+      <a:effectRef idx="0">
+        <a:scrgbClr r="0" g="0" b="0"/>
+      </a:effectRef>
+      <a:fontRef idx="minor"/>
+    </dgm:style>
+  </dgm:styleLbl>
+  <dgm:styleLbl name="fgShp">
+    <dgm:scene3d>
+      <a:camera prst="orthographicFront"/>
+      <a:lightRig rig="threePt" dir="t"/>
+    </dgm:scene3d>
+    <dgm:sp3d/>
+    <dgm:txPr/>
+    <dgm:style>
+      <a:lnRef idx="2">
+        <a:scrgbClr r="0" g="0" b="0"/>
+      </a:lnRef>
+      <a:fillRef idx="1">
+        <a:scrgbClr r="0" g="0" b="0"/>
+      </a:fillRef>
+      <a:effectRef idx="0">
         <a:scrgbClr r="0" g="0" b="0"/>
       </a:effectRef>
       <a:fontRef idx="minor"/>
@@ -26538,10 +29487,10 @@
       </p:grpSpPr>
       <p:sp>
         <p:nvSpPr>
-          <p:cNvPr id="8" name="Rectangle 7">
+          <p:cNvPr id="26" name="Rectangle 25">
             <a:extLst>
               <a:ext uri="{FF2B5EF4-FFF2-40B4-BE49-F238E27FC236}">
-                <a16:creationId xmlns:a16="http://schemas.microsoft.com/office/drawing/2014/main" id="{82D1CBBC-6E9F-4212-9806-7A638C828B49}"/>
+                <a16:creationId xmlns:a16="http://schemas.microsoft.com/office/drawing/2014/main" id="{BD11ECC6-8551-4768-8DFD-CD41AF420A37}"/>
               </a:ext>
               <a:ext uri="{C183D7F6-B498-43B3-948B-1728B52AA6E4}">
                 <adec:decorative xmlns:adec="http://schemas.microsoft.com/office/drawing/2017/decorative" val="1"/>
@@ -26608,10 +29557,10 @@
       </p:sp>
       <p:grpSp>
         <p:nvGrpSpPr>
-          <p:cNvPr id="10" name="Group 9">
+          <p:cNvPr id="28" name="Group 27">
             <a:extLst>
               <a:ext uri="{FF2B5EF4-FFF2-40B4-BE49-F238E27FC236}">
-                <a16:creationId xmlns:a16="http://schemas.microsoft.com/office/drawing/2014/main" id="{8EC26330-6D02-4C84-B89F-C5A8CF2B5673}"/>
+                <a16:creationId xmlns:a16="http://schemas.microsoft.com/office/drawing/2014/main" id="{93657592-CA60-4F45-B1A0-88AA77242087}"/>
               </a:ext>
               <a:ext uri="{C183D7F6-B498-43B3-948B-1728B52AA6E4}">
                 <adec:decorative xmlns:adec="http://schemas.microsoft.com/office/drawing/2017/decorative" val="1"/>
@@ -26639,10 +29588,10 @@
         </p:grpSpPr>
         <p:cxnSp>
           <p:nvCxnSpPr>
-            <p:cNvPr id="11" name="Straight Connector 10">
+            <p:cNvPr id="29" name="Straight Connector 28">
               <a:extLst>
                 <a:ext uri="{FF2B5EF4-FFF2-40B4-BE49-F238E27FC236}">
-                  <a16:creationId xmlns:a16="http://schemas.microsoft.com/office/drawing/2014/main" id="{5A5297F0-74D7-4E56-8C85-DD608539D40C}"/>
+                  <a16:creationId xmlns:a16="http://schemas.microsoft.com/office/drawing/2014/main" id="{6F47E2B4-7DA9-4312-A1F0-C48388B236A6}"/>
                 </a:ext>
                 <a:ext uri="{C183D7F6-B498-43B3-948B-1728B52AA6E4}">
                   <adec:decorative xmlns:adec="http://schemas.microsoft.com/office/drawing/2017/decorative" val="1"/>
@@ -26693,10 +29642,10 @@
         </p:cxnSp>
         <p:cxnSp>
           <p:nvCxnSpPr>
-            <p:cNvPr id="12" name="Straight Connector 11">
+            <p:cNvPr id="30" name="Straight Connector 29">
               <a:extLst>
                 <a:ext uri="{FF2B5EF4-FFF2-40B4-BE49-F238E27FC236}">
-                  <a16:creationId xmlns:a16="http://schemas.microsoft.com/office/drawing/2014/main" id="{6E424313-B840-4A19-A378-B1D1774B5094}"/>
+                  <a16:creationId xmlns:a16="http://schemas.microsoft.com/office/drawing/2014/main" id="{35B274F7-039F-4BFC-AA98-B51B1D6CB692}"/>
                 </a:ext>
                 <a:ext uri="{C183D7F6-B498-43B3-948B-1728B52AA6E4}">
                   <adec:decorative xmlns:adec="http://schemas.microsoft.com/office/drawing/2017/decorative" val="1"/>
@@ -26747,10 +29696,10 @@
         </p:cxnSp>
         <p:sp>
           <p:nvSpPr>
-            <p:cNvPr id="13" name="Rectangle 23">
+            <p:cNvPr id="31" name="Rectangle 23">
               <a:extLst>
                 <a:ext uri="{FF2B5EF4-FFF2-40B4-BE49-F238E27FC236}">
-                  <a16:creationId xmlns:a16="http://schemas.microsoft.com/office/drawing/2014/main" id="{872B411D-D18B-488A-B22A-9F139EED89AB}"/>
+                  <a16:creationId xmlns:a16="http://schemas.microsoft.com/office/drawing/2014/main" id="{11A31103-C703-46C9-9D26-497A1ACD50AF}"/>
                 </a:ext>
                 <a:ext uri="{C183D7F6-B498-43B3-948B-1728B52AA6E4}">
                   <adec:decorative xmlns:adec="http://schemas.microsoft.com/office/drawing/2017/decorative" val="1"/>
@@ -26825,10 +29774,10 @@
         </p:sp>
         <p:sp>
           <p:nvSpPr>
-            <p:cNvPr id="14" name="Rectangle 25">
+            <p:cNvPr id="32" name="Rectangle 25">
               <a:extLst>
                 <a:ext uri="{FF2B5EF4-FFF2-40B4-BE49-F238E27FC236}">
-                  <a16:creationId xmlns:a16="http://schemas.microsoft.com/office/drawing/2014/main" id="{9519FBF2-9C9F-49B5-AE1A-AB5049D503DA}"/>
+                  <a16:creationId xmlns:a16="http://schemas.microsoft.com/office/drawing/2014/main" id="{382F955F-FC22-44B8-BDCF-B77580323B70}"/>
                 </a:ext>
                 <a:ext uri="{C183D7F6-B498-43B3-948B-1728B52AA6E4}">
                   <adec:decorative xmlns:adec="http://schemas.microsoft.com/office/drawing/2017/decorative" val="1"/>
@@ -26903,10 +29852,10 @@
         </p:sp>
         <p:sp>
           <p:nvSpPr>
-            <p:cNvPr id="15" name="Isosceles Triangle 14">
+            <p:cNvPr id="33" name="Isosceles Triangle 32">
               <a:extLst>
                 <a:ext uri="{FF2B5EF4-FFF2-40B4-BE49-F238E27FC236}">
-                  <a16:creationId xmlns:a16="http://schemas.microsoft.com/office/drawing/2014/main" id="{A30DE6B7-51C9-49A9-9B80-91E1A8D60370}"/>
+                  <a16:creationId xmlns:a16="http://schemas.microsoft.com/office/drawing/2014/main" id="{1F567692-F087-479A-8931-BD2869C3E4E6}"/>
                 </a:ext>
                 <a:ext uri="{C183D7F6-B498-43B3-948B-1728B52AA6E4}">
                   <adec:decorative xmlns:adec="http://schemas.microsoft.com/office/drawing/2017/decorative" val="1"/>
@@ -26959,10 +29908,10 @@
         </p:sp>
         <p:sp>
           <p:nvSpPr>
-            <p:cNvPr id="16" name="Rectangle 27">
+            <p:cNvPr id="34" name="Rectangle 27">
               <a:extLst>
                 <a:ext uri="{FF2B5EF4-FFF2-40B4-BE49-F238E27FC236}">
-                  <a16:creationId xmlns:a16="http://schemas.microsoft.com/office/drawing/2014/main" id="{EDFE8946-BACE-4C56-9B6E-85E11C0995CE}"/>
+                  <a16:creationId xmlns:a16="http://schemas.microsoft.com/office/drawing/2014/main" id="{49B3E4CD-0738-4B9D-A14F-1E8694DDF895}"/>
                 </a:ext>
                 <a:ext uri="{C183D7F6-B498-43B3-948B-1728B52AA6E4}">
                   <adec:decorative xmlns:adec="http://schemas.microsoft.com/office/drawing/2017/decorative" val="1"/>
@@ -27038,10 +29987,10 @@
         </p:sp>
         <p:sp>
           <p:nvSpPr>
-            <p:cNvPr id="17" name="Rectangle 28">
+            <p:cNvPr id="35" name="Rectangle 28">
               <a:extLst>
                 <a:ext uri="{FF2B5EF4-FFF2-40B4-BE49-F238E27FC236}">
-                  <a16:creationId xmlns:a16="http://schemas.microsoft.com/office/drawing/2014/main" id="{390A658F-D524-467C-BDFC-D37A227BFC14}"/>
+                  <a16:creationId xmlns:a16="http://schemas.microsoft.com/office/drawing/2014/main" id="{4753B851-AD90-4CCD-85D0-65AA6567DF31}"/>
                 </a:ext>
                 <a:ext uri="{C183D7F6-B498-43B3-948B-1728B52AA6E4}">
                   <adec:decorative xmlns:adec="http://schemas.microsoft.com/office/drawing/2017/decorative" val="1"/>
@@ -27118,10 +30067,10 @@
         </p:sp>
         <p:sp>
           <p:nvSpPr>
-            <p:cNvPr id="18" name="Rectangle 29">
+            <p:cNvPr id="36" name="Rectangle 29">
               <a:extLst>
                 <a:ext uri="{FF2B5EF4-FFF2-40B4-BE49-F238E27FC236}">
-                  <a16:creationId xmlns:a16="http://schemas.microsoft.com/office/drawing/2014/main" id="{4F01FE87-3030-45CD-B330-DBA287297D51}"/>
+                  <a16:creationId xmlns:a16="http://schemas.microsoft.com/office/drawing/2014/main" id="{EBF14868-A190-4E21-9522-8977C474C97E}"/>
                 </a:ext>
                 <a:ext uri="{C183D7F6-B498-43B3-948B-1728B52AA6E4}">
                   <adec:decorative xmlns:adec="http://schemas.microsoft.com/office/drawing/2017/decorative" val="1"/>
@@ -27196,10 +30145,10 @@
         </p:sp>
         <p:sp>
           <p:nvSpPr>
-            <p:cNvPr id="19" name="Isosceles Triangle 18">
+            <p:cNvPr id="37" name="Isosceles Triangle 36">
               <a:extLst>
                 <a:ext uri="{FF2B5EF4-FFF2-40B4-BE49-F238E27FC236}">
-                  <a16:creationId xmlns:a16="http://schemas.microsoft.com/office/drawing/2014/main" id="{A89C2E5F-7F20-475D-88BE-29D4128DDCB9}"/>
+                  <a16:creationId xmlns:a16="http://schemas.microsoft.com/office/drawing/2014/main" id="{BCBB4922-76EE-442B-A649-09873DCE79DA}"/>
                 </a:ext>
                 <a:ext uri="{C183D7F6-B498-43B3-948B-1728B52AA6E4}">
                   <adec:decorative xmlns:adec="http://schemas.microsoft.com/office/drawing/2017/decorative" val="1"/>
@@ -27251,12 +30200,56 @@
           </p:style>
         </p:sp>
       </p:grpSp>
+      <p:sp>
+        <p:nvSpPr>
+          <p:cNvPr id="2" name="Title 1">
+            <a:extLst>
+              <a:ext uri="{FF2B5EF4-FFF2-40B4-BE49-F238E27FC236}">
+                <a16:creationId xmlns:a16="http://schemas.microsoft.com/office/drawing/2014/main" id="{97995DA4-2AEE-41DC-8F30-88759789B665}"/>
+              </a:ext>
+            </a:extLst>
+          </p:cNvPr>
+          <p:cNvSpPr>
+            <a:spLocks noGrp="1"/>
+          </p:cNvSpPr>
+          <p:nvPr>
+            <p:ph type="title"/>
+          </p:nvPr>
+        </p:nvSpPr>
+        <p:spPr>
+          <a:xfrm>
+            <a:off x="677334" y="4765972"/>
+            <a:ext cx="8596668" cy="1320800"/>
+          </a:xfrm>
+        </p:spPr>
+        <p:txBody>
+          <a:bodyPr anchor="ctr">
+            <a:normAutofit/>
+          </a:bodyPr>
+          <a:lstStyle/>
+          <a:p>
+            <a:pPr>
+              <a:lnSpc>
+                <a:spcPct val="90000"/>
+              </a:lnSpc>
+            </a:pPr>
+            <a:r>
+              <a:rPr lang="en-US" sz="4400" dirty="0">
+                <a:solidFill>
+                  <a:schemeClr val="bg1"/>
+                </a:solidFill>
+              </a:rPr>
+              <a:t>Challenges and Barriers to adoption</a:t>
+            </a:r>
+          </a:p>
+        </p:txBody>
+      </p:sp>
       <p:sp useBgFill="1">
         <p:nvSpPr>
-          <p:cNvPr id="21" name="Rectangle 20">
+          <p:cNvPr id="39" name="Rectangle 38">
             <a:extLst>
               <a:ext uri="{FF2B5EF4-FFF2-40B4-BE49-F238E27FC236}">
-                <a16:creationId xmlns:a16="http://schemas.microsoft.com/office/drawing/2014/main" id="{28EC6EDD-78EB-4A50-85CB-7C3CE363AF38}"/>
+                <a16:creationId xmlns:a16="http://schemas.microsoft.com/office/drawing/2014/main" id="{8E2EB503-A017-4457-A105-53638C97DEB8}"/>
               </a:ext>
               <a:ext uri="{C183D7F6-B498-43B3-948B-1728B52AA6E4}">
                 <adec:decorative xmlns:adec="http://schemas.microsoft.com/office/drawing/2017/decorative" val="1"/>
@@ -27311,82 +30304,37 @@
           </a:p>
         </p:txBody>
       </p:sp>
-      <p:sp>
-        <p:nvSpPr>
-          <p:cNvPr id="3" name="Content Placeholder 2">
+      <p:graphicFrame>
+        <p:nvGraphicFramePr>
+          <p:cNvPr id="5" name="Content Placeholder 4">
             <a:extLst>
               <a:ext uri="{FF2B5EF4-FFF2-40B4-BE49-F238E27FC236}">
-                <a16:creationId xmlns:a16="http://schemas.microsoft.com/office/drawing/2014/main" id="{A75D2A6C-BA68-49BD-AC5F-36E6E3935F80}"/>
+                <a16:creationId xmlns:a16="http://schemas.microsoft.com/office/drawing/2014/main" id="{A67B8F50-253F-4885-9D2C-51BC6920D562}"/>
               </a:ext>
             </a:extLst>
           </p:cNvPr>
-          <p:cNvSpPr>
-            <a:spLocks noGrp="1"/>
-          </p:cNvSpPr>
+          <p:cNvGraphicFramePr>
+            <a:graphicFrameLocks noGrp="1"/>
+          </p:cNvGraphicFramePr>
           <p:nvPr>
             <p:ph idx="1"/>
+            <p:extLst>
+              <p:ext uri="{D42A27DB-BD31-4B8C-83A1-F6EECF244321}">
+                <p14:modId xmlns:p14="http://schemas.microsoft.com/office/powerpoint/2010/main" val="2194204916"/>
+              </p:ext>
+            </p:extLst>
           </p:nvPr>
-        </p:nvSpPr>
-        <p:spPr>
-          <a:xfrm>
-            <a:off x="677334" y="425470"/>
-            <a:ext cx="8596668" cy="3880773"/>
-          </a:xfrm>
-        </p:spPr>
-        <p:txBody>
-          <a:bodyPr anchor="ctr">
-            <a:normAutofit/>
-          </a:bodyPr>
-          <a:lstStyle/>
-          <a:p>
-            <a:endParaRPr lang="en-US" dirty="0"/>
-          </a:p>
-        </p:txBody>
-      </p:sp>
-      <p:sp>
-        <p:nvSpPr>
-          <p:cNvPr id="2" name="Title 1">
-            <a:extLst>
-              <a:ext uri="{FF2B5EF4-FFF2-40B4-BE49-F238E27FC236}">
-                <a16:creationId xmlns:a16="http://schemas.microsoft.com/office/drawing/2014/main" id="{97995DA4-2AEE-41DC-8F30-88759789B665}"/>
-              </a:ext>
-            </a:extLst>
-          </p:cNvPr>
-          <p:cNvSpPr>
-            <a:spLocks noGrp="1"/>
-          </p:cNvSpPr>
-          <p:nvPr>
-            <p:ph type="title"/>
-          </p:nvPr>
-        </p:nvSpPr>
-        <p:spPr>
-          <a:xfrm>
-            <a:off x="677334" y="4765972"/>
-            <a:ext cx="8596668" cy="1320800"/>
-          </a:xfrm>
-        </p:spPr>
-        <p:txBody>
-          <a:bodyPr anchor="ctr">
-            <a:normAutofit/>
-          </a:bodyPr>
-          <a:lstStyle/>
-          <a:p>
-            <a:pPr>
-              <a:lnSpc>
-                <a:spcPct val="90000"/>
-              </a:lnSpc>
-            </a:pPr>
-            <a:r>
-              <a:rPr lang="en-US" sz="4400">
-                <a:solidFill>
-                  <a:schemeClr val="bg1"/>
-                </a:solidFill>
-              </a:rPr>
-              <a:t>Challenges and Barriers to adoption</a:t>
-            </a:r>
-          </a:p>
-        </p:txBody>
-      </p:sp>
+        </p:nvGraphicFramePr>
+        <p:xfrm>
+          <a:off x="642938" y="642938"/>
+          <a:ext cx="10906125" cy="3286125"/>
+        </p:xfrm>
+        <a:graphic>
+          <a:graphicData uri="http://schemas.openxmlformats.org/drawingml/2006/diagram">
+            <dgm:relIds xmlns:dgm="http://schemas.openxmlformats.org/drawingml/2006/diagram" xmlns:r="http://schemas.openxmlformats.org/officeDocument/2006/relationships" r:dm="rId3" r:lo="rId4" r:qs="rId5" r:cs="rId6"/>
+          </a:graphicData>
+        </a:graphic>
+      </p:graphicFrame>
     </p:spTree>
     <p:extLst>
       <p:ext uri="{BB962C8B-B14F-4D97-AF65-F5344CB8AC3E}">

--- a/Week1_Describe/BachmeierNTIM8150-1.pptx
+++ b/Week1_Describe/BachmeierNTIM8150-1.pptx
@@ -11937,8 +11937,8 @@
 <file path=ppt/diagrams/data7.xml><?xml version="1.0" encoding="utf-8"?>
 <dgm:dataModel xmlns:dgm="http://schemas.openxmlformats.org/drawingml/2006/diagram" xmlns:a="http://schemas.openxmlformats.org/drawingml/2006/main">
   <dgm:ptLst>
-    <dgm:pt modelId="{3D8B9BA6-8FC2-4F61-B55A-C2EAE7DF8B3A}" type="doc">
-      <dgm:prSet loTypeId="urn:microsoft.com/office/officeart/2005/8/layout/orgChart1" loCatId="hierarchy" qsTypeId="urn:microsoft.com/office/officeart/2005/8/quickstyle/simple1" qsCatId="simple" csTypeId="urn:microsoft.com/office/officeart/2005/8/colors/accent1_2" csCatId="accent1" phldr="1"/>
+    <dgm:pt modelId="{742BCD6A-8A58-49BA-8A9D-354EBD5C41F7}" type="doc">
+      <dgm:prSet loTypeId="urn:microsoft.com/office/officeart/2005/8/layout/vList2" loCatId="list" qsTypeId="urn:microsoft.com/office/officeart/2005/8/quickstyle/simple1" qsCatId="simple" csTypeId="urn:microsoft.com/office/officeart/2005/8/colors/accent1_2" csCatId="accent1" phldr="1"/>
       <dgm:spPr/>
       <dgm:t>
         <a:bodyPr/>
@@ -11948,22 +11948,290 @@
         </a:p>
       </dgm:t>
     </dgm:pt>
-    <dgm:pt modelId="{95A660C1-7304-419C-9B10-494FBA034F63}" type="pres">
-      <dgm:prSet presAssocID="{3D8B9BA6-8FC2-4F61-B55A-C2EAE7DF8B3A}" presName="hierChild1" presStyleCnt="0">
+    <dgm:pt modelId="{9F2A07D5-CFE3-49C5-90ED-113111463B74}">
+      <dgm:prSet phldrT="[Text]"/>
+      <dgm:spPr/>
+      <dgm:t>
+        <a:bodyPr/>
+        <a:lstStyle/>
+        <a:p>
+          <a:r>
+            <a:rPr lang="en-US" dirty="0"/>
+            <a:t>Advantages</a:t>
+          </a:r>
+        </a:p>
+      </dgm:t>
+    </dgm:pt>
+    <dgm:pt modelId="{3484B0A8-68B1-484E-BDE6-5E2980B85848}" type="parTrans" cxnId="{94EAC7D5-FBDC-4D73-928F-3F02BC4B55C7}">
+      <dgm:prSet/>
+      <dgm:spPr/>
+      <dgm:t>
+        <a:bodyPr/>
+        <a:lstStyle/>
+        <a:p>
+          <a:endParaRPr lang="en-US"/>
+        </a:p>
+      </dgm:t>
+    </dgm:pt>
+    <dgm:pt modelId="{92C21145-145C-475A-A85C-2E6774D81D59}" type="sibTrans" cxnId="{94EAC7D5-FBDC-4D73-928F-3F02BC4B55C7}">
+      <dgm:prSet/>
+      <dgm:spPr/>
+      <dgm:t>
+        <a:bodyPr/>
+        <a:lstStyle/>
+        <a:p>
+          <a:endParaRPr lang="en-US"/>
+        </a:p>
+      </dgm:t>
+    </dgm:pt>
+    <dgm:pt modelId="{EE925F82-205C-4D99-B6F6-54D8E7C91EC9}">
+      <dgm:prSet phldrT="[Text]"/>
+      <dgm:spPr/>
+      <dgm:t>
+        <a:bodyPr/>
+        <a:lstStyle/>
+        <a:p>
+          <a:r>
+            <a:rPr lang="en-US" dirty="0"/>
+            <a:t>Disadvantages</a:t>
+          </a:r>
+        </a:p>
+      </dgm:t>
+    </dgm:pt>
+    <dgm:pt modelId="{6EF44F0B-950D-45ED-9486-3360061C2AF6}" type="parTrans" cxnId="{4E3FE041-FA8F-40C9-B880-025413EFE03C}">
+      <dgm:prSet/>
+      <dgm:spPr/>
+      <dgm:t>
+        <a:bodyPr/>
+        <a:lstStyle/>
+        <a:p>
+          <a:endParaRPr lang="en-US"/>
+        </a:p>
+      </dgm:t>
+    </dgm:pt>
+    <dgm:pt modelId="{3584D9A4-25C3-4532-B388-810B9ED20B47}" type="sibTrans" cxnId="{4E3FE041-FA8F-40C9-B880-025413EFE03C}">
+      <dgm:prSet/>
+      <dgm:spPr/>
+      <dgm:t>
+        <a:bodyPr/>
+        <a:lstStyle/>
+        <a:p>
+          <a:endParaRPr lang="en-US"/>
+        </a:p>
+      </dgm:t>
+    </dgm:pt>
+    <dgm:pt modelId="{80DFFCDB-39AA-40D2-AFDC-03E8AF287298}">
+      <dgm:prSet phldrT="[Text]"/>
+      <dgm:spPr/>
+      <dgm:t>
+        <a:bodyPr/>
+        <a:lstStyle/>
+        <a:p>
+          <a:r>
+            <a:rPr lang="en-US" dirty="0"/>
+            <a:t>Large models are ambiguous, drift, and require re-training</a:t>
+          </a:r>
+        </a:p>
+      </dgm:t>
+    </dgm:pt>
+    <dgm:pt modelId="{5C2DFB69-0FD6-47E2-BDBC-4914892E9EA8}" type="parTrans" cxnId="{29F25992-5164-4A05-999D-A3484E7DEF83}">
+      <dgm:prSet/>
+      <dgm:spPr/>
+      <dgm:t>
+        <a:bodyPr/>
+        <a:lstStyle/>
+        <a:p>
+          <a:endParaRPr lang="en-US"/>
+        </a:p>
+      </dgm:t>
+    </dgm:pt>
+    <dgm:pt modelId="{B11A1312-A7CF-4CE0-9237-0B797A4DE5D4}" type="sibTrans" cxnId="{29F25992-5164-4A05-999D-A3484E7DEF83}">
+      <dgm:prSet/>
+      <dgm:spPr/>
+      <dgm:t>
+        <a:bodyPr/>
+        <a:lstStyle/>
+        <a:p>
+          <a:endParaRPr lang="en-US"/>
+        </a:p>
+      </dgm:t>
+    </dgm:pt>
+    <dgm:pt modelId="{551E63CD-B471-4093-A979-BE90E2498678}">
+      <dgm:prSet phldrT="[Text]"/>
+      <dgm:spPr/>
+      <dgm:t>
+        <a:bodyPr/>
+        <a:lstStyle/>
+        <a:p>
+          <a:r>
+            <a:rPr lang="en-US" dirty="0"/>
+            <a:t>Reduce costs and increase automation</a:t>
+          </a:r>
+        </a:p>
+      </dgm:t>
+    </dgm:pt>
+    <dgm:pt modelId="{2D09BEC2-4C44-4D46-BE92-A62C797FFB30}" type="parTrans" cxnId="{63000271-87ED-4C62-991C-2A24AEA650F5}">
+      <dgm:prSet/>
+      <dgm:spPr/>
+    </dgm:pt>
+    <dgm:pt modelId="{A48A3CAE-D535-4E3C-A587-A4F4D6A05305}" type="sibTrans" cxnId="{63000271-87ED-4C62-991C-2A24AEA650F5}">
+      <dgm:prSet/>
+      <dgm:spPr/>
+    </dgm:pt>
+    <dgm:pt modelId="{D72181DA-6A6B-4D16-8127-CCD35B877485}">
+      <dgm:prSet phldrT="[Text]"/>
+      <dgm:spPr/>
+      <dgm:t>
+        <a:bodyPr/>
+        <a:lstStyle/>
+        <a:p>
+          <a:r>
+            <a:rPr lang="en-US" dirty="0"/>
+            <a:t>Secure model design is open problem</a:t>
+          </a:r>
+        </a:p>
+      </dgm:t>
+    </dgm:pt>
+    <dgm:pt modelId="{04D98175-771E-4AC7-ADC3-BAB3CCE1517E}" type="parTrans" cxnId="{3565EE84-E7E8-458D-B7A9-6925E4BA83C6}">
+      <dgm:prSet/>
+      <dgm:spPr/>
+    </dgm:pt>
+    <dgm:pt modelId="{2E0A4F87-CDBD-4572-97E2-333DACD6DB56}" type="sibTrans" cxnId="{3565EE84-E7E8-458D-B7A9-6925E4BA83C6}">
+      <dgm:prSet/>
+      <dgm:spPr/>
+    </dgm:pt>
+    <dgm:pt modelId="{4FC06292-9372-4997-9D8B-CB795BD196EF}">
+      <dgm:prSet phldrT="[Text]"/>
+      <dgm:spPr/>
+      <dgm:t>
+        <a:bodyPr/>
+        <a:lstStyle/>
+        <a:p>
+          <a:r>
+            <a:rPr lang="en-US" dirty="0"/>
+            <a:t>Dynamic environments are very complex</a:t>
+          </a:r>
+        </a:p>
+      </dgm:t>
+    </dgm:pt>
+    <dgm:pt modelId="{5084D200-375E-410B-A711-CC7F60EFC031}" type="parTrans" cxnId="{56D10467-9154-4897-9C78-4DF7E76B833B}">
+      <dgm:prSet/>
+      <dgm:spPr/>
+    </dgm:pt>
+    <dgm:pt modelId="{72AA9780-1B2A-4D30-8888-4CF30785F063}" type="sibTrans" cxnId="{56D10467-9154-4897-9C78-4DF7E76B833B}">
+      <dgm:prSet/>
+      <dgm:spPr/>
+    </dgm:pt>
+    <dgm:pt modelId="{E7859D01-B14A-4980-9DB3-C1878CB7D08C}">
+      <dgm:prSet phldrT="[Text]"/>
+      <dgm:spPr/>
+      <dgm:t>
+        <a:bodyPr/>
+        <a:lstStyle/>
+        <a:p>
+          <a:r>
+            <a:rPr lang="en-US" dirty="0"/>
+            <a:t>Manage complex decision processes</a:t>
+          </a:r>
+        </a:p>
+      </dgm:t>
+    </dgm:pt>
+    <dgm:pt modelId="{430AB2A9-7A95-495B-9A7C-6078E5BFE135}" type="parTrans" cxnId="{91136228-9373-4BB7-B36A-BFB04B6CF2EF}">
+      <dgm:prSet/>
+      <dgm:spPr/>
+    </dgm:pt>
+    <dgm:pt modelId="{F62D611B-3FA1-4852-A01E-BE1407C55316}" type="sibTrans" cxnId="{91136228-9373-4BB7-B36A-BFB04B6CF2EF}">
+      <dgm:prSet/>
+      <dgm:spPr/>
+    </dgm:pt>
+    <dgm:pt modelId="{825833CB-D478-4FF5-AD6F-E4AAA2BBAD81}">
+      <dgm:prSet phldrT="[Text]"/>
+      <dgm:spPr/>
+      <dgm:t>
+        <a:bodyPr/>
+        <a:lstStyle/>
+        <a:p>
+          <a:r>
+            <a:rPr lang="en-US" dirty="0"/>
+            <a:t>Provide safety, interactive, and recommendation capabilities </a:t>
+          </a:r>
+        </a:p>
+      </dgm:t>
+    </dgm:pt>
+    <dgm:pt modelId="{4AC12932-FC8D-4CC9-BFED-C2110CC4A750}" type="parTrans" cxnId="{E286429B-1AE4-4F88-A9A4-24506DCF3976}">
+      <dgm:prSet/>
+      <dgm:spPr/>
+    </dgm:pt>
+    <dgm:pt modelId="{42C8EB81-FD35-4E60-920E-AC928ADC1C2E}" type="sibTrans" cxnId="{E286429B-1AE4-4F88-A9A4-24506DCF3976}">
+      <dgm:prSet/>
+      <dgm:spPr/>
+    </dgm:pt>
+    <dgm:pt modelId="{1FA34FB3-5884-4F5B-BD5D-C48A96F3B9E6}" type="pres">
+      <dgm:prSet presAssocID="{742BCD6A-8A58-49BA-8A9D-354EBD5C41F7}" presName="linear" presStyleCnt="0">
         <dgm:presLayoutVars>
-          <dgm:orgChart val="1"/>
-          <dgm:chPref val="1"/>
-          <dgm:dir/>
-          <dgm:animOne val="branch"/>
           <dgm:animLvl val="lvl"/>
-          <dgm:resizeHandles/>
+          <dgm:resizeHandles val="exact"/>
         </dgm:presLayoutVars>
       </dgm:prSet>
       <dgm:spPr/>
     </dgm:pt>
+    <dgm:pt modelId="{FA131C84-2A0F-4F80-ACA7-EE36DC90ADF2}" type="pres">
+      <dgm:prSet presAssocID="{9F2A07D5-CFE3-49C5-90ED-113111463B74}" presName="parentText" presStyleLbl="node1" presStyleIdx="0" presStyleCnt="2">
+        <dgm:presLayoutVars>
+          <dgm:chMax val="0"/>
+          <dgm:bulletEnabled val="1"/>
+        </dgm:presLayoutVars>
+      </dgm:prSet>
+      <dgm:spPr/>
+    </dgm:pt>
+    <dgm:pt modelId="{584C03E4-05CB-4C6E-A56A-A8306877F043}" type="pres">
+      <dgm:prSet presAssocID="{9F2A07D5-CFE3-49C5-90ED-113111463B74}" presName="childText" presStyleLbl="revTx" presStyleIdx="0" presStyleCnt="2">
+        <dgm:presLayoutVars>
+          <dgm:bulletEnabled val="1"/>
+        </dgm:presLayoutVars>
+      </dgm:prSet>
+      <dgm:spPr/>
+    </dgm:pt>
+    <dgm:pt modelId="{5AC7C76A-8C0A-4A73-8045-9B899E19FD42}" type="pres">
+      <dgm:prSet presAssocID="{EE925F82-205C-4D99-B6F6-54D8E7C91EC9}" presName="parentText" presStyleLbl="node1" presStyleIdx="1" presStyleCnt="2">
+        <dgm:presLayoutVars>
+          <dgm:chMax val="0"/>
+          <dgm:bulletEnabled val="1"/>
+        </dgm:presLayoutVars>
+      </dgm:prSet>
+      <dgm:spPr/>
+    </dgm:pt>
+    <dgm:pt modelId="{71AC1C61-D52A-424D-8639-40B53318AE7F}" type="pres">
+      <dgm:prSet presAssocID="{EE925F82-205C-4D99-B6F6-54D8E7C91EC9}" presName="childText" presStyleLbl="revTx" presStyleIdx="1" presStyleCnt="2">
+        <dgm:presLayoutVars>
+          <dgm:bulletEnabled val="1"/>
+        </dgm:presLayoutVars>
+      </dgm:prSet>
+      <dgm:spPr/>
+    </dgm:pt>
   </dgm:ptLst>
   <dgm:cxnLst>
-    <dgm:cxn modelId="{CB5ECFBE-FD64-4A24-B2C6-3E0455DDDA0E}" type="presOf" srcId="{3D8B9BA6-8FC2-4F61-B55A-C2EAE7DF8B3A}" destId="{95A660C1-7304-419C-9B10-494FBA034F63}" srcOrd="0" destOrd="0" presId="urn:microsoft.com/office/officeart/2005/8/layout/orgChart1"/>
+    <dgm:cxn modelId="{9F63C724-8576-48AD-97EF-4AE8CCB1E68C}" type="presOf" srcId="{825833CB-D478-4FF5-AD6F-E4AAA2BBAD81}" destId="{584C03E4-05CB-4C6E-A56A-A8306877F043}" srcOrd="0" destOrd="2" presId="urn:microsoft.com/office/officeart/2005/8/layout/vList2"/>
+    <dgm:cxn modelId="{91136228-9373-4BB7-B36A-BFB04B6CF2EF}" srcId="{9F2A07D5-CFE3-49C5-90ED-113111463B74}" destId="{E7859D01-B14A-4980-9DB3-C1878CB7D08C}" srcOrd="1" destOrd="0" parTransId="{430AB2A9-7A95-495B-9A7C-6078E5BFE135}" sibTransId="{F62D611B-3FA1-4852-A01E-BE1407C55316}"/>
+    <dgm:cxn modelId="{18D1665B-D18D-4BCC-B3CE-DAE33B4AA80A}" type="presOf" srcId="{551E63CD-B471-4093-A979-BE90E2498678}" destId="{584C03E4-05CB-4C6E-A56A-A8306877F043}" srcOrd="0" destOrd="0" presId="urn:microsoft.com/office/officeart/2005/8/layout/vList2"/>
+    <dgm:cxn modelId="{9AD7395C-2292-45E3-A6D7-2FCD4EBEAD01}" type="presOf" srcId="{742BCD6A-8A58-49BA-8A9D-354EBD5C41F7}" destId="{1FA34FB3-5884-4F5B-BD5D-C48A96F3B9E6}" srcOrd="0" destOrd="0" presId="urn:microsoft.com/office/officeart/2005/8/layout/vList2"/>
+    <dgm:cxn modelId="{4E3FE041-FA8F-40C9-B880-025413EFE03C}" srcId="{742BCD6A-8A58-49BA-8A9D-354EBD5C41F7}" destId="{EE925F82-205C-4D99-B6F6-54D8E7C91EC9}" srcOrd="1" destOrd="0" parTransId="{6EF44F0B-950D-45ED-9486-3360061C2AF6}" sibTransId="{3584D9A4-25C3-4532-B388-810B9ED20B47}"/>
+    <dgm:cxn modelId="{56D10467-9154-4897-9C78-4DF7E76B833B}" srcId="{EE925F82-205C-4D99-B6F6-54D8E7C91EC9}" destId="{4FC06292-9372-4997-9D8B-CB795BD196EF}" srcOrd="2" destOrd="0" parTransId="{5084D200-375E-410B-A711-CC7F60EFC031}" sibTransId="{72AA9780-1B2A-4D30-8888-4CF30785F063}"/>
+    <dgm:cxn modelId="{820BEA6B-0520-4A35-80EB-0AAFDAD3E5E9}" type="presOf" srcId="{E7859D01-B14A-4980-9DB3-C1878CB7D08C}" destId="{584C03E4-05CB-4C6E-A56A-A8306877F043}" srcOrd="0" destOrd="1" presId="urn:microsoft.com/office/officeart/2005/8/layout/vList2"/>
+    <dgm:cxn modelId="{63000271-87ED-4C62-991C-2A24AEA650F5}" srcId="{9F2A07D5-CFE3-49C5-90ED-113111463B74}" destId="{551E63CD-B471-4093-A979-BE90E2498678}" srcOrd="0" destOrd="0" parTransId="{2D09BEC2-4C44-4D46-BE92-A62C797FFB30}" sibTransId="{A48A3CAE-D535-4E3C-A587-A4F4D6A05305}"/>
+    <dgm:cxn modelId="{50DADC83-4248-459A-8127-58EC7C6666E2}" type="presOf" srcId="{EE925F82-205C-4D99-B6F6-54D8E7C91EC9}" destId="{5AC7C76A-8C0A-4A73-8045-9B899E19FD42}" srcOrd="0" destOrd="0" presId="urn:microsoft.com/office/officeart/2005/8/layout/vList2"/>
+    <dgm:cxn modelId="{3565EE84-E7E8-458D-B7A9-6925E4BA83C6}" srcId="{EE925F82-205C-4D99-B6F6-54D8E7C91EC9}" destId="{D72181DA-6A6B-4D16-8127-CCD35B877485}" srcOrd="1" destOrd="0" parTransId="{04D98175-771E-4AC7-ADC3-BAB3CCE1517E}" sibTransId="{2E0A4F87-CDBD-4572-97E2-333DACD6DB56}"/>
+    <dgm:cxn modelId="{29F25992-5164-4A05-999D-A3484E7DEF83}" srcId="{EE925F82-205C-4D99-B6F6-54D8E7C91EC9}" destId="{80DFFCDB-39AA-40D2-AFDC-03E8AF287298}" srcOrd="0" destOrd="0" parTransId="{5C2DFB69-0FD6-47E2-BDBC-4914892E9EA8}" sibTransId="{B11A1312-A7CF-4CE0-9237-0B797A4DE5D4}"/>
+    <dgm:cxn modelId="{81A58B98-41DA-4037-A9F5-B83C07D769BE}" type="presOf" srcId="{9F2A07D5-CFE3-49C5-90ED-113111463B74}" destId="{FA131C84-2A0F-4F80-ACA7-EE36DC90ADF2}" srcOrd="0" destOrd="0" presId="urn:microsoft.com/office/officeart/2005/8/layout/vList2"/>
+    <dgm:cxn modelId="{E286429B-1AE4-4F88-A9A4-24506DCF3976}" srcId="{9F2A07D5-CFE3-49C5-90ED-113111463B74}" destId="{825833CB-D478-4FF5-AD6F-E4AAA2BBAD81}" srcOrd="2" destOrd="0" parTransId="{4AC12932-FC8D-4CC9-BFED-C2110CC4A750}" sibTransId="{42C8EB81-FD35-4E60-920E-AC928ADC1C2E}"/>
+    <dgm:cxn modelId="{21F72FA6-FBA7-4581-827B-6132C1AE1D80}" type="presOf" srcId="{80DFFCDB-39AA-40D2-AFDC-03E8AF287298}" destId="{71AC1C61-D52A-424D-8639-40B53318AE7F}" srcOrd="0" destOrd="0" presId="urn:microsoft.com/office/officeart/2005/8/layout/vList2"/>
+    <dgm:cxn modelId="{40F4DEBD-4CF8-4FA6-AAF3-7B6B8E85C24A}" type="presOf" srcId="{4FC06292-9372-4997-9D8B-CB795BD196EF}" destId="{71AC1C61-D52A-424D-8639-40B53318AE7F}" srcOrd="0" destOrd="2" presId="urn:microsoft.com/office/officeart/2005/8/layout/vList2"/>
+    <dgm:cxn modelId="{94EAC7D5-FBDC-4D73-928F-3F02BC4B55C7}" srcId="{742BCD6A-8A58-49BA-8A9D-354EBD5C41F7}" destId="{9F2A07D5-CFE3-49C5-90ED-113111463B74}" srcOrd="0" destOrd="0" parTransId="{3484B0A8-68B1-484E-BDE6-5E2980B85848}" sibTransId="{92C21145-145C-475A-A85C-2E6774D81D59}"/>
+    <dgm:cxn modelId="{DCF308FF-9A7A-40F6-81C7-310F69D90E5B}" type="presOf" srcId="{D72181DA-6A6B-4D16-8127-CCD35B877485}" destId="{71AC1C61-D52A-424D-8639-40B53318AE7F}" srcOrd="0" destOrd="1" presId="urn:microsoft.com/office/officeart/2005/8/layout/vList2"/>
+    <dgm:cxn modelId="{6E156BDF-2E68-40CC-AD7F-0544A062EABB}" type="presParOf" srcId="{1FA34FB3-5884-4F5B-BD5D-C48A96F3B9E6}" destId="{FA131C84-2A0F-4F80-ACA7-EE36DC90ADF2}" srcOrd="0" destOrd="0" presId="urn:microsoft.com/office/officeart/2005/8/layout/vList2"/>
+    <dgm:cxn modelId="{214906BC-428D-42DC-B980-C314E2980797}" type="presParOf" srcId="{1FA34FB3-5884-4F5B-BD5D-C48A96F3B9E6}" destId="{584C03E4-05CB-4C6E-A56A-A8306877F043}" srcOrd="1" destOrd="0" presId="urn:microsoft.com/office/officeart/2005/8/layout/vList2"/>
+    <dgm:cxn modelId="{F72B4B4E-BB2D-441E-929F-C58A7DA822BD}" type="presParOf" srcId="{1FA34FB3-5884-4F5B-BD5D-C48A96F3B9E6}" destId="{5AC7C76A-8C0A-4A73-8045-9B899E19FD42}" srcOrd="2" destOrd="0" presId="urn:microsoft.com/office/officeart/2005/8/layout/vList2"/>
+    <dgm:cxn modelId="{FA445A86-AE77-4E30-AC29-981D93A1A600}" type="presParOf" srcId="{1FA34FB3-5884-4F5B-BD5D-C48A96F3B9E6}" destId="{71AC1C61-D52A-424D-8639-40B53318AE7F}" srcOrd="3" destOrd="0" presId="urn:microsoft.com/office/officeart/2005/8/layout/vList2"/>
   </dgm:cxnLst>
   <dgm:bg/>
   <dgm:whole/>
@@ -19401,6 +19669,352 @@
       <dsp:cNvGrpSpPr/>
     </dsp:nvGrpSpPr>
     <dsp:grpSpPr/>
+    <dsp:sp modelId="{FA131C84-2A0F-4F80-ACA7-EE36DC90ADF2}">
+      <dsp:nvSpPr>
+        <dsp:cNvPr id="0" name=""/>
+        <dsp:cNvSpPr/>
+      </dsp:nvSpPr>
+      <dsp:spPr>
+        <a:xfrm>
+          <a:off x="0" y="59483"/>
+          <a:ext cx="10581748" cy="772200"/>
+        </a:xfrm>
+        <a:prstGeom prst="roundRect">
+          <a:avLst/>
+        </a:prstGeom>
+        <a:solidFill>
+          <a:schemeClr val="accent1">
+            <a:hueOff val="0"/>
+            <a:satOff val="0"/>
+            <a:lumOff val="0"/>
+            <a:alphaOff val="0"/>
+          </a:schemeClr>
+        </a:solidFill>
+        <a:ln w="19050" cap="rnd" cmpd="sng" algn="ctr">
+          <a:solidFill>
+            <a:schemeClr val="lt1">
+              <a:hueOff val="0"/>
+              <a:satOff val="0"/>
+              <a:lumOff val="0"/>
+              <a:alphaOff val="0"/>
+            </a:schemeClr>
+          </a:solidFill>
+          <a:prstDash val="solid"/>
+        </a:ln>
+        <a:effectLst/>
+      </dsp:spPr>
+      <dsp:style>
+        <a:lnRef idx="2">
+          <a:scrgbClr r="0" g="0" b="0"/>
+        </a:lnRef>
+        <a:fillRef idx="1">
+          <a:scrgbClr r="0" g="0" b="0"/>
+        </a:fillRef>
+        <a:effectRef idx="0">
+          <a:scrgbClr r="0" g="0" b="0"/>
+        </a:effectRef>
+        <a:fontRef idx="minor">
+          <a:schemeClr val="lt1"/>
+        </a:fontRef>
+      </dsp:style>
+      <dsp:txBody>
+        <a:bodyPr spcFirstLastPara="0" vert="horz" wrap="square" lIns="125730" tIns="125730" rIns="125730" bIns="125730" numCol="1" spcCol="1270" anchor="ctr" anchorCtr="0">
+          <a:noAutofit/>
+        </a:bodyPr>
+        <a:lstStyle/>
+        <a:p>
+          <a:pPr marL="0" lvl="0" indent="0" algn="l" defTabSz="1466850">
+            <a:lnSpc>
+              <a:spcPct val="90000"/>
+            </a:lnSpc>
+            <a:spcBef>
+              <a:spcPct val="0"/>
+            </a:spcBef>
+            <a:spcAft>
+              <a:spcPct val="35000"/>
+            </a:spcAft>
+            <a:buNone/>
+          </a:pPr>
+          <a:r>
+            <a:rPr lang="en-US" sz="3300" kern="1200" dirty="0"/>
+            <a:t>Advantages</a:t>
+          </a:r>
+        </a:p>
+      </dsp:txBody>
+      <dsp:txXfrm>
+        <a:off x="37696" y="97179"/>
+        <a:ext cx="10506356" cy="696808"/>
+      </dsp:txXfrm>
+    </dsp:sp>
+    <dsp:sp modelId="{584C03E4-05CB-4C6E-A56A-A8306877F043}">
+      <dsp:nvSpPr>
+        <dsp:cNvPr id="0" name=""/>
+        <dsp:cNvSpPr/>
+      </dsp:nvSpPr>
+      <dsp:spPr>
+        <a:xfrm>
+          <a:off x="0" y="831683"/>
+          <a:ext cx="10581748" cy="1297890"/>
+        </a:xfrm>
+        <a:prstGeom prst="rect">
+          <a:avLst/>
+        </a:prstGeom>
+        <a:noFill/>
+        <a:ln>
+          <a:noFill/>
+        </a:ln>
+        <a:effectLst/>
+      </dsp:spPr>
+      <dsp:style>
+        <a:lnRef idx="0">
+          <a:scrgbClr r="0" g="0" b="0"/>
+        </a:lnRef>
+        <a:fillRef idx="0">
+          <a:scrgbClr r="0" g="0" b="0"/>
+        </a:fillRef>
+        <a:effectRef idx="0">
+          <a:scrgbClr r="0" g="0" b="0"/>
+        </a:effectRef>
+        <a:fontRef idx="minor"/>
+      </dsp:style>
+      <dsp:txBody>
+        <a:bodyPr spcFirstLastPara="0" vert="horz" wrap="square" lIns="335971" tIns="41910" rIns="234696" bIns="41910" numCol="1" spcCol="1270" anchor="t" anchorCtr="0">
+          <a:noAutofit/>
+        </a:bodyPr>
+        <a:lstStyle/>
+        <a:p>
+          <a:pPr marL="228600" lvl="1" indent="-228600" algn="l" defTabSz="1155700">
+            <a:lnSpc>
+              <a:spcPct val="90000"/>
+            </a:lnSpc>
+            <a:spcBef>
+              <a:spcPct val="0"/>
+            </a:spcBef>
+            <a:spcAft>
+              <a:spcPct val="20000"/>
+            </a:spcAft>
+            <a:buChar char="•"/>
+          </a:pPr>
+          <a:r>
+            <a:rPr lang="en-US" sz="2600" kern="1200" dirty="0"/>
+            <a:t>Reduce costs and increase automation</a:t>
+          </a:r>
+        </a:p>
+        <a:p>
+          <a:pPr marL="228600" lvl="1" indent="-228600" algn="l" defTabSz="1155700">
+            <a:lnSpc>
+              <a:spcPct val="90000"/>
+            </a:lnSpc>
+            <a:spcBef>
+              <a:spcPct val="0"/>
+            </a:spcBef>
+            <a:spcAft>
+              <a:spcPct val="20000"/>
+            </a:spcAft>
+            <a:buChar char="•"/>
+          </a:pPr>
+          <a:r>
+            <a:rPr lang="en-US" sz="2600" kern="1200" dirty="0"/>
+            <a:t>Manage complex decision processes</a:t>
+          </a:r>
+        </a:p>
+        <a:p>
+          <a:pPr marL="228600" lvl="1" indent="-228600" algn="l" defTabSz="1155700">
+            <a:lnSpc>
+              <a:spcPct val="90000"/>
+            </a:lnSpc>
+            <a:spcBef>
+              <a:spcPct val="0"/>
+            </a:spcBef>
+            <a:spcAft>
+              <a:spcPct val="20000"/>
+            </a:spcAft>
+            <a:buChar char="•"/>
+          </a:pPr>
+          <a:r>
+            <a:rPr lang="en-US" sz="2600" kern="1200" dirty="0"/>
+            <a:t>Provide safety, interactive, and recommendation capabilities </a:t>
+          </a:r>
+        </a:p>
+      </dsp:txBody>
+      <dsp:txXfrm>
+        <a:off x="0" y="831683"/>
+        <a:ext cx="10581748" cy="1297890"/>
+      </dsp:txXfrm>
+    </dsp:sp>
+    <dsp:sp modelId="{5AC7C76A-8C0A-4A73-8045-9B899E19FD42}">
+      <dsp:nvSpPr>
+        <dsp:cNvPr id="0" name=""/>
+        <dsp:cNvSpPr/>
+      </dsp:nvSpPr>
+      <dsp:spPr>
+        <a:xfrm>
+          <a:off x="0" y="2129574"/>
+          <a:ext cx="10581748" cy="772200"/>
+        </a:xfrm>
+        <a:prstGeom prst="roundRect">
+          <a:avLst/>
+        </a:prstGeom>
+        <a:solidFill>
+          <a:schemeClr val="accent1">
+            <a:hueOff val="0"/>
+            <a:satOff val="0"/>
+            <a:lumOff val="0"/>
+            <a:alphaOff val="0"/>
+          </a:schemeClr>
+        </a:solidFill>
+        <a:ln w="19050" cap="rnd" cmpd="sng" algn="ctr">
+          <a:solidFill>
+            <a:schemeClr val="lt1">
+              <a:hueOff val="0"/>
+              <a:satOff val="0"/>
+              <a:lumOff val="0"/>
+              <a:alphaOff val="0"/>
+            </a:schemeClr>
+          </a:solidFill>
+          <a:prstDash val="solid"/>
+        </a:ln>
+        <a:effectLst/>
+      </dsp:spPr>
+      <dsp:style>
+        <a:lnRef idx="2">
+          <a:scrgbClr r="0" g="0" b="0"/>
+        </a:lnRef>
+        <a:fillRef idx="1">
+          <a:scrgbClr r="0" g="0" b="0"/>
+        </a:fillRef>
+        <a:effectRef idx="0">
+          <a:scrgbClr r="0" g="0" b="0"/>
+        </a:effectRef>
+        <a:fontRef idx="minor">
+          <a:schemeClr val="lt1"/>
+        </a:fontRef>
+      </dsp:style>
+      <dsp:txBody>
+        <a:bodyPr spcFirstLastPara="0" vert="horz" wrap="square" lIns="125730" tIns="125730" rIns="125730" bIns="125730" numCol="1" spcCol="1270" anchor="ctr" anchorCtr="0">
+          <a:noAutofit/>
+        </a:bodyPr>
+        <a:lstStyle/>
+        <a:p>
+          <a:pPr marL="0" lvl="0" indent="0" algn="l" defTabSz="1466850">
+            <a:lnSpc>
+              <a:spcPct val="90000"/>
+            </a:lnSpc>
+            <a:spcBef>
+              <a:spcPct val="0"/>
+            </a:spcBef>
+            <a:spcAft>
+              <a:spcPct val="35000"/>
+            </a:spcAft>
+            <a:buNone/>
+          </a:pPr>
+          <a:r>
+            <a:rPr lang="en-US" sz="3300" kern="1200" dirty="0"/>
+            <a:t>Disadvantages</a:t>
+          </a:r>
+        </a:p>
+      </dsp:txBody>
+      <dsp:txXfrm>
+        <a:off x="37696" y="2167270"/>
+        <a:ext cx="10506356" cy="696808"/>
+      </dsp:txXfrm>
+    </dsp:sp>
+    <dsp:sp modelId="{71AC1C61-D52A-424D-8639-40B53318AE7F}">
+      <dsp:nvSpPr>
+        <dsp:cNvPr id="0" name=""/>
+        <dsp:cNvSpPr/>
+      </dsp:nvSpPr>
+      <dsp:spPr>
+        <a:xfrm>
+          <a:off x="0" y="2901774"/>
+          <a:ext cx="10581748" cy="1297890"/>
+        </a:xfrm>
+        <a:prstGeom prst="rect">
+          <a:avLst/>
+        </a:prstGeom>
+        <a:noFill/>
+        <a:ln>
+          <a:noFill/>
+        </a:ln>
+        <a:effectLst/>
+      </dsp:spPr>
+      <dsp:style>
+        <a:lnRef idx="0">
+          <a:scrgbClr r="0" g="0" b="0"/>
+        </a:lnRef>
+        <a:fillRef idx="0">
+          <a:scrgbClr r="0" g="0" b="0"/>
+        </a:fillRef>
+        <a:effectRef idx="0">
+          <a:scrgbClr r="0" g="0" b="0"/>
+        </a:effectRef>
+        <a:fontRef idx="minor"/>
+      </dsp:style>
+      <dsp:txBody>
+        <a:bodyPr spcFirstLastPara="0" vert="horz" wrap="square" lIns="335971" tIns="41910" rIns="234696" bIns="41910" numCol="1" spcCol="1270" anchor="t" anchorCtr="0">
+          <a:noAutofit/>
+        </a:bodyPr>
+        <a:lstStyle/>
+        <a:p>
+          <a:pPr marL="228600" lvl="1" indent="-228600" algn="l" defTabSz="1155700">
+            <a:lnSpc>
+              <a:spcPct val="90000"/>
+            </a:lnSpc>
+            <a:spcBef>
+              <a:spcPct val="0"/>
+            </a:spcBef>
+            <a:spcAft>
+              <a:spcPct val="20000"/>
+            </a:spcAft>
+            <a:buChar char="•"/>
+          </a:pPr>
+          <a:r>
+            <a:rPr lang="en-US" sz="2600" kern="1200" dirty="0"/>
+            <a:t>Large models are ambiguous, drift, and require re-training</a:t>
+          </a:r>
+        </a:p>
+        <a:p>
+          <a:pPr marL="228600" lvl="1" indent="-228600" algn="l" defTabSz="1155700">
+            <a:lnSpc>
+              <a:spcPct val="90000"/>
+            </a:lnSpc>
+            <a:spcBef>
+              <a:spcPct val="0"/>
+            </a:spcBef>
+            <a:spcAft>
+              <a:spcPct val="20000"/>
+            </a:spcAft>
+            <a:buChar char="•"/>
+          </a:pPr>
+          <a:r>
+            <a:rPr lang="en-US" sz="2600" kern="1200" dirty="0"/>
+            <a:t>Secure model design is open problem</a:t>
+          </a:r>
+        </a:p>
+        <a:p>
+          <a:pPr marL="228600" lvl="1" indent="-228600" algn="l" defTabSz="1155700">
+            <a:lnSpc>
+              <a:spcPct val="90000"/>
+            </a:lnSpc>
+            <a:spcBef>
+              <a:spcPct val="0"/>
+            </a:spcBef>
+            <a:spcAft>
+              <a:spcPct val="20000"/>
+            </a:spcAft>
+            <a:buChar char="•"/>
+          </a:pPr>
+          <a:r>
+            <a:rPr lang="en-US" sz="2600" kern="1200" dirty="0"/>
+            <a:t>Dynamic environments are very complex</a:t>
+          </a:r>
+        </a:p>
+      </dsp:txBody>
+      <dsp:txXfrm>
+        <a:off x="0" y="2901774"/>
+        <a:ext cx="10581748" cy="1297890"/>
+      </dsp:txXfrm>
+    </dsp:sp>
   </dsp:spTree>
 </dsp:drawing>
 </file>
@@ -23680,12 +24294,12 @@
 </file>
 
 <file path=ppt/diagrams/layout7.xml><?xml version="1.0" encoding="utf-8"?>
-<dgm:layoutDef xmlns:dgm="http://schemas.openxmlformats.org/drawingml/2006/diagram" xmlns:a="http://schemas.openxmlformats.org/drawingml/2006/main" uniqueId="urn:microsoft.com/office/officeart/2005/8/layout/orgChart1">
+<dgm:layoutDef xmlns:dgm="http://schemas.openxmlformats.org/drawingml/2006/diagram" xmlns:a="http://schemas.openxmlformats.org/drawingml/2006/main" uniqueId="urn:microsoft.com/office/officeart/2005/8/layout/vList2">
   <dgm:title val=""/>
   <dgm:desc val=""/>
   <dgm:catLst>
-    <dgm:cat type="hierarchy" pri="1000"/>
-    <dgm:cat type="convert" pri="6000"/>
+    <dgm:cat type="list" pri="3000"/>
+    <dgm:cat type="convert" pri="1000"/>
   </dgm:catLst>
   <dgm:sampData>
     <dgm:dataModel>
@@ -23694,25 +24308,21 @@
         <dgm:pt modelId="1">
           <dgm:prSet phldr="1"/>
         </dgm:pt>
-        <dgm:pt modelId="2" type="asst">
+        <dgm:pt modelId="11">
           <dgm:prSet phldr="1"/>
         </dgm:pt>
-        <dgm:pt modelId="3">
+        <dgm:pt modelId="2">
           <dgm:prSet phldr="1"/>
         </dgm:pt>
-        <dgm:pt modelId="4">
-          <dgm:prSet phldr="1"/>
-        </dgm:pt>
-        <dgm:pt modelId="5">
+        <dgm:pt modelId="21">
           <dgm:prSet phldr="1"/>
         </dgm:pt>
       </dgm:ptLst>
       <dgm:cxnLst>
-        <dgm:cxn modelId="5" srcId="0" destId="1" srcOrd="0" destOrd="0"/>
-        <dgm:cxn modelId="6" srcId="1" destId="2" srcOrd="0" destOrd="0"/>
-        <dgm:cxn modelId="7" srcId="1" destId="3" srcOrd="1" destOrd="0"/>
-        <dgm:cxn modelId="8" srcId="1" destId="4" srcOrd="2" destOrd="0"/>
-        <dgm:cxn modelId="9" srcId="1" destId="5" srcOrd="3" destOrd="0"/>
+        <dgm:cxn modelId="4" srcId="0" destId="1" srcOrd="0" destOrd="0"/>
+        <dgm:cxn modelId="5" srcId="0" destId="2" srcOrd="1" destOrd="0"/>
+        <dgm:cxn modelId="12" srcId="1" destId="11" srcOrd="0" destOrd="0"/>
+        <dgm:cxn modelId="23" srcId="2" destId="21" srcOrd="0" destOrd="0"/>
       </dgm:cxnLst>
       <dgm:bg/>
       <dgm:whole/>
@@ -23723,13 +24333,11 @@
       <dgm:ptLst>
         <dgm:pt modelId="0" type="doc"/>
         <dgm:pt modelId="1"/>
-        <dgm:pt modelId="12"/>
-        <dgm:pt modelId="13"/>
+        <dgm:pt modelId="2"/>
       </dgm:ptLst>
       <dgm:cxnLst>
-        <dgm:cxn modelId="2" srcId="0" destId="1" srcOrd="0" destOrd="0"/>
-        <dgm:cxn modelId="16" srcId="1" destId="12" srcOrd="1" destOrd="0"/>
-        <dgm:cxn modelId="17" srcId="1" destId="13" srcOrd="2" destOrd="0"/>
+        <dgm:cxn modelId="3" srcId="0" destId="1" srcOrd="0" destOrd="0"/>
+        <dgm:cxn modelId="4" srcId="0" destId="2" srcOrd="1" destOrd="0"/>
       </dgm:cxnLst>
       <dgm:bg/>
       <dgm:whole/>
@@ -23740,1086 +24348,113 @@
       <dgm:ptLst>
         <dgm:pt modelId="0" type="doc"/>
         <dgm:pt modelId="1"/>
-        <dgm:pt modelId="11" type="asst"/>
-        <dgm:pt modelId="12"/>
-        <dgm:pt modelId="13"/>
-        <dgm:pt modelId="14"/>
+        <dgm:pt modelId="2"/>
+        <dgm:pt modelId="3"/>
+        <dgm:pt modelId="4"/>
       </dgm:ptLst>
       <dgm:cxnLst>
-        <dgm:cxn modelId="2" srcId="0" destId="1" srcOrd="0" destOrd="0"/>
-        <dgm:cxn modelId="15" srcId="1" destId="11" srcOrd="0" destOrd="0"/>
-        <dgm:cxn modelId="16" srcId="1" destId="12" srcOrd="1" destOrd="0"/>
-        <dgm:cxn modelId="17" srcId="1" destId="13" srcOrd="2" destOrd="0"/>
-        <dgm:cxn modelId="18" srcId="1" destId="14" srcOrd="2" destOrd="0"/>
+        <dgm:cxn modelId="5" srcId="0" destId="1" srcOrd="0" destOrd="0"/>
+        <dgm:cxn modelId="6" srcId="0" destId="2" srcOrd="1" destOrd="0"/>
+        <dgm:cxn modelId="7" srcId="0" destId="3" srcOrd="2" destOrd="0"/>
+        <dgm:cxn modelId="8" srcId="0" destId="4" srcOrd="3" destOrd="0"/>
       </dgm:cxnLst>
       <dgm:bg/>
       <dgm:whole/>
     </dgm:dataModel>
   </dgm:clrData>
-  <dgm:layoutNode name="hierChild1">
+  <dgm:layoutNode name="linear">
     <dgm:varLst>
-      <dgm:orgChart val="1"/>
-      <dgm:chPref val="1"/>
-      <dgm:dir/>
-      <dgm:animOne val="branch"/>
       <dgm:animLvl val="lvl"/>
-      <dgm:resizeHandles/>
+      <dgm:resizeHandles val="exact"/>
     </dgm:varLst>
-    <dgm:choose name="Name0">
-      <dgm:if name="Name1" func="var" arg="dir" op="equ" val="norm">
-        <dgm:alg type="hierChild">
-          <dgm:param type="linDir" val="fromL"/>
-        </dgm:alg>
-      </dgm:if>
-      <dgm:else name="Name2">
-        <dgm:alg type="hierChild">
-          <dgm:param type="linDir" val="fromR"/>
-        </dgm:alg>
-      </dgm:else>
-    </dgm:choose>
+    <dgm:alg type="lin">
+      <dgm:param type="linDir" val="fromT"/>
+      <dgm:param type="vertAlign" val="mid"/>
+    </dgm:alg>
     <dgm:shape xmlns:r="http://schemas.openxmlformats.org/officeDocument/2006/relationships" r:blip="">
       <dgm:adjLst/>
     </dgm:shape>
     <dgm:presOf/>
     <dgm:constrLst>
-      <dgm:constr type="w" for="des" forName="rootComposite1" refType="w" fact="10"/>
-      <dgm:constr type="h" for="des" forName="rootComposite1" refType="w" refFor="des" refForName="rootComposite1" fact="0.5"/>
-      <dgm:constr type="w" for="des" forName="rootComposite" refType="w" fact="10"/>
-      <dgm:constr type="h" for="des" forName="rootComposite" refType="w" refFor="des" refForName="rootComposite1" fact="0.5"/>
-      <dgm:constr type="w" for="des" forName="rootComposite3" refType="w" fact="10"/>
-      <dgm:constr type="h" for="des" forName="rootComposite3" refType="w" refFor="des" refForName="rootComposite1" fact="0.5"/>
-      <dgm:constr type="primFontSz" for="des" ptType="node" op="equ"/>
-      <dgm:constr type="sp" for="des" op="equ"/>
-      <dgm:constr type="sp" for="des" forName="hierRoot1" refType="w" refFor="des" refForName="rootComposite1" fact="0.21"/>
-      <dgm:constr type="sp" for="des" forName="hierRoot2" refType="sp" refFor="des" refForName="hierRoot1"/>
-      <dgm:constr type="sp" for="des" forName="hierRoot3" refType="sp" refFor="des" refForName="hierRoot1"/>
-      <dgm:constr type="sibSp" refType="w" refFor="des" refForName="rootComposite1" fact="0.21"/>
-      <dgm:constr type="sibSp" for="des" forName="hierChild2" refType="sibSp"/>
-      <dgm:constr type="sibSp" for="des" forName="hierChild3" refType="sibSp"/>
-      <dgm:constr type="sibSp" for="des" forName="hierChild4" refType="sibSp"/>
-      <dgm:constr type="sibSp" for="des" forName="hierChild5" refType="sibSp"/>
-      <dgm:constr type="sibSp" for="des" forName="hierChild6" refType="sibSp"/>
-      <dgm:constr type="sibSp" for="des" forName="hierChild7" refType="sibSp"/>
-      <dgm:constr type="secSibSp" refType="w" refFor="des" refForName="rootComposite1" fact="0.21"/>
-      <dgm:constr type="secSibSp" for="des" forName="hierChild2" refType="secSibSp"/>
-      <dgm:constr type="secSibSp" for="des" forName="hierChild3" refType="secSibSp"/>
-      <dgm:constr type="secSibSp" for="des" forName="hierChild4" refType="secSibSp"/>
-      <dgm:constr type="secSibSp" for="des" forName="hierChild5" refType="secSibSp"/>
-      <dgm:constr type="secSibSp" for="des" forName="hierChild6" refType="secSibSp"/>
-      <dgm:constr type="secSibSp" for="des" forName="hierChild7" refType="secSibSp"/>
+      <dgm:constr type="w" for="ch" forName="parentText" refType="w"/>
+      <dgm:constr type="h" for="ch" forName="parentText" refType="primFontSz" refFor="ch" refForName="parentText" fact="0.52"/>
+      <dgm:constr type="w" for="ch" forName="childText" refType="w"/>
+      <dgm:constr type="h" for="ch" forName="childText" refType="primFontSz" refFor="ch" refForName="parentText" fact="0.46"/>
+      <dgm:constr type="h" for="ch" forName="parentText" op="equ"/>
+      <dgm:constr type="primFontSz" for="ch" forName="parentText" op="equ" val="65"/>
+      <dgm:constr type="primFontSz" for="ch" forName="childText" refType="primFontSz" refFor="ch" refForName="parentText" op="equ"/>
+      <dgm:constr type="h" for="ch" forName="spacer" refType="primFontSz" refFor="ch" refForName="parentText" fact="0.08"/>
     </dgm:constrLst>
-    <dgm:ruleLst/>
-    <dgm:forEach name="Name3" axis="ch">
-      <dgm:forEach name="Name4" axis="self" ptType="node">
-        <dgm:layoutNode name="hierRoot1">
-          <dgm:varLst>
-            <dgm:hierBranch val="init"/>
-          </dgm:varLst>
-          <dgm:choose name="Name5">
-            <dgm:if name="Name6" func="var" arg="hierBranch" op="equ" val="l">
-              <dgm:choose name="Name7">
-                <dgm:if name="Name8" axis="ch" ptType="asst" func="cnt" op="gte" val="1">
-                  <dgm:alg type="hierRoot">
-                    <dgm:param type="hierAlign" val="tR"/>
-                  </dgm:alg>
-                  <dgm:constrLst>
-                    <dgm:constr type="alignOff" val="0.65"/>
-                  </dgm:constrLst>
-                </dgm:if>
-                <dgm:else name="Name9">
-                  <dgm:alg type="hierRoot">
-                    <dgm:param type="hierAlign" val="tR"/>
-                  </dgm:alg>
-                  <dgm:constrLst>
-                    <dgm:constr type="alignOff" val="0.25"/>
-                  </dgm:constrLst>
-                </dgm:else>
-              </dgm:choose>
-            </dgm:if>
-            <dgm:if name="Name10" func="var" arg="hierBranch" op="equ" val="r">
-              <dgm:choose name="Name11">
-                <dgm:if name="Name12" axis="ch" ptType="asst" func="cnt" op="gte" val="1">
-                  <dgm:alg type="hierRoot">
-                    <dgm:param type="hierAlign" val="tL"/>
-                  </dgm:alg>
-                  <dgm:constrLst>
-                    <dgm:constr type="alignOff" val="0.65"/>
-                  </dgm:constrLst>
-                </dgm:if>
-                <dgm:else name="Name13">
-                  <dgm:alg type="hierRoot">
-                    <dgm:param type="hierAlign" val="tL"/>
-                  </dgm:alg>
-                  <dgm:constrLst>
-                    <dgm:constr type="alignOff" val="0.25"/>
-                  </dgm:constrLst>
-                </dgm:else>
-              </dgm:choose>
-            </dgm:if>
-            <dgm:if name="Name14" func="var" arg="hierBranch" op="equ" val="hang">
-              <dgm:alg type="hierRoot"/>
-              <dgm:constrLst>
-                <dgm:constr type="alignOff" val="0.65"/>
-              </dgm:constrLst>
-            </dgm:if>
-            <dgm:else name="Name15">
-              <dgm:alg type="hierRoot"/>
-              <dgm:constrLst>
-                <dgm:constr type="alignOff"/>
-                <dgm:constr type="bendDist" for="des" ptType="parTrans" refType="sp" fact="0.5"/>
-              </dgm:constrLst>
-            </dgm:else>
-          </dgm:choose>
-          <dgm:shape xmlns:r="http://schemas.openxmlformats.org/officeDocument/2006/relationships" r:blip="">
-            <dgm:adjLst/>
-          </dgm:shape>
-          <dgm:presOf/>
-          <dgm:ruleLst/>
-          <dgm:layoutNode name="rootComposite1">
-            <dgm:alg type="composite"/>
-            <dgm:shape xmlns:r="http://schemas.openxmlformats.org/officeDocument/2006/relationships" r:blip="">
+    <dgm:ruleLst>
+      <dgm:rule type="primFontSz" for="ch" forName="parentText" val="5" fact="NaN" max="NaN"/>
+    </dgm:ruleLst>
+    <dgm:forEach name="Name0" axis="ch" ptType="node">
+      <dgm:layoutNode name="parentText" styleLbl="node1">
+        <dgm:varLst>
+          <dgm:chMax val="0"/>
+          <dgm:bulletEnabled val="1"/>
+        </dgm:varLst>
+        <dgm:alg type="tx">
+          <dgm:param type="parTxLTRAlign" val="l"/>
+          <dgm:param type="parTxRTLAlign" val="r"/>
+        </dgm:alg>
+        <dgm:shape xmlns:r="http://schemas.openxmlformats.org/officeDocument/2006/relationships" type="roundRect" r:blip="">
+          <dgm:adjLst/>
+        </dgm:shape>
+        <dgm:presOf axis="self"/>
+        <dgm:constrLst>
+          <dgm:constr type="tMarg" refType="primFontSz" fact="0.3"/>
+          <dgm:constr type="bMarg" refType="primFontSz" fact="0.3"/>
+          <dgm:constr type="lMarg" refType="primFontSz" fact="0.3"/>
+          <dgm:constr type="rMarg" refType="primFontSz" fact="0.3"/>
+        </dgm:constrLst>
+        <dgm:ruleLst>
+          <dgm:rule type="h" val="INF" fact="NaN" max="NaN"/>
+        </dgm:ruleLst>
+      </dgm:layoutNode>
+      <dgm:choose name="Name1">
+        <dgm:if name="Name2" axis="ch" ptType="node" func="cnt" op="gte" val="1">
+          <dgm:layoutNode name="childText" styleLbl="revTx">
+            <dgm:varLst>
+              <dgm:bulletEnabled val="1"/>
+            </dgm:varLst>
+            <dgm:alg type="tx">
+              <dgm:param type="stBulletLvl" val="1"/>
+              <dgm:param type="lnSpAfChP" val="20"/>
+            </dgm:alg>
+            <dgm:shape xmlns:r="http://schemas.openxmlformats.org/officeDocument/2006/relationships" type="rect" r:blip="">
               <dgm:adjLst/>
             </dgm:shape>
-            <dgm:presOf axis="self" ptType="node" cnt="1"/>
-            <dgm:choose name="Name16">
-              <dgm:if name="Name17" func="var" arg="hierBranch" op="equ" val="init">
-                <dgm:constrLst>
-                  <dgm:constr type="l" for="ch" forName="rootText1"/>
-                  <dgm:constr type="t" for="ch" forName="rootText1"/>
-                  <dgm:constr type="w" for="ch" forName="rootText1" refType="w"/>
-                  <dgm:constr type="h" for="ch" forName="rootText1" refType="h"/>
-                  <dgm:constr type="l" for="ch" forName="rootConnector1"/>
-                  <dgm:constr type="t" for="ch" forName="rootConnector1"/>
-                  <dgm:constr type="w" for="ch" forName="rootConnector1" refType="w" refFor="ch" refForName="rootText1" fact="0.2"/>
-                  <dgm:constr type="h" for="ch" forName="rootConnector1" refType="h" refFor="ch" refForName="rootText1"/>
-                </dgm:constrLst>
-              </dgm:if>
-              <dgm:if name="Name18" func="var" arg="hierBranch" op="equ" val="l">
-                <dgm:constrLst>
-                  <dgm:constr type="l" for="ch" forName="rootText1"/>
-                  <dgm:constr type="t" for="ch" forName="rootText1"/>
-                  <dgm:constr type="w" for="ch" forName="rootText1" refType="w"/>
-                  <dgm:constr type="h" for="ch" forName="rootText1" refType="h"/>
-                  <dgm:constr type="r" for="ch" forName="rootConnector1" refType="w"/>
-                  <dgm:constr type="t" for="ch" forName="rootConnector1"/>
-                  <dgm:constr type="w" for="ch" forName="rootConnector1" refType="w" refFor="ch" refForName="rootText1" fact="0.2"/>
-                  <dgm:constr type="h" for="ch" forName="rootConnector1" refType="h" refFor="ch" refForName="rootText1"/>
-                </dgm:constrLst>
-              </dgm:if>
-              <dgm:if name="Name19" func="var" arg="hierBranch" op="equ" val="r">
-                <dgm:constrLst>
-                  <dgm:constr type="l" for="ch" forName="rootText1"/>
-                  <dgm:constr type="t" for="ch" forName="rootText1"/>
-                  <dgm:constr type="w" for="ch" forName="rootText1" refType="w"/>
-                  <dgm:constr type="h" for="ch" forName="rootText1" refType="h"/>
-                  <dgm:constr type="l" for="ch" forName="rootConnector1"/>
-                  <dgm:constr type="t" for="ch" forName="rootConnector1"/>
-                  <dgm:constr type="w" for="ch" forName="rootConnector1" refType="w" refFor="ch" refForName="rootText1" fact="0.2"/>
-                  <dgm:constr type="h" for="ch" forName="rootConnector1" refType="h" refFor="ch" refForName="rootText1"/>
-                </dgm:constrLst>
-              </dgm:if>
-              <dgm:else name="Name20">
-                <dgm:constrLst>
-                  <dgm:constr type="l" for="ch" forName="rootText1"/>
-                  <dgm:constr type="t" for="ch" forName="rootText1"/>
-                  <dgm:constr type="w" for="ch" forName="rootText1" refType="w"/>
-                  <dgm:constr type="h" for="ch" forName="rootText1" refType="h"/>
-                  <dgm:constr type="r" for="ch" forName="rootConnector1" refType="w"/>
-                  <dgm:constr type="t" for="ch" forName="rootConnector1"/>
-                  <dgm:constr type="w" for="ch" forName="rootConnector1" refType="w" refFor="ch" refForName="rootText1" fact="0.2"/>
-                  <dgm:constr type="h" for="ch" forName="rootConnector1" refType="h" refFor="ch" refForName="rootText1"/>
-                </dgm:constrLst>
-              </dgm:else>
-            </dgm:choose>
-            <dgm:ruleLst/>
-            <dgm:layoutNode name="rootText1" styleLbl="node0">
-              <dgm:varLst>
-                <dgm:chPref val="3"/>
-              </dgm:varLst>
-              <dgm:alg type="tx"/>
-              <dgm:shape xmlns:r="http://schemas.openxmlformats.org/officeDocument/2006/relationships" type="rect" r:blip="">
-                <dgm:adjLst/>
-              </dgm:shape>
-              <dgm:presOf axis="self" ptType="node" cnt="1"/>
-              <dgm:constrLst>
-                <dgm:constr type="primFontSz" val="65"/>
-                <dgm:constr type="lMarg" refType="primFontSz" fact="0.05"/>
-                <dgm:constr type="rMarg" refType="primFontSz" fact="0.05"/>
-                <dgm:constr type="tMarg" refType="primFontSz" fact="0.05"/>
-                <dgm:constr type="bMarg" refType="primFontSz" fact="0.05"/>
-              </dgm:constrLst>
-              <dgm:ruleLst>
-                <dgm:rule type="primFontSz" val="5" fact="NaN" max="NaN"/>
-              </dgm:ruleLst>
-            </dgm:layoutNode>
-            <dgm:layoutNode name="rootConnector1" moveWith="rootText1">
-              <dgm:alg type="sp"/>
-              <dgm:shape xmlns:r="http://schemas.openxmlformats.org/officeDocument/2006/relationships" type="rect" r:blip="" hideGeom="1">
-                <dgm:adjLst/>
-              </dgm:shape>
-              <dgm:presOf axis="self" ptType="node" cnt="1"/>
-              <dgm:constrLst/>
-              <dgm:ruleLst/>
-            </dgm:layoutNode>
+            <dgm:presOf axis="des" ptType="node"/>
+            <dgm:constrLst>
+              <dgm:constr type="tMarg" refType="primFontSz" fact="0.1"/>
+              <dgm:constr type="bMarg" refType="primFontSz" fact="0.1"/>
+              <dgm:constr type="lMarg" refType="w" fact="0.09"/>
+            </dgm:constrLst>
+            <dgm:ruleLst>
+              <dgm:rule type="h" val="INF" fact="NaN" max="NaN"/>
+            </dgm:ruleLst>
           </dgm:layoutNode>
-          <dgm:layoutNode name="hierChild2">
-            <dgm:choose name="Name21">
-              <dgm:if name="Name22" func="var" arg="hierBranch" op="equ" val="l">
-                <dgm:alg type="hierChild">
-                  <dgm:param type="chAlign" val="r"/>
-                  <dgm:param type="linDir" val="fromT"/>
-                </dgm:alg>
-              </dgm:if>
-              <dgm:if name="Name23" func="var" arg="hierBranch" op="equ" val="r">
-                <dgm:alg type="hierChild">
-                  <dgm:param type="chAlign" val="l"/>
-                  <dgm:param type="linDir" val="fromT"/>
-                </dgm:alg>
-              </dgm:if>
-              <dgm:if name="Name24" func="var" arg="hierBranch" op="equ" val="hang">
-                <dgm:choose name="Name25">
-                  <dgm:if name="Name26" func="var" arg="dir" op="equ" val="norm">
-                    <dgm:alg type="hierChild">
-                      <dgm:param type="chAlign" val="l"/>
-                      <dgm:param type="linDir" val="fromL"/>
-                      <dgm:param type="secChAlign" val="t"/>
-                      <dgm:param type="secLinDir" val="fromT"/>
-                    </dgm:alg>
-                  </dgm:if>
-                  <dgm:else name="Name27">
-                    <dgm:alg type="hierChild">
-                      <dgm:param type="chAlign" val="l"/>
-                      <dgm:param type="linDir" val="fromR"/>
-                      <dgm:param type="secChAlign" val="t"/>
-                      <dgm:param type="secLinDir" val="fromT"/>
-                    </dgm:alg>
-                  </dgm:else>
-                </dgm:choose>
-              </dgm:if>
-              <dgm:else name="Name28">
-                <dgm:choose name="Name29">
-                  <dgm:if name="Name30" func="var" arg="dir" op="equ" val="norm">
-                    <dgm:alg type="hierChild"/>
-                  </dgm:if>
-                  <dgm:else name="Name31">
-                    <dgm:alg type="hierChild">
-                      <dgm:param type="linDir" val="fromR"/>
-                    </dgm:alg>
-                  </dgm:else>
-                </dgm:choose>
-              </dgm:else>
-            </dgm:choose>
-            <dgm:shape xmlns:r="http://schemas.openxmlformats.org/officeDocument/2006/relationships" r:blip="">
-              <dgm:adjLst/>
-            </dgm:shape>
-            <dgm:presOf/>
-            <dgm:constrLst/>
-            <dgm:ruleLst/>
-            <dgm:forEach name="rep2a" axis="ch" ptType="nonAsst">
-              <dgm:forEach name="Name32" axis="precedSib" ptType="parTrans" st="-1" cnt="1">
-                <dgm:choose name="Name33">
-                  <dgm:if name="Name34" func="var" arg="hierBranch" op="equ" val="std">
-                    <dgm:layoutNode name="Name35">
-                      <dgm:alg type="conn">
-                        <dgm:param type="connRout" val="bend"/>
-                        <dgm:param type="dim" val="1D"/>
-                        <dgm:param type="endSty" val="noArr"/>
-                        <dgm:param type="begPts" val="bCtr"/>
-                        <dgm:param type="endPts" val="tCtr"/>
-                        <dgm:param type="bendPt" val="end"/>
-                      </dgm:alg>
-                      <dgm:shape xmlns:r="http://schemas.openxmlformats.org/officeDocument/2006/relationships" type="conn" r:blip="" zOrderOff="-99999">
-                        <dgm:adjLst/>
-                      </dgm:shape>
-                      <dgm:presOf axis="self"/>
-                      <dgm:constrLst>
-                        <dgm:constr type="begPad"/>
-                        <dgm:constr type="endPad"/>
-                      </dgm:constrLst>
-                      <dgm:ruleLst/>
-                    </dgm:layoutNode>
-                  </dgm:if>
-                  <dgm:if name="Name36" func="var" arg="hierBranch" op="equ" val="init">
-                    <dgm:layoutNode name="Name37">
-                      <dgm:choose name="Name38">
-                        <dgm:if name="Name39" axis="self" func="depth" op="lte" val="2">
-                          <dgm:alg type="conn">
-                            <dgm:param type="connRout" val="bend"/>
-                            <dgm:param type="dim" val="1D"/>
-                            <dgm:param type="endSty" val="noArr"/>
-                            <dgm:param type="begPts" val="bCtr"/>
-                            <dgm:param type="endPts" val="tCtr"/>
-                            <dgm:param type="bendPt" val="end"/>
-                          </dgm:alg>
-                        </dgm:if>
-                        <dgm:else name="Name40">
-                          <dgm:choose name="Name41">
-                            <dgm:if name="Name42" axis="par des" func="maxDepth" op="lte" val="1">
-                              <dgm:choose name="Name43">
-                                <dgm:if name="Name44" axis="par ch" ptType="node asst" func="cnt" op="gte" val="1">
-                                  <dgm:alg type="conn">
-                                    <dgm:param type="connRout" val="bend"/>
-                                    <dgm:param type="dim" val="1D"/>
-                                    <dgm:param type="endSty" val="noArr"/>
-                                    <dgm:param type="begPts" val="bCtr"/>
-                                    <dgm:param type="endPts" val="midL midR"/>
-                                  </dgm:alg>
-                                </dgm:if>
-                                <dgm:else name="Name45">
-                                  <dgm:alg type="conn">
-                                    <dgm:param type="connRout" val="bend"/>
-                                    <dgm:param type="dim" val="1D"/>
-                                    <dgm:param type="endSty" val="noArr"/>
-                                    <dgm:param type="begPts" val="bCtr"/>
-                                    <dgm:param type="endPts" val="midL midR"/>
-                                    <dgm:param type="srcNode" val="rootConnector"/>
-                                  </dgm:alg>
-                                </dgm:else>
-                              </dgm:choose>
-                            </dgm:if>
-                            <dgm:else name="Name46">
-                              <dgm:alg type="conn">
-                                <dgm:param type="connRout" val="bend"/>
-                                <dgm:param type="dim" val="1D"/>
-                                <dgm:param type="endSty" val="noArr"/>
-                                <dgm:param type="begPts" val="bCtr"/>
-                                <dgm:param type="endPts" val="tCtr"/>
-                                <dgm:param type="bendPt" val="end"/>
-                              </dgm:alg>
-                            </dgm:else>
-                          </dgm:choose>
-                        </dgm:else>
-                      </dgm:choose>
-                      <dgm:shape xmlns:r="http://schemas.openxmlformats.org/officeDocument/2006/relationships" type="conn" r:blip="" zOrderOff="-99999">
-                        <dgm:adjLst/>
-                      </dgm:shape>
-                      <dgm:presOf axis="self"/>
-                      <dgm:constrLst>
-                        <dgm:constr type="begPad"/>
-                        <dgm:constr type="endPad"/>
-                      </dgm:constrLst>
-                      <dgm:ruleLst/>
-                    </dgm:layoutNode>
-                  </dgm:if>
-                  <dgm:if name="Name47" func="var" arg="hierBranch" op="equ" val="hang">
-                    <dgm:layoutNode name="Name48">
-                      <dgm:alg type="conn">
-                        <dgm:param type="connRout" val="bend"/>
-                        <dgm:param type="dim" val="1D"/>
-                        <dgm:param type="endSty" val="noArr"/>
-                        <dgm:param type="begPts" val="bCtr"/>
-                        <dgm:param type="endPts" val="midL midR"/>
-                      </dgm:alg>
-                      <dgm:shape xmlns:r="http://schemas.openxmlformats.org/officeDocument/2006/relationships" type="conn" r:blip="" zOrderOff="-99999">
-                        <dgm:adjLst/>
-                      </dgm:shape>
-                      <dgm:presOf axis="self"/>
-                      <dgm:constrLst>
-                        <dgm:constr type="begPad"/>
-                        <dgm:constr type="endPad"/>
-                      </dgm:constrLst>
-                      <dgm:ruleLst/>
-                    </dgm:layoutNode>
-                  </dgm:if>
-                  <dgm:else name="Name49">
-                    <dgm:layoutNode name="Name50">
-                      <dgm:choose name="Name51">
-                        <dgm:if name="Name52" axis="self" func="depth" op="lte" val="2">
-                          <dgm:choose name="Name53">
-                            <dgm:if name="Name54" axis="par ch" ptType="node asst" func="cnt" op="gte" val="1">
-                              <dgm:alg type="conn">
-                                <dgm:param type="connRout" val="bend"/>
-                                <dgm:param type="dim" val="1D"/>
-                                <dgm:param type="endSty" val="noArr"/>
-                                <dgm:param type="begPts" val="bCtr"/>
-                                <dgm:param type="endPts" val="midL midR"/>
-                              </dgm:alg>
-                            </dgm:if>
-                            <dgm:else name="Name55">
-                              <dgm:alg type="conn">
-                                <dgm:param type="connRout" val="bend"/>
-                                <dgm:param type="dim" val="1D"/>
-                                <dgm:param type="endSty" val="noArr"/>
-                                <dgm:param type="begPts" val="bCtr"/>
-                                <dgm:param type="endPts" val="midL midR"/>
-                                <dgm:param type="srcNode" val="rootConnector1"/>
-                              </dgm:alg>
-                            </dgm:else>
-                          </dgm:choose>
-                        </dgm:if>
-                        <dgm:else name="Name56">
-                          <dgm:choose name="Name57">
-                            <dgm:if name="Name58" axis="par ch" ptType="node asst" func="cnt" op="gte" val="1">
-                              <dgm:alg type="conn">
-                                <dgm:param type="connRout" val="bend"/>
-                                <dgm:param type="dim" val="1D"/>
-                                <dgm:param type="endSty" val="noArr"/>
-                                <dgm:param type="begPts" val="bCtr"/>
-                                <dgm:param type="endPts" val="midL midR"/>
-                              </dgm:alg>
-                            </dgm:if>
-                            <dgm:else name="Name59">
-                              <dgm:alg type="conn">
-                                <dgm:param type="connRout" val="bend"/>
-                                <dgm:param type="dim" val="1D"/>
-                                <dgm:param type="endSty" val="noArr"/>
-                                <dgm:param type="begPts" val="bCtr"/>
-                                <dgm:param type="endPts" val="midL midR"/>
-                                <dgm:param type="srcNode" val="rootConnector"/>
-                              </dgm:alg>
-                            </dgm:else>
-                          </dgm:choose>
-                        </dgm:else>
-                      </dgm:choose>
-                      <dgm:shape xmlns:r="http://schemas.openxmlformats.org/officeDocument/2006/relationships" type="conn" r:blip="" zOrderOff="-99999">
-                        <dgm:adjLst/>
-                      </dgm:shape>
-                      <dgm:presOf axis="self"/>
-                      <dgm:constrLst>
-                        <dgm:constr type="begPad"/>
-                        <dgm:constr type="endPad"/>
-                      </dgm:constrLst>
-                      <dgm:ruleLst/>
-                    </dgm:layoutNode>
-                  </dgm:else>
-                </dgm:choose>
-              </dgm:forEach>
-              <dgm:layoutNode name="hierRoot2">
-                <dgm:varLst>
-                  <dgm:hierBranch val="init"/>
-                </dgm:varLst>
-                <dgm:choose name="Name60">
-                  <dgm:if name="Name61" func="var" arg="hierBranch" op="equ" val="l">
-                    <dgm:choose name="Name62">
-                      <dgm:if name="Name63" axis="ch" ptType="asst" func="cnt" op="gte" val="1">
-                        <dgm:alg type="hierRoot">
-                          <dgm:param type="hierAlign" val="tR"/>
-                        </dgm:alg>
-                        <dgm:shape xmlns:r="http://schemas.openxmlformats.org/officeDocument/2006/relationships" r:blip="">
-                          <dgm:adjLst/>
-                        </dgm:shape>
-                        <dgm:presOf/>
-                        <dgm:constrLst>
-                          <dgm:constr type="alignOff" val="0.65"/>
-                        </dgm:constrLst>
-                      </dgm:if>
-                      <dgm:else name="Name64">
-                        <dgm:alg type="hierRoot">
-                          <dgm:param type="hierAlign" val="tR"/>
-                        </dgm:alg>
-                        <dgm:shape xmlns:r="http://schemas.openxmlformats.org/officeDocument/2006/relationships" r:blip="">
-                          <dgm:adjLst/>
-                        </dgm:shape>
-                        <dgm:presOf/>
-                        <dgm:constrLst>
-                          <dgm:constr type="alignOff" val="0.25"/>
-                        </dgm:constrLst>
-                      </dgm:else>
-                    </dgm:choose>
-                  </dgm:if>
-                  <dgm:if name="Name65" func="var" arg="hierBranch" op="equ" val="r">
-                    <dgm:choose name="Name66">
-                      <dgm:if name="Name67" axis="ch" ptType="asst" func="cnt" op="gte" val="1">
-                        <dgm:alg type="hierRoot">
-                          <dgm:param type="hierAlign" val="tL"/>
-                        </dgm:alg>
-                        <dgm:shape xmlns:r="http://schemas.openxmlformats.org/officeDocument/2006/relationships" r:blip="">
-                          <dgm:adjLst/>
-                        </dgm:shape>
-                        <dgm:presOf/>
-                        <dgm:constrLst>
-                          <dgm:constr type="alignOff" val="0.65"/>
-                        </dgm:constrLst>
-                      </dgm:if>
-                      <dgm:else name="Name68">
-                        <dgm:alg type="hierRoot">
-                          <dgm:param type="hierAlign" val="tL"/>
-                        </dgm:alg>
-                        <dgm:shape xmlns:r="http://schemas.openxmlformats.org/officeDocument/2006/relationships" r:blip="">
-                          <dgm:adjLst/>
-                        </dgm:shape>
-                        <dgm:presOf/>
-                        <dgm:constrLst>
-                          <dgm:constr type="alignOff" val="0.25"/>
-                        </dgm:constrLst>
-                      </dgm:else>
-                    </dgm:choose>
-                  </dgm:if>
-                  <dgm:if name="Name69" func="var" arg="hierBranch" op="equ" val="std">
-                    <dgm:alg type="hierRoot"/>
-                    <dgm:shape xmlns:r="http://schemas.openxmlformats.org/officeDocument/2006/relationships" r:blip="">
-                      <dgm:adjLst/>
-                    </dgm:shape>
-                    <dgm:presOf/>
-                    <dgm:constrLst>
-                      <dgm:constr type="alignOff"/>
-                      <dgm:constr type="bendDist" for="des" ptType="parTrans" refType="sp" fact="0.5"/>
-                    </dgm:constrLst>
-                  </dgm:if>
-                  <dgm:if name="Name70" func="var" arg="hierBranch" op="equ" val="init">
-                    <dgm:choose name="Name71">
-                      <dgm:if name="Name72" axis="des" func="maxDepth" op="lte" val="1">
-                        <dgm:choose name="Name73">
-                          <dgm:if name="Name74" axis="ch" ptType="asst" func="cnt" op="gte" val="1">
-                            <dgm:alg type="hierRoot">
-                              <dgm:param type="hierAlign" val="tL"/>
-                            </dgm:alg>
-                            <dgm:shape xmlns:r="http://schemas.openxmlformats.org/officeDocument/2006/relationships" r:blip="">
-                              <dgm:adjLst/>
-                            </dgm:shape>
-                            <dgm:presOf/>
-                            <dgm:constrLst>
-                              <dgm:constr type="alignOff" val="0.65"/>
-                            </dgm:constrLst>
-                          </dgm:if>
-                          <dgm:else name="Name75">
-                            <dgm:alg type="hierRoot">
-                              <dgm:param type="hierAlign" val="tL"/>
-                            </dgm:alg>
-                            <dgm:shape xmlns:r="http://schemas.openxmlformats.org/officeDocument/2006/relationships" r:blip="">
-                              <dgm:adjLst/>
-                            </dgm:shape>
-                            <dgm:presOf/>
-                            <dgm:constrLst>
-                              <dgm:constr type="alignOff" val="0.25"/>
-                            </dgm:constrLst>
-                          </dgm:else>
-                        </dgm:choose>
-                      </dgm:if>
-                      <dgm:else name="Name76">
-                        <dgm:alg type="hierRoot"/>
-                        <dgm:shape xmlns:r="http://schemas.openxmlformats.org/officeDocument/2006/relationships" r:blip="">
-                          <dgm:adjLst/>
-                        </dgm:shape>
-                        <dgm:presOf/>
-                        <dgm:constrLst>
-                          <dgm:constr type="alignOff"/>
-                          <dgm:constr type="bendDist" for="des" ptType="parTrans" refType="sp" fact="0.5"/>
-                        </dgm:constrLst>
-                      </dgm:else>
-                    </dgm:choose>
-                  </dgm:if>
-                  <dgm:else name="Name77">
-                    <dgm:alg type="hierRoot"/>
-                    <dgm:shape xmlns:r="http://schemas.openxmlformats.org/officeDocument/2006/relationships" r:blip="">
-                      <dgm:adjLst/>
-                    </dgm:shape>
-                    <dgm:presOf/>
-                    <dgm:constrLst>
-                      <dgm:constr type="alignOff" val="0.65"/>
-                    </dgm:constrLst>
-                  </dgm:else>
-                </dgm:choose>
-                <dgm:ruleLst/>
-                <dgm:layoutNode name="rootComposite">
-                  <dgm:alg type="composite"/>
-                  <dgm:shape xmlns:r="http://schemas.openxmlformats.org/officeDocument/2006/relationships" r:blip="">
-                    <dgm:adjLst/>
-                  </dgm:shape>
-                  <dgm:presOf axis="self" ptType="node" cnt="1"/>
-                  <dgm:choose name="Name78">
-                    <dgm:if name="Name79" func="var" arg="hierBranch" op="equ" val="init">
-                      <dgm:constrLst>
-                        <dgm:constr type="l" for="ch" forName="rootText"/>
-                        <dgm:constr type="t" for="ch" forName="rootText"/>
-                        <dgm:constr type="w" for="ch" forName="rootText" refType="w"/>
-                        <dgm:constr type="h" for="ch" forName="rootText" refType="h"/>
-                        <dgm:constr type="l" for="ch" forName="rootConnector"/>
-                        <dgm:constr type="t" for="ch" forName="rootConnector"/>
-                        <dgm:constr type="w" for="ch" forName="rootConnector" refType="w" refFor="ch" refForName="rootText" fact="0.2"/>
-                        <dgm:constr type="h" for="ch" forName="rootConnector" refType="h" refFor="ch" refForName="rootText"/>
-                      </dgm:constrLst>
-                    </dgm:if>
-                    <dgm:if name="Name80" func="var" arg="hierBranch" op="equ" val="l">
-                      <dgm:constrLst>
-                        <dgm:constr type="l" for="ch" forName="rootText"/>
-                        <dgm:constr type="t" for="ch" forName="rootText"/>
-                        <dgm:constr type="w" for="ch" forName="rootText" refType="w"/>
-                        <dgm:constr type="h" for="ch" forName="rootText" refType="h"/>
-                        <dgm:constr type="r" for="ch" forName="rootConnector" refType="w"/>
-                        <dgm:constr type="t" for="ch" forName="rootConnector"/>
-                        <dgm:constr type="w" for="ch" forName="rootConnector" refType="w" refFor="ch" refForName="rootText" fact="0.2"/>
-                        <dgm:constr type="h" for="ch" forName="rootConnector" refType="h" refFor="ch" refForName="rootText"/>
-                      </dgm:constrLst>
-                    </dgm:if>
-                    <dgm:if name="Name81" func="var" arg="hierBranch" op="equ" val="r">
-                      <dgm:constrLst>
-                        <dgm:constr type="l" for="ch" forName="rootText"/>
-                        <dgm:constr type="t" for="ch" forName="rootText"/>
-                        <dgm:constr type="w" for="ch" forName="rootText" refType="w"/>
-                        <dgm:constr type="h" for="ch" forName="rootText" refType="h"/>
-                        <dgm:constr type="l" for="ch" forName="rootConnector"/>
-                        <dgm:constr type="t" for="ch" forName="rootConnector"/>
-                        <dgm:constr type="w" for="ch" forName="rootConnector" refType="w" refFor="ch" refForName="rootText" fact="0.2"/>
-                        <dgm:constr type="h" for="ch" forName="rootConnector" refType="h" refFor="ch" refForName="rootText"/>
-                      </dgm:constrLst>
-                    </dgm:if>
-                    <dgm:else name="Name82">
-                      <dgm:constrLst>
-                        <dgm:constr type="l" for="ch" forName="rootText"/>
-                        <dgm:constr type="t" for="ch" forName="rootText"/>
-                        <dgm:constr type="w" for="ch" forName="rootText" refType="w"/>
-                        <dgm:constr type="h" for="ch" forName="rootText" refType="h"/>
-                        <dgm:constr type="r" for="ch" forName="rootConnector" refType="w"/>
-                        <dgm:constr type="t" for="ch" forName="rootConnector"/>
-                        <dgm:constr type="w" for="ch" forName="rootConnector" refType="w" refFor="ch" refForName="rootText" fact="0.2"/>
-                        <dgm:constr type="h" for="ch" forName="rootConnector" refType="h" refFor="ch" refForName="rootText"/>
-                      </dgm:constrLst>
-                    </dgm:else>
-                  </dgm:choose>
-                  <dgm:ruleLst/>
-                  <dgm:layoutNode name="rootText">
-                    <dgm:varLst>
-                      <dgm:chPref val="3"/>
-                    </dgm:varLst>
-                    <dgm:alg type="tx"/>
-                    <dgm:shape xmlns:r="http://schemas.openxmlformats.org/officeDocument/2006/relationships" type="rect" r:blip="">
-                      <dgm:adjLst/>
-                    </dgm:shape>
-                    <dgm:presOf axis="self" ptType="node" cnt="1"/>
-                    <dgm:constrLst>
-                      <dgm:constr type="primFontSz" val="65"/>
-                      <dgm:constr type="lMarg" refType="primFontSz" fact="0.05"/>
-                      <dgm:constr type="rMarg" refType="primFontSz" fact="0.05"/>
-                      <dgm:constr type="tMarg" refType="primFontSz" fact="0.05"/>
-                      <dgm:constr type="bMarg" refType="primFontSz" fact="0.05"/>
-                    </dgm:constrLst>
-                    <dgm:ruleLst>
-                      <dgm:rule type="primFontSz" val="5" fact="NaN" max="NaN"/>
-                    </dgm:ruleLst>
-                  </dgm:layoutNode>
-                  <dgm:layoutNode name="rootConnector" moveWith="rootText">
-                    <dgm:alg type="sp"/>
-                    <dgm:shape xmlns:r="http://schemas.openxmlformats.org/officeDocument/2006/relationships" type="rect" r:blip="" hideGeom="1">
-                      <dgm:adjLst/>
-                    </dgm:shape>
-                    <dgm:presOf axis="self" ptType="node" cnt="1"/>
-                    <dgm:constrLst/>
-                    <dgm:ruleLst/>
-                  </dgm:layoutNode>
-                </dgm:layoutNode>
-                <dgm:layoutNode name="hierChild4">
-                  <dgm:choose name="Name83">
-                    <dgm:if name="Name84" func="var" arg="hierBranch" op="equ" val="l">
-                      <dgm:alg type="hierChild">
-                        <dgm:param type="chAlign" val="r"/>
-                        <dgm:param type="linDir" val="fromT"/>
-                      </dgm:alg>
-                    </dgm:if>
-                    <dgm:if name="Name85" func="var" arg="hierBranch" op="equ" val="r">
-                      <dgm:alg type="hierChild">
-                        <dgm:param type="chAlign" val="l"/>
-                        <dgm:param type="linDir" val="fromT"/>
-                      </dgm:alg>
-                    </dgm:if>
-                    <dgm:if name="Name86" func="var" arg="hierBranch" op="equ" val="hang">
-                      <dgm:choose name="Name87">
-                        <dgm:if name="Name88" func="var" arg="dir" op="equ" val="norm">
-                          <dgm:alg type="hierChild">
-                            <dgm:param type="chAlign" val="l"/>
-                            <dgm:param type="linDir" val="fromL"/>
-                            <dgm:param type="secChAlign" val="t"/>
-                            <dgm:param type="secLinDir" val="fromT"/>
-                          </dgm:alg>
-                        </dgm:if>
-                        <dgm:else name="Name89">
-                          <dgm:alg type="hierChild">
-                            <dgm:param type="chAlign" val="l"/>
-                            <dgm:param type="linDir" val="fromR"/>
-                            <dgm:param type="secChAlign" val="t"/>
-                            <dgm:param type="secLinDir" val="fromT"/>
-                          </dgm:alg>
-                        </dgm:else>
-                      </dgm:choose>
-                    </dgm:if>
-                    <dgm:if name="Name90" func="var" arg="hierBranch" op="equ" val="std">
-                      <dgm:choose name="Name91">
-                        <dgm:if name="Name92" func="var" arg="dir" op="equ" val="norm">
-                          <dgm:alg type="hierChild"/>
-                        </dgm:if>
-                        <dgm:else name="Name93">
-                          <dgm:alg type="hierChild">
-                            <dgm:param type="linDir" val="fromR"/>
-                          </dgm:alg>
-                        </dgm:else>
-                      </dgm:choose>
-                    </dgm:if>
-                    <dgm:if name="Name94" func="var" arg="hierBranch" op="equ" val="init">
-                      <dgm:choose name="Name95">
-                        <dgm:if name="Name96" axis="des" func="maxDepth" op="lte" val="1">
-                          <dgm:alg type="hierChild">
-                            <dgm:param type="chAlign" val="l"/>
-                            <dgm:param type="linDir" val="fromT"/>
-                          </dgm:alg>
-                        </dgm:if>
-                        <dgm:else name="Name97">
-                          <dgm:choose name="Name98">
-                            <dgm:if name="Name99" func="var" arg="dir" op="equ" val="norm">
-                              <dgm:alg type="hierChild"/>
-                            </dgm:if>
-                            <dgm:else name="Name100">
-                              <dgm:alg type="hierChild">
-                                <dgm:param type="linDir" val="fromR"/>
-                              </dgm:alg>
-                            </dgm:else>
-                          </dgm:choose>
-                        </dgm:else>
-                      </dgm:choose>
-                    </dgm:if>
-                    <dgm:else name="Name101"/>
-                  </dgm:choose>
+        </dgm:if>
+        <dgm:else name="Name3">
+          <dgm:choose name="Name4">
+            <dgm:if name="Name5" axis="par ch" ptType="doc node" func="cnt" op="gte" val="2">
+              <dgm:forEach name="Name6" axis="followSib" ptType="sibTrans" cnt="1">
+                <dgm:layoutNode name="spacer">
+                  <dgm:alg type="sp"/>
                   <dgm:shape xmlns:r="http://schemas.openxmlformats.org/officeDocument/2006/relationships" r:blip="">
                     <dgm:adjLst/>
                   </dgm:shape>
                   <dgm:presOf/>
                   <dgm:constrLst/>
                   <dgm:ruleLst/>
-                  <dgm:forEach name="Name102" ref="rep2a"/>
-                </dgm:layoutNode>
-                <dgm:layoutNode name="hierChild5">
-                  <dgm:choose name="Name103">
-                    <dgm:if name="Name104" func="var" arg="dir" op="equ" val="norm">
-                      <dgm:alg type="hierChild">
-                        <dgm:param type="chAlign" val="l"/>
-                        <dgm:param type="linDir" val="fromL"/>
-                        <dgm:param type="secChAlign" val="t"/>
-                        <dgm:param type="secLinDir" val="fromT"/>
-                      </dgm:alg>
-                    </dgm:if>
-                    <dgm:else name="Name105">
-                      <dgm:alg type="hierChild">
-                        <dgm:param type="chAlign" val="l"/>
-                        <dgm:param type="linDir" val="fromR"/>
-                        <dgm:param type="secChAlign" val="t"/>
-                        <dgm:param type="secLinDir" val="fromT"/>
-                      </dgm:alg>
-                    </dgm:else>
-                  </dgm:choose>
-                  <dgm:shape xmlns:r="http://schemas.openxmlformats.org/officeDocument/2006/relationships" r:blip="">
-                    <dgm:adjLst/>
-                  </dgm:shape>
-                  <dgm:presOf/>
-                  <dgm:constrLst/>
-                  <dgm:ruleLst/>
-                  <dgm:forEach name="Name106" ref="rep2b"/>
-                </dgm:layoutNode>
-              </dgm:layoutNode>
-            </dgm:forEach>
-          </dgm:layoutNode>
-          <dgm:layoutNode name="hierChild3">
-            <dgm:choose name="Name107">
-              <dgm:if name="Name108" func="var" arg="dir" op="equ" val="norm">
-                <dgm:alg type="hierChild">
-                  <dgm:param type="chAlign" val="l"/>
-                  <dgm:param type="linDir" val="fromL"/>
-                  <dgm:param type="secChAlign" val="t"/>
-                  <dgm:param type="secLinDir" val="fromT"/>
-                </dgm:alg>
-              </dgm:if>
-              <dgm:else name="Name109">
-                <dgm:alg type="hierChild">
-                  <dgm:param type="chAlign" val="l"/>
-                  <dgm:param type="linDir" val="fromR"/>
-                  <dgm:param type="secChAlign" val="t"/>
-                  <dgm:param type="secLinDir" val="fromT"/>
-                </dgm:alg>
-              </dgm:else>
-            </dgm:choose>
-            <dgm:shape xmlns:r="http://schemas.openxmlformats.org/officeDocument/2006/relationships" r:blip="">
-              <dgm:adjLst/>
-            </dgm:shape>
-            <dgm:presOf/>
-            <dgm:constrLst/>
-            <dgm:ruleLst/>
-            <dgm:forEach name="rep2b" axis="ch" ptType="asst">
-              <dgm:forEach name="Name110" axis="precedSib" ptType="parTrans" st="-1" cnt="1">
-                <dgm:layoutNode name="Name111">
-                  <dgm:alg type="conn">
-                    <dgm:param type="connRout" val="bend"/>
-                    <dgm:param type="dim" val="1D"/>
-                    <dgm:param type="endSty" val="noArr"/>
-                    <dgm:param type="begPts" val="bCtr"/>
-                    <dgm:param type="endPts" val="midL midR"/>
-                  </dgm:alg>
-                  <dgm:shape xmlns:r="http://schemas.openxmlformats.org/officeDocument/2006/relationships" type="conn" r:blip="" zOrderOff="-99999">
-                    <dgm:adjLst/>
-                  </dgm:shape>
-                  <dgm:presOf axis="self"/>
-                  <dgm:constrLst>
-                    <dgm:constr type="begPad"/>
-                    <dgm:constr type="endPad"/>
-                  </dgm:constrLst>
-                  <dgm:ruleLst/>
                 </dgm:layoutNode>
               </dgm:forEach>
-              <dgm:layoutNode name="hierRoot3">
-                <dgm:varLst>
-                  <dgm:hierBranch val="init"/>
-                </dgm:varLst>
-                <dgm:choose name="Name112">
-                  <dgm:if name="Name113" func="var" arg="hierBranch" op="equ" val="l">
-                    <dgm:alg type="hierRoot">
-                      <dgm:param type="hierAlign" val="tR"/>
-                    </dgm:alg>
-                    <dgm:shape xmlns:r="http://schemas.openxmlformats.org/officeDocument/2006/relationships" r:blip="">
-                      <dgm:adjLst/>
-                    </dgm:shape>
-                    <dgm:presOf/>
-                    <dgm:constrLst>
-                      <dgm:constr type="alignOff" val="0.65"/>
-                    </dgm:constrLst>
-                  </dgm:if>
-                  <dgm:if name="Name114" func="var" arg="hierBranch" op="equ" val="r">
-                    <dgm:alg type="hierRoot">
-                      <dgm:param type="hierAlign" val="tL"/>
-                    </dgm:alg>
-                    <dgm:shape xmlns:r="http://schemas.openxmlformats.org/officeDocument/2006/relationships" r:blip="">
-                      <dgm:adjLst/>
-                    </dgm:shape>
-                    <dgm:presOf/>
-                    <dgm:constrLst>
-                      <dgm:constr type="alignOff" val="0.65"/>
-                    </dgm:constrLst>
-                  </dgm:if>
-                  <dgm:if name="Name115" func="var" arg="hierBranch" op="equ" val="hang">
-                    <dgm:alg type="hierRoot"/>
-                    <dgm:shape xmlns:r="http://schemas.openxmlformats.org/officeDocument/2006/relationships" r:blip="">
-                      <dgm:adjLst/>
-                    </dgm:shape>
-                    <dgm:presOf/>
-                    <dgm:constrLst>
-                      <dgm:constr type="alignOff" val="0.65"/>
-                    </dgm:constrLst>
-                  </dgm:if>
-                  <dgm:if name="Name116" func="var" arg="hierBranch" op="equ" val="std">
-                    <dgm:alg type="hierRoot"/>
-                    <dgm:shape xmlns:r="http://schemas.openxmlformats.org/officeDocument/2006/relationships" r:blip="">
-                      <dgm:adjLst/>
-                    </dgm:shape>
-                    <dgm:presOf/>
-                    <dgm:constrLst>
-                      <dgm:constr type="alignOff"/>
-                      <dgm:constr type="bendDist" for="des" ptType="parTrans" refType="sp" fact="0.5"/>
-                    </dgm:constrLst>
-                  </dgm:if>
-                  <dgm:if name="Name117" func="var" arg="hierBranch" op="equ" val="init">
-                    <dgm:choose name="Name118">
-                      <dgm:if name="Name119" axis="des" func="maxDepth" op="lte" val="1">
-                        <dgm:alg type="hierRoot">
-                          <dgm:param type="hierAlign" val="tL"/>
-                        </dgm:alg>
-                        <dgm:shape xmlns:r="http://schemas.openxmlformats.org/officeDocument/2006/relationships" r:blip="">
-                          <dgm:adjLst/>
-                        </dgm:shape>
-                        <dgm:presOf/>
-                        <dgm:constrLst>
-                          <dgm:constr type="alignOff" val="0.65"/>
-                        </dgm:constrLst>
-                      </dgm:if>
-                      <dgm:else name="Name120">
-                        <dgm:alg type="hierRoot"/>
-                        <dgm:shape xmlns:r="http://schemas.openxmlformats.org/officeDocument/2006/relationships" r:blip="">
-                          <dgm:adjLst/>
-                        </dgm:shape>
-                        <dgm:presOf/>
-                        <dgm:constrLst>
-                          <dgm:constr type="alignOff"/>
-                          <dgm:constr type="bendDist" for="des" ptType="parTrans" refType="sp" fact="0.5"/>
-                        </dgm:constrLst>
-                      </dgm:else>
-                    </dgm:choose>
-                  </dgm:if>
-                  <dgm:else name="Name121"/>
-                </dgm:choose>
-                <dgm:ruleLst/>
-                <dgm:layoutNode name="rootComposite3">
-                  <dgm:alg type="composite"/>
-                  <dgm:shape xmlns:r="http://schemas.openxmlformats.org/officeDocument/2006/relationships" r:blip="">
-                    <dgm:adjLst/>
-                  </dgm:shape>
-                  <dgm:presOf axis="self" ptType="node" cnt="1"/>
-                  <dgm:choose name="Name122">
-                    <dgm:if name="Name123" func="var" arg="hierBranch" op="equ" val="init">
-                      <dgm:constrLst>
-                        <dgm:constr type="l" for="ch" forName="rootText3"/>
-                        <dgm:constr type="t" for="ch" forName="rootText3"/>
-                        <dgm:constr type="w" for="ch" forName="rootText3" refType="w"/>
-                        <dgm:constr type="h" for="ch" forName="rootText3" refType="h"/>
-                        <dgm:constr type="l" for="ch" forName="rootConnector3"/>
-                        <dgm:constr type="t" for="ch" forName="rootConnector3"/>
-                        <dgm:constr type="w" for="ch" forName="rootConnector3" refType="w" refFor="ch" refForName="rootText3" fact="0.2"/>
-                        <dgm:constr type="h" for="ch" forName="rootConnector3" refType="h" refFor="ch" refForName="rootText3"/>
-                      </dgm:constrLst>
-                    </dgm:if>
-                    <dgm:if name="Name124" func="var" arg="hierBranch" op="equ" val="l">
-                      <dgm:constrLst>
-                        <dgm:constr type="l" for="ch" forName="rootText3"/>
-                        <dgm:constr type="t" for="ch" forName="rootText3"/>
-                        <dgm:constr type="w" for="ch" forName="rootText3" refType="w"/>
-                        <dgm:constr type="h" for="ch" forName="rootText3" refType="h"/>
-                        <dgm:constr type="r" for="ch" forName="rootConnector3" refType="w"/>
-                        <dgm:constr type="t" for="ch" forName="rootConnector3"/>
-                        <dgm:constr type="w" for="ch" forName="rootConnector3" refType="w" refFor="ch" refForName="rootText3" fact="0.2"/>
-                        <dgm:constr type="h" for="ch" forName="rootConnector3" refType="h" refFor="ch" refForName="rootText3"/>
-                      </dgm:constrLst>
-                    </dgm:if>
-                    <dgm:if name="Name125" func="var" arg="hierBranch" op="equ" val="r">
-                      <dgm:constrLst>
-                        <dgm:constr type="l" for="ch" forName="rootText3"/>
-                        <dgm:constr type="t" for="ch" forName="rootText3"/>
-                        <dgm:constr type="w" for="ch" forName="rootText3" refType="w"/>
-                        <dgm:constr type="h" for="ch" forName="rootText3" refType="h"/>
-                        <dgm:constr type="l" for="ch" forName="rootConnector3"/>
-                        <dgm:constr type="t" for="ch" forName="rootConnector3"/>
-                        <dgm:constr type="w" for="ch" forName="rootConnector3" refType="w" refFor="ch" refForName="rootText3" fact="0.2"/>
-                        <dgm:constr type="h" for="ch" forName="rootConnector3" refType="h" refFor="ch" refForName="rootText3"/>
-                      </dgm:constrLst>
-                    </dgm:if>
-                    <dgm:else name="Name126">
-                      <dgm:constrLst>
-                        <dgm:constr type="l" for="ch" forName="rootText3"/>
-                        <dgm:constr type="t" for="ch" forName="rootText3"/>
-                        <dgm:constr type="w" for="ch" forName="rootText3" refType="w"/>
-                        <dgm:constr type="h" for="ch" forName="rootText3" refType="h"/>
-                        <dgm:constr type="r" for="ch" forName="rootConnector3" refType="w"/>
-                        <dgm:constr type="t" for="ch" forName="rootConnector3"/>
-                        <dgm:constr type="w" for="ch" forName="rootConnector3" refType="w" refFor="ch" refForName="rootText3" fact="0.2"/>
-                        <dgm:constr type="h" for="ch" forName="rootConnector3" refType="h" refFor="ch" refForName="rootText3"/>
-                      </dgm:constrLst>
-                    </dgm:else>
-                  </dgm:choose>
-                  <dgm:ruleLst/>
-                  <dgm:layoutNode name="rootText3">
-                    <dgm:varLst>
-                      <dgm:chPref val="3"/>
-                    </dgm:varLst>
-                    <dgm:alg type="tx"/>
-                    <dgm:shape xmlns:r="http://schemas.openxmlformats.org/officeDocument/2006/relationships" type="rect" r:blip="">
-                      <dgm:adjLst/>
-                    </dgm:shape>
-                    <dgm:presOf axis="self" ptType="node" cnt="1"/>
-                    <dgm:constrLst>
-                      <dgm:constr type="primFontSz" val="65"/>
-                      <dgm:constr type="lMarg" refType="primFontSz" fact="0.05"/>
-                      <dgm:constr type="rMarg" refType="primFontSz" fact="0.05"/>
-                      <dgm:constr type="tMarg" refType="primFontSz" fact="0.05"/>
-                      <dgm:constr type="bMarg" refType="primFontSz" fact="0.05"/>
-                    </dgm:constrLst>
-                    <dgm:ruleLst>
-                      <dgm:rule type="primFontSz" val="5" fact="NaN" max="NaN"/>
-                    </dgm:ruleLst>
-                  </dgm:layoutNode>
-                  <dgm:layoutNode name="rootConnector3" moveWith="rootText1">
-                    <dgm:alg type="sp"/>
-                    <dgm:shape xmlns:r="http://schemas.openxmlformats.org/officeDocument/2006/relationships" type="rect" r:blip="" hideGeom="1">
-                      <dgm:adjLst/>
-                    </dgm:shape>
-                    <dgm:presOf axis="self" ptType="node" cnt="1"/>
-                    <dgm:constrLst/>
-                    <dgm:ruleLst/>
-                  </dgm:layoutNode>
-                </dgm:layoutNode>
-                <dgm:layoutNode name="hierChild6">
-                  <dgm:choose name="Name127">
-                    <dgm:if name="Name128" func="var" arg="hierBranch" op="equ" val="l">
-                      <dgm:alg type="hierChild">
-                        <dgm:param type="chAlign" val="r"/>
-                        <dgm:param type="linDir" val="fromT"/>
-                      </dgm:alg>
-                    </dgm:if>
-                    <dgm:if name="Name129" func="var" arg="hierBranch" op="equ" val="r">
-                      <dgm:alg type="hierChild">
-                        <dgm:param type="chAlign" val="l"/>
-                        <dgm:param type="linDir" val="fromT"/>
-                      </dgm:alg>
-                    </dgm:if>
-                    <dgm:if name="Name130" func="var" arg="hierBranch" op="equ" val="hang">
-                      <dgm:choose name="Name131">
-                        <dgm:if name="Name132" func="var" arg="dir" op="equ" val="norm">
-                          <dgm:alg type="hierChild">
-                            <dgm:param type="chAlign" val="l"/>
-                            <dgm:param type="linDir" val="fromL"/>
-                            <dgm:param type="secChAlign" val="t"/>
-                            <dgm:param type="secLinDir" val="fromT"/>
-                          </dgm:alg>
-                        </dgm:if>
-                        <dgm:else name="Name133">
-                          <dgm:alg type="hierChild">
-                            <dgm:param type="chAlign" val="l"/>
-                            <dgm:param type="linDir" val="fromR"/>
-                            <dgm:param type="secChAlign" val="t"/>
-                            <dgm:param type="secLinDir" val="fromT"/>
-                          </dgm:alg>
-                        </dgm:else>
-                      </dgm:choose>
-                    </dgm:if>
-                    <dgm:if name="Name134" func="var" arg="hierBranch" op="equ" val="std">
-                      <dgm:choose name="Name135">
-                        <dgm:if name="Name136" func="var" arg="dir" op="equ" val="norm">
-                          <dgm:alg type="hierChild"/>
-                        </dgm:if>
-                        <dgm:else name="Name137">
-                          <dgm:alg type="hierChild">
-                            <dgm:param type="linDir" val="fromR"/>
-                          </dgm:alg>
-                        </dgm:else>
-                      </dgm:choose>
-                    </dgm:if>
-                    <dgm:if name="Name138" func="var" arg="hierBranch" op="equ" val="init">
-                      <dgm:choose name="Name139">
-                        <dgm:if name="Name140" axis="des" func="maxDepth" op="lte" val="1">
-                          <dgm:alg type="hierChild">
-                            <dgm:param type="chAlign" val="l"/>
-                            <dgm:param type="linDir" val="fromT"/>
-                          </dgm:alg>
-                        </dgm:if>
-                        <dgm:else name="Name141">
-                          <dgm:alg type="hierChild"/>
-                        </dgm:else>
-                      </dgm:choose>
-                    </dgm:if>
-                    <dgm:else name="Name142"/>
-                  </dgm:choose>
-                  <dgm:shape xmlns:r="http://schemas.openxmlformats.org/officeDocument/2006/relationships" r:blip="">
-                    <dgm:adjLst/>
-                  </dgm:shape>
-                  <dgm:presOf/>
-                  <dgm:constrLst/>
-                  <dgm:ruleLst/>
-                  <dgm:forEach name="Name143" ref="rep2a"/>
-                </dgm:layoutNode>
-                <dgm:layoutNode name="hierChild7">
-                  <dgm:choose name="Name144">
-                    <dgm:if name="Name145" func="var" arg="dir" op="equ" val="norm">
-                      <dgm:alg type="hierChild">
-                        <dgm:param type="chAlign" val="l"/>
-                        <dgm:param type="linDir" val="fromL"/>
-                        <dgm:param type="secChAlign" val="t"/>
-                        <dgm:param type="secLinDir" val="fromT"/>
-                      </dgm:alg>
-                    </dgm:if>
-                    <dgm:else name="Name146">
-                      <dgm:alg type="hierChild">
-                        <dgm:param type="chAlign" val="l"/>
-                        <dgm:param type="linDir" val="fromR"/>
-                        <dgm:param type="secChAlign" val="t"/>
-                        <dgm:param type="secLinDir" val="fromT"/>
-                      </dgm:alg>
-                    </dgm:else>
-                  </dgm:choose>
-                  <dgm:shape xmlns:r="http://schemas.openxmlformats.org/officeDocument/2006/relationships" r:blip="">
-                    <dgm:adjLst/>
-                  </dgm:shape>
-                  <dgm:presOf/>
-                  <dgm:constrLst/>
-                  <dgm:ruleLst/>
-                  <dgm:forEach name="Name147" ref="rep2b"/>
-                </dgm:layoutNode>
-              </dgm:layoutNode>
-            </dgm:forEach>
-          </dgm:layoutNode>
-        </dgm:layoutNode>
-      </dgm:forEach>
+            </dgm:if>
+            <dgm:else name="Name7"/>
+          </dgm:choose>
+        </dgm:else>
+      </dgm:choose>
     </dgm:forEach>
   </dgm:layoutNode>
 </dgm:layoutDef>
@@ -47910,10 +47545,10 @@
       </p:sp>
       <p:graphicFrame>
         <p:nvGraphicFramePr>
-          <p:cNvPr id="4" name="Content Placeholder 3">
+          <p:cNvPr id="5" name="Content Placeholder 4">
             <a:extLst>
               <a:ext uri="{FF2B5EF4-FFF2-40B4-BE49-F238E27FC236}">
-                <a16:creationId xmlns:a16="http://schemas.microsoft.com/office/drawing/2014/main" id="{835207BF-F16F-4B26-9E05-A985B234A7FA}"/>
+                <a16:creationId xmlns:a16="http://schemas.microsoft.com/office/drawing/2014/main" id="{580C24E0-15D2-4E8F-B9E9-BB5B147F6D38}"/>
               </a:ext>
             </a:extLst>
           </p:cNvPr>
@@ -47924,14 +47559,14 @@
             <p:ph idx="1"/>
             <p:extLst>
               <p:ext uri="{D42A27DB-BD31-4B8C-83A1-F6EECF244321}">
-                <p14:modId xmlns:p14="http://schemas.microsoft.com/office/powerpoint/2010/main" val="2917291198"/>
+                <p14:modId xmlns:p14="http://schemas.microsoft.com/office/powerpoint/2010/main" val="1428603822"/>
               </p:ext>
             </p:extLst>
           </p:nvPr>
         </p:nvGraphicFramePr>
         <p:xfrm>
-          <a:off x="248462" y="345283"/>
-          <a:ext cx="10958606" cy="3881437"/>
+          <a:off x="354075" y="199497"/>
+          <a:ext cx="10581749" cy="4259148"/>
         </p:xfrm>
         <a:graphic>
           <a:graphicData uri="http://schemas.openxmlformats.org/drawingml/2006/diagram">

--- a/Week1_Describe/BachmeierNTIM8150-1.pptx
+++ b/Week1_Describe/BachmeierNTIM8150-1.pptx
@@ -8145,7 +8145,7 @@
   <dgm:whole/>
   <dgm:extLst>
     <a:ext uri="http://schemas.microsoft.com/office/drawing/2008/diagram">
-      <dsp:dataModelExt xmlns:dsp="http://schemas.microsoft.com/office/drawing/2008/diagram" relId="rId8" minVer="http://schemas.openxmlformats.org/drawingml/2006/diagram"/>
+      <dsp:dataModelExt xmlns:dsp="http://schemas.microsoft.com/office/drawing/2008/diagram" relId="rId9" minVer="http://schemas.openxmlformats.org/drawingml/2006/diagram"/>
     </a:ext>
   </dgm:extLst>
 </dgm:dataModel>
@@ -8220,8 +8220,13 @@
           </a:pPr>
           <a:r>
             <a:rPr lang="en-US" dirty="0"/>
-            <a:t>Optimization of trial-and-error search</a:t>
+            <a:t>Optimization of trial-and-error search </a:t>
           </a:r>
+          <a:r>
+            <a:rPr lang="en-US"/>
+            <a:t>and business rules</a:t>
+          </a:r>
+          <a:endParaRPr lang="en-US" dirty="0"/>
         </a:p>
       </dgm:t>
     </dgm:pt>
@@ -8384,7 +8389,7 @@
           </a:pPr>
           <a:r>
             <a:rPr lang="en-US" dirty="0"/>
-            <a:t>Statistical models for predicting outcomes</a:t>
+            <a:t>Statistical models and symbol processors for predicting outcomes</a:t>
           </a:r>
         </a:p>
       </dgm:t>
@@ -14490,8 +14495,13 @@
           </a:pPr>
           <a:r>
             <a:rPr lang="en-US" sz="1800" kern="1200" dirty="0"/>
-            <a:t>Optimization of trial-and-error search</a:t>
+            <a:t>Optimization of trial-and-error search </a:t>
           </a:r>
+          <a:r>
+            <a:rPr lang="en-US" sz="1800" kern="1200"/>
+            <a:t>and business rules</a:t>
+          </a:r>
+          <a:endParaRPr lang="en-US" sz="1800" kern="1200" dirty="0"/>
         </a:p>
       </dsp:txBody>
       <dsp:txXfrm>
@@ -14701,7 +14711,7 @@
           </a:pPr>
           <a:r>
             <a:rPr lang="en-US" sz="1800" kern="1200" dirty="0"/>
-            <a:t>Statistical models for predicting outcomes</a:t>
+            <a:t>Statistical models and symbol processors for predicting outcomes</a:t>
           </a:r>
         </a:p>
       </dsp:txBody>
@@ -34493,6 +34503,278 @@
           <a:bodyPr/>
           <a:lstStyle/>
           <a:p>
+            <a:pPr marL="0" marR="0">
+              <a:lnSpc>
+                <a:spcPct val="200000"/>
+              </a:lnSpc>
+              <a:spcBef>
+                <a:spcPts val="0"/>
+              </a:spcBef>
+              <a:spcAft>
+                <a:spcPts val="0"/>
+              </a:spcAft>
+            </a:pPr>
+            <a:r>
+              <a:rPr lang="en-US" sz="1800" dirty="0">
+                <a:effectLst/>
+                <a:latin typeface="Times New Roman" panose="02020603050405020304" pitchFamily="18" charset="0"/>
+                <a:ea typeface="Calibri" panose="020F0502020204030204" pitchFamily="34" charset="0"/>
+              </a:rPr>
+              <a:t>Dreams of artificial intelligence trace back to philosophical debates in ancient Greece.  Prometheus would mold handfuls of clay into images of the gods, and later these creatures were given life.  The sprouting of ideas came from mathematics, biology, and computer science before eventually producing modern artificial intelligence.  While these different domains have unique perspectives, they thematically propose four distinct categories of intelligent systems (</a:t>
+            </a:r>
+            <a:r>
+              <a:rPr lang="en-US" sz="1800" dirty="0" err="1">
+                <a:effectLst/>
+                <a:latin typeface="Times New Roman" panose="02020603050405020304" pitchFamily="18" charset="0"/>
+                <a:ea typeface="Calibri" panose="020F0502020204030204" pitchFamily="34" charset="0"/>
+              </a:rPr>
+              <a:t>Lukac</a:t>
+            </a:r>
+            <a:r>
+              <a:rPr lang="en-US" sz="1800" dirty="0">
+                <a:effectLst/>
+                <a:latin typeface="Times New Roman" panose="02020603050405020304" pitchFamily="18" charset="0"/>
+                <a:ea typeface="Calibri" panose="020F0502020204030204" pitchFamily="34" charset="0"/>
+              </a:rPr>
+              <a:t>, Milic, &amp; Nikolic, 2018).  The first divide asks if the system </a:t>
+            </a:r>
+            <a:r>
+              <a:rPr lang="en-US" sz="1800" i="1" dirty="0">
+                <a:effectLst/>
+                <a:latin typeface="Times New Roman" panose="02020603050405020304" pitchFamily="18" charset="0"/>
+                <a:ea typeface="Calibri" panose="020F0502020204030204" pitchFamily="34" charset="0"/>
+              </a:rPr>
+              <a:t>thinks</a:t>
+            </a:r>
+            <a:r>
+              <a:rPr lang="en-US" sz="1800" dirty="0">
+                <a:effectLst/>
+                <a:latin typeface="Times New Roman" panose="02020603050405020304" pitchFamily="18" charset="0"/>
+                <a:ea typeface="Calibri" panose="020F0502020204030204" pitchFamily="34" charset="0"/>
+              </a:rPr>
+              <a:t> or </a:t>
+            </a:r>
+            <a:r>
+              <a:rPr lang="en-US" sz="1800" i="1" dirty="0">
+                <a:effectLst/>
+                <a:latin typeface="Times New Roman" panose="02020603050405020304" pitchFamily="18" charset="0"/>
+                <a:ea typeface="Calibri" panose="020F0502020204030204" pitchFamily="34" charset="0"/>
+              </a:rPr>
+              <a:t>acts</a:t>
+            </a:r>
+            <a:r>
+              <a:rPr lang="en-US" sz="1800" dirty="0">
+                <a:effectLst/>
+                <a:latin typeface="Times New Roman" panose="02020603050405020304" pitchFamily="18" charset="0"/>
+                <a:ea typeface="Calibri" panose="020F0502020204030204" pitchFamily="34" charset="0"/>
+              </a:rPr>
+              <a:t>, or more precisely, can reason about the problem.  Each of these top-level categories contains subcategories of applications that mimic </a:t>
+            </a:r>
+            <a:r>
+              <a:rPr lang="en-US" sz="1800" i="1" dirty="0">
+                <a:effectLst/>
+                <a:latin typeface="Times New Roman" panose="02020603050405020304" pitchFamily="18" charset="0"/>
+                <a:ea typeface="Calibri" panose="020F0502020204030204" pitchFamily="34" charset="0"/>
+              </a:rPr>
+              <a:t>humans</a:t>
+            </a:r>
+            <a:r>
+              <a:rPr lang="en-US" sz="1800" dirty="0">
+                <a:effectLst/>
+                <a:latin typeface="Times New Roman" panose="02020603050405020304" pitchFamily="18" charset="0"/>
+                <a:ea typeface="Calibri" panose="020F0502020204030204" pitchFamily="34" charset="0"/>
+              </a:rPr>
+              <a:t> versus </a:t>
+            </a:r>
+            <a:r>
+              <a:rPr lang="en-US" sz="1800" i="1" dirty="0">
+                <a:effectLst/>
+                <a:latin typeface="Times New Roman" panose="02020603050405020304" pitchFamily="18" charset="0"/>
+                <a:ea typeface="Calibri" panose="020F0502020204030204" pitchFamily="34" charset="0"/>
+              </a:rPr>
+              <a:t>rational</a:t>
+            </a:r>
+            <a:r>
+              <a:rPr lang="en-US" sz="1800" dirty="0">
+                <a:effectLst/>
+                <a:latin typeface="Times New Roman" panose="02020603050405020304" pitchFamily="18" charset="0"/>
+                <a:ea typeface="Calibri" panose="020F0502020204030204" pitchFamily="34" charset="0"/>
+              </a:rPr>
+              <a:t> actors.  </a:t>
+            </a:r>
+          </a:p>
+          <a:p>
+            <a:pPr marL="0" marR="0">
+              <a:lnSpc>
+                <a:spcPct val="200000"/>
+              </a:lnSpc>
+              <a:spcBef>
+                <a:spcPts val="0"/>
+              </a:spcBef>
+              <a:spcAft>
+                <a:spcPts val="0"/>
+              </a:spcAft>
+            </a:pPr>
+            <a:endParaRPr lang="en-US" sz="1800" dirty="0">
+              <a:effectLst/>
+              <a:latin typeface="Times New Roman" panose="02020603050405020304" pitchFamily="18" charset="0"/>
+              <a:ea typeface="Calibri" panose="020F0502020204030204" pitchFamily="34" charset="0"/>
+            </a:endParaRPr>
+          </a:p>
+          <a:p>
+            <a:pPr marL="0" marR="0">
+              <a:lnSpc>
+                <a:spcPct val="200000"/>
+              </a:lnSpc>
+              <a:spcBef>
+                <a:spcPts val="0"/>
+              </a:spcBef>
+              <a:spcAft>
+                <a:spcPts val="0"/>
+              </a:spcAft>
+            </a:pPr>
+            <a:r>
+              <a:rPr lang="en-US" sz="1800" dirty="0">
+                <a:effectLst/>
+                <a:latin typeface="Times New Roman" panose="02020603050405020304" pitchFamily="18" charset="0"/>
+                <a:ea typeface="Calibri" panose="020F0502020204030204" pitchFamily="34" charset="0"/>
+              </a:rPr>
+              <a:t>Within a smart car are multiple features that fit into these various areas.  For instance,  traditional cruise controls attempt to </a:t>
+            </a:r>
+            <a:r>
+              <a:rPr lang="en-US" sz="1800" i="1" dirty="0">
+                <a:effectLst/>
+                <a:latin typeface="Times New Roman" panose="02020603050405020304" pitchFamily="18" charset="0"/>
+                <a:ea typeface="Calibri" panose="020F0502020204030204" pitchFamily="34" charset="0"/>
+              </a:rPr>
+              <a:t>act human </a:t>
+            </a:r>
+            <a:r>
+              <a:rPr lang="en-US" sz="1800" dirty="0">
+                <a:effectLst/>
+                <a:latin typeface="Times New Roman" panose="02020603050405020304" pitchFamily="18" charset="0"/>
+                <a:ea typeface="Calibri" panose="020F0502020204030204" pitchFamily="34" charset="0"/>
+              </a:rPr>
+              <a:t>by following a fixed speed.  Meanwhile, a vehicle with an adaptive cruise will </a:t>
+            </a:r>
+            <a:r>
+              <a:rPr lang="en-US" sz="1800" i="1" dirty="0">
+                <a:effectLst/>
+                <a:latin typeface="Times New Roman" panose="02020603050405020304" pitchFamily="18" charset="0"/>
+                <a:ea typeface="Calibri" panose="020F0502020204030204" pitchFamily="34" charset="0"/>
+              </a:rPr>
+              <a:t>act rationally </a:t>
+            </a:r>
+            <a:r>
+              <a:rPr lang="en-US" sz="1800" dirty="0">
+                <a:effectLst/>
+                <a:latin typeface="Times New Roman" panose="02020603050405020304" pitchFamily="18" charset="0"/>
+                <a:ea typeface="Calibri" panose="020F0502020204030204" pitchFamily="34" charset="0"/>
+              </a:rPr>
+              <a:t>through avoid an accident by compensating to slow traffic.  The design of some autonomous cars includes capabilities to </a:t>
+            </a:r>
+            <a:r>
+              <a:rPr lang="en-US" sz="1800" i="1" dirty="0">
+                <a:effectLst/>
+                <a:latin typeface="Times New Roman" panose="02020603050405020304" pitchFamily="18" charset="0"/>
+                <a:ea typeface="Calibri" panose="020F0502020204030204" pitchFamily="34" charset="0"/>
+              </a:rPr>
+              <a:t>think human</a:t>
+            </a:r>
+            <a:r>
+              <a:rPr lang="en-US" sz="1800" dirty="0">
+                <a:effectLst/>
+                <a:latin typeface="Times New Roman" panose="02020603050405020304" pitchFamily="18" charset="0"/>
+                <a:ea typeface="Calibri" panose="020F0502020204030204" pitchFamily="34" charset="0"/>
+              </a:rPr>
+              <a:t>, like crawling toward a stop sign, giving the appearance of a human driver.</a:t>
+            </a:r>
+          </a:p>
+          <a:p>
+            <a:endParaRPr lang="en-US" dirty="0"/>
+          </a:p>
+        </p:txBody>
+      </p:sp>
+      <p:sp>
+        <p:nvSpPr>
+          <p:cNvPr id="4" name="Slide Number Placeholder 3"/>
+          <p:cNvSpPr>
+            <a:spLocks noGrp="1"/>
+          </p:cNvSpPr>
+          <p:nvPr>
+            <p:ph type="sldNum" sz="quarter" idx="5"/>
+          </p:nvPr>
+        </p:nvSpPr>
+        <p:spPr/>
+        <p:txBody>
+          <a:bodyPr/>
+          <a:lstStyle/>
+          <a:p>
+            <a:fld id="{BE9BB30C-39C1-4412-B58E-F7A8E715C7B9}" type="slidenum">
+              <a:rPr lang="en-US" smtClean="0"/>
+              <a:t>3</a:t>
+            </a:fld>
+            <a:endParaRPr lang="en-US"/>
+          </a:p>
+        </p:txBody>
+      </p:sp>
+    </p:spTree>
+    <p:extLst>
+      <p:ext uri="{BB962C8B-B14F-4D97-AF65-F5344CB8AC3E}">
+        <p14:creationId xmlns:p14="http://schemas.microsoft.com/office/powerpoint/2010/main" val="1253226612"/>
+      </p:ext>
+    </p:extLst>
+  </p:cSld>
+  <p:clrMapOvr>
+    <a:masterClrMapping/>
+  </p:clrMapOvr>
+</p:notes>
+</file>
+
+<file path=ppt/notesSlides/notesSlide2.xml><?xml version="1.0" encoding="utf-8"?>
+<p:notes xmlns:a="http://schemas.openxmlformats.org/drawingml/2006/main" xmlns:r="http://schemas.openxmlformats.org/officeDocument/2006/relationships" xmlns:p="http://schemas.openxmlformats.org/presentationml/2006/main">
+  <p:cSld>
+    <p:spTree>
+      <p:nvGrpSpPr>
+        <p:cNvPr id="1" name=""/>
+        <p:cNvGrpSpPr/>
+        <p:nvPr/>
+      </p:nvGrpSpPr>
+      <p:grpSpPr>
+        <a:xfrm>
+          <a:off x="0" y="0"/>
+          <a:ext cx="0" cy="0"/>
+          <a:chOff x="0" y="0"/>
+          <a:chExt cx="0" cy="0"/>
+        </a:xfrm>
+      </p:grpSpPr>
+      <p:sp>
+        <p:nvSpPr>
+          <p:cNvPr id="2" name="Slide Image Placeholder 1"/>
+          <p:cNvSpPr>
+            <a:spLocks noGrp="1" noRot="1" noChangeAspect="1"/>
+          </p:cNvSpPr>
+          <p:nvPr>
+            <p:ph type="sldImg"/>
+          </p:nvPr>
+        </p:nvSpPr>
+        <p:spPr/>
+      </p:sp>
+      <p:sp>
+        <p:nvSpPr>
+          <p:cNvPr id="3" name="Notes Placeholder 2"/>
+          <p:cNvSpPr>
+            <a:spLocks noGrp="1"/>
+          </p:cNvSpPr>
+          <p:nvPr>
+            <p:ph type="body" idx="1"/>
+          </p:nvPr>
+        </p:nvSpPr>
+        <p:spPr/>
+        <p:txBody>
+          <a:bodyPr/>
+          <a:lstStyle/>
+          <a:p>
             <a:pPr marL="0" marR="0" lvl="0" indent="0" algn="l" defTabSz="914400" rtl="0" eaLnBrk="1" fontAlgn="auto" latinLnBrk="0" hangingPunct="1">
               <a:lnSpc>
                 <a:spcPct val="100000"/>
@@ -34562,7 +34844,7 @@
 </p:notes>
 </file>
 
-<file path=ppt/notesSlides/notesSlide2.xml><?xml version="1.0" encoding="utf-8"?>
+<file path=ppt/notesSlides/notesSlide3.xml><?xml version="1.0" encoding="utf-8"?>
 <p:notes xmlns:a="http://schemas.openxmlformats.org/drawingml/2006/main" xmlns:r="http://schemas.openxmlformats.org/officeDocument/2006/relationships" xmlns:p="http://schemas.openxmlformats.org/presentationml/2006/main">
   <p:cSld>
     <p:spTree>
@@ -34675,7 +34957,7 @@
 </p:notes>
 </file>
 
-<file path=ppt/notesSlides/notesSlide3.xml><?xml version="1.0" encoding="utf-8"?>
+<file path=ppt/notesSlides/notesSlide4.xml><?xml version="1.0" encoding="utf-8"?>
 <p:notes xmlns:a="http://schemas.openxmlformats.org/drawingml/2006/main" xmlns:r="http://schemas.openxmlformats.org/officeDocument/2006/relationships" xmlns:p="http://schemas.openxmlformats.org/presentationml/2006/main">
   <p:cSld>
     <p:spTree>
@@ -34788,7 +35070,7 @@
 </p:notes>
 </file>
 
-<file path=ppt/notesSlides/notesSlide4.xml><?xml version="1.0" encoding="utf-8"?>
+<file path=ppt/notesSlides/notesSlide5.xml><?xml version="1.0" encoding="utf-8"?>
 <p:notes xmlns:a="http://schemas.openxmlformats.org/drawingml/2006/main" xmlns:r="http://schemas.openxmlformats.org/officeDocument/2006/relationships" xmlns:p="http://schemas.openxmlformats.org/presentationml/2006/main">
   <p:cSld>
     <p:spTree>
@@ -34901,7 +35183,7 @@
 </p:notes>
 </file>
 
-<file path=ppt/notesSlides/notesSlide5.xml><?xml version="1.0" encoding="utf-8"?>
+<file path=ppt/notesSlides/notesSlide6.xml><?xml version="1.0" encoding="utf-8"?>
 <p:notes xmlns:a="http://schemas.openxmlformats.org/drawingml/2006/main" xmlns:r="http://schemas.openxmlformats.org/officeDocument/2006/relationships" xmlns:p="http://schemas.openxmlformats.org/presentationml/2006/main">
   <p:cSld>
     <p:spTree>
@@ -35014,7 +35296,7 @@
 </p:notes>
 </file>
 
-<file path=ppt/notesSlides/notesSlide6.xml><?xml version="1.0" encoding="utf-8"?>
+<file path=ppt/notesSlides/notesSlide7.xml><?xml version="1.0" encoding="utf-8"?>
 <p:notes xmlns:a="http://schemas.openxmlformats.org/drawingml/2006/main" xmlns:r="http://schemas.openxmlformats.org/officeDocument/2006/relationships" xmlns:p="http://schemas.openxmlformats.org/presentationml/2006/main">
   <p:cSld>
     <p:spTree>
@@ -35127,7 +35409,7 @@
 </p:notes>
 </file>
 
-<file path=ppt/notesSlides/notesSlide7.xml><?xml version="1.0" encoding="utf-8"?>
+<file path=ppt/notesSlides/notesSlide8.xml><?xml version="1.0" encoding="utf-8"?>
 <p:notes xmlns:a="http://schemas.openxmlformats.org/drawingml/2006/main" xmlns:r="http://schemas.openxmlformats.org/officeDocument/2006/relationships" xmlns:p="http://schemas.openxmlformats.org/presentationml/2006/main">
   <p:cSld>
     <p:spTree>
@@ -44392,13 +44674,13 @@
           <p:nvPr/>
         </p:nvPicPr>
         <p:blipFill>
-          <a:blip r:embed="rId2">
+          <a:blip r:embed="rId3">
             <a:extLst>
               <a:ext uri="{28A0092B-C50C-407E-A947-70E740481C1C}">
                 <a14:useLocalDpi xmlns:a14="http://schemas.microsoft.com/office/drawing/2010/main" val="0"/>
               </a:ext>
               <a:ext uri="{96DAC541-7B7A-43D3-8B79-37D633B846F1}">
-                <asvg:svgBlip xmlns:asvg="http://schemas.microsoft.com/office/drawing/2016/SVG/main" r:embed="rId3"/>
+                <asvg:svgBlip xmlns:asvg="http://schemas.microsoft.com/office/drawing/2016/SVG/main" r:embed="rId4"/>
               </a:ext>
             </a:extLst>
           </a:blip>
@@ -44508,7 +44790,7 @@
         </p:xfrm>
         <a:graphic>
           <a:graphicData uri="http://schemas.openxmlformats.org/drawingml/2006/diagram">
-            <dgm:relIds xmlns:dgm="http://schemas.openxmlformats.org/drawingml/2006/diagram" xmlns:r="http://schemas.openxmlformats.org/officeDocument/2006/relationships" r:dm="rId4" r:lo="rId5" r:qs="rId6" r:cs="rId7"/>
+            <dgm:relIds xmlns:dgm="http://schemas.openxmlformats.org/drawingml/2006/diagram" xmlns:r="http://schemas.openxmlformats.org/officeDocument/2006/relationships" r:dm="rId5" r:lo="rId6" r:qs="rId7" r:cs="rId8"/>
           </a:graphicData>
         </a:graphic>
       </p:graphicFrame>
@@ -44777,7 +45059,7 @@
             <p:ph idx="1"/>
             <p:extLst>
               <p:ext uri="{D42A27DB-BD31-4B8C-83A1-F6EECF244321}">
-                <p14:modId xmlns:p14="http://schemas.microsoft.com/office/powerpoint/2010/main" val="2594684044"/>
+                <p14:modId xmlns:p14="http://schemas.microsoft.com/office/powerpoint/2010/main" val="1876389805"/>
               </p:ext>
             </p:extLst>
           </p:nvPr>

--- a/Week1_Describe/BachmeierNTIM8150-1.pptx
+++ b/Week1_Describe/BachmeierNTIM8150-1.pptx
@@ -8220,13 +8220,8 @@
           </a:pPr>
           <a:r>
             <a:rPr lang="en-US" dirty="0"/>
-            <a:t>Optimization of trial-and-error search </a:t>
+            <a:t>Optimization of trial-and-error search and business rules</a:t>
           </a:r>
-          <a:r>
-            <a:rPr lang="en-US"/>
-            <a:t>and business rules</a:t>
-          </a:r>
-          <a:endParaRPr lang="en-US" dirty="0"/>
         </a:p>
       </dgm:t>
     </dgm:pt>
@@ -14495,13 +14490,8 @@
           </a:pPr>
           <a:r>
             <a:rPr lang="en-US" sz="1800" kern="1200" dirty="0"/>
-            <a:t>Optimization of trial-and-error search </a:t>
+            <a:t>Optimization of trial-and-error search and business rules</a:t>
           </a:r>
-          <a:r>
-            <a:rPr lang="en-US" sz="1800" kern="1200"/>
-            <a:t>and business rules</a:t>
-          </a:r>
-          <a:endParaRPr lang="en-US" sz="1800" kern="1200" dirty="0"/>
         </a:p>
       </dsp:txBody>
       <dsp:txXfrm>
@@ -34775,9 +34765,9 @@
           <a:bodyPr/>
           <a:lstStyle/>
           <a:p>
-            <a:pPr marL="0" marR="0" lvl="0" indent="0" algn="l" defTabSz="914400" rtl="0" eaLnBrk="1" fontAlgn="auto" latinLnBrk="0" hangingPunct="1">
+            <a:pPr marL="0" marR="0">
               <a:lnSpc>
-                <a:spcPct val="100000"/>
+                <a:spcPct val="200000"/>
               </a:lnSpc>
               <a:spcBef>
                 <a:spcPts val="0"/>
@@ -34785,26 +34775,141 @@
               <a:spcAft>
                 <a:spcPts val="0"/>
               </a:spcAft>
-              <a:buClrTx/>
-              <a:buSzTx/>
-              <a:buFontTx/>
-              <a:buNone/>
-              <a:tabLst/>
-              <a:defRPr/>
             </a:pPr>
             <a:r>
-              <a:rPr lang="en-US" b="0" i="0" dirty="0">
-                <a:solidFill>
-                  <a:srgbClr val="D4D4D4"/>
-                </a:solidFill>
+              <a:rPr lang="en-US" sz="1800" dirty="0">
                 <a:effectLst/>
-                <a:latin typeface="-apple-system"/>
+                <a:latin typeface="Times New Roman" panose="02020603050405020304" pitchFamily="18" charset="0"/>
+                <a:ea typeface="Calibri" panose="020F0502020204030204" pitchFamily="34" charset="0"/>
               </a:rPr>
-              <a:t>A brief description of these technologies (reserve detailed coverage for upcoming assignment).</a:t>
+              <a:t>There are three high-level categories of artificial intelligence, specifically rules and heuristics, machine learning, and deep learning (Buchanan, 2005).  </a:t>
             </a:r>
           </a:p>
           <a:p>
-            <a:endParaRPr lang="en-US" dirty="0"/>
+            <a:pPr marL="0" marR="0">
+              <a:lnSpc>
+                <a:spcPct val="200000"/>
+              </a:lnSpc>
+              <a:spcBef>
+                <a:spcPts val="0"/>
+              </a:spcBef>
+              <a:spcAft>
+                <a:spcPts val="0"/>
+              </a:spcAft>
+            </a:pPr>
+            <a:endParaRPr lang="en-US" sz="1800" dirty="0">
+              <a:effectLst/>
+              <a:latin typeface="Times New Roman" panose="02020603050405020304" pitchFamily="18" charset="0"/>
+              <a:ea typeface="Calibri" panose="020F0502020204030204" pitchFamily="34" charset="0"/>
+            </a:endParaRPr>
+          </a:p>
+          <a:p>
+            <a:pPr marL="342900" marR="0" lvl="0" indent="-342900">
+              <a:lnSpc>
+                <a:spcPct val="200000"/>
+              </a:lnSpc>
+              <a:spcBef>
+                <a:spcPts val="0"/>
+              </a:spcBef>
+              <a:spcAft>
+                <a:spcPts val="0"/>
+              </a:spcAft>
+              <a:buFont typeface="+mj-lt"/>
+              <a:buAutoNum type="arabicPeriod"/>
+            </a:pPr>
+            <a:r>
+              <a:rPr lang="en-US" sz="1800" dirty="0">
+                <a:effectLst/>
+                <a:latin typeface="Times New Roman" panose="02020603050405020304" pitchFamily="18" charset="0"/>
+                <a:ea typeface="Calibri" panose="020F0502020204030204" pitchFamily="34" charset="0"/>
+                <a:cs typeface="Times New Roman" panose="02020603050405020304" pitchFamily="18" charset="0"/>
+              </a:rPr>
+              <a:t>Before 1962, applications would rely on practical techniques for reducing the trial-and-error search space.  This heuristic-centric approach is useful for chess and other video game engines.  Despite criticism for being naïve, many LOB (Line of Business) applications continue to leverage this technique successfully.  </a:t>
+            </a:r>
+          </a:p>
+          <a:p>
+            <a:pPr marL="342900" marR="0" lvl="0" indent="-342900">
+              <a:lnSpc>
+                <a:spcPct val="200000"/>
+              </a:lnSpc>
+              <a:spcBef>
+                <a:spcPts val="0"/>
+              </a:spcBef>
+              <a:spcAft>
+                <a:spcPts val="0"/>
+              </a:spcAft>
+              <a:buFont typeface="+mj-lt"/>
+              <a:buAutoNum type="arabicPeriod"/>
+            </a:pPr>
+            <a:r>
+              <a:rPr lang="en-US" sz="1800" dirty="0">
+                <a:effectLst/>
+                <a:latin typeface="Times New Roman" panose="02020603050405020304" pitchFamily="18" charset="0"/>
+                <a:ea typeface="Calibri" panose="020F0502020204030204" pitchFamily="34" charset="0"/>
+                <a:cs typeface="Times New Roman" panose="02020603050405020304" pitchFamily="18" charset="0"/>
+              </a:rPr>
+              <a:t>In 1963, Edward Feigenbaum and Julian Feldman’s </a:t>
+            </a:r>
+            <a:r>
+              <a:rPr lang="en-US" sz="1800" i="1" dirty="0">
+                <a:effectLst/>
+                <a:latin typeface="Times New Roman" panose="02020603050405020304" pitchFamily="18" charset="0"/>
+                <a:ea typeface="Calibri" panose="020F0502020204030204" pitchFamily="34" charset="0"/>
+                <a:cs typeface="Times New Roman" panose="02020603050405020304" pitchFamily="18" charset="0"/>
+              </a:rPr>
+              <a:t>Computers and Thought</a:t>
+            </a:r>
+            <a:r>
+              <a:rPr lang="en-US" sz="1800" dirty="0">
+                <a:effectLst/>
+                <a:latin typeface="Times New Roman" panose="02020603050405020304" pitchFamily="18" charset="0"/>
+                <a:ea typeface="Calibri" panose="020F0502020204030204" pitchFamily="34" charset="0"/>
+                <a:cs typeface="Times New Roman" panose="02020603050405020304" pitchFamily="18" charset="0"/>
+              </a:rPr>
+              <a:t> centralized many ideas across the computing industry.  Their literature and new programming paradigms, such as McCarthy’s LISP, lay the foundation that became machine learning.  Researches use these tools to build statistical models that represent a situation.  For instance, if a customer purchases bread, what else could you recommend?  Perhaps butter, jam, and deli meat.</a:t>
+            </a:r>
+          </a:p>
+          <a:p>
+            <a:pPr marL="342900" marR="0" lvl="0" indent="-342900">
+              <a:lnSpc>
+                <a:spcPct val="200000"/>
+              </a:lnSpc>
+              <a:spcBef>
+                <a:spcPts val="0"/>
+              </a:spcBef>
+              <a:spcAft>
+                <a:spcPts val="0"/>
+              </a:spcAft>
+              <a:buFont typeface="+mj-lt"/>
+              <a:buAutoNum type="arabicPeriod"/>
+            </a:pPr>
+            <a:r>
+              <a:rPr lang="en-US" sz="1800" dirty="0">
+                <a:effectLst/>
+                <a:latin typeface="Times New Roman" panose="02020603050405020304" pitchFamily="18" charset="0"/>
+                <a:ea typeface="Calibri" panose="020F0502020204030204" pitchFamily="34" charset="0"/>
+                <a:cs typeface="Times New Roman" panose="02020603050405020304" pitchFamily="18" charset="0"/>
+              </a:rPr>
+              <a:t>In 1949, neural scientists found that the human brain transmits signals between a weighted graph of neurons (</a:t>
+            </a:r>
+            <a:r>
+              <a:rPr lang="en-US" sz="1800" dirty="0" err="1">
+                <a:effectLst/>
+                <a:latin typeface="Times New Roman" panose="02020603050405020304" pitchFamily="18" charset="0"/>
+                <a:ea typeface="Calibri" panose="020F0502020204030204" pitchFamily="34" charset="0"/>
+                <a:cs typeface="Times New Roman" panose="02020603050405020304" pitchFamily="18" charset="0"/>
+              </a:rPr>
+              <a:t>Lukac</a:t>
+            </a:r>
+            <a:r>
+              <a:rPr lang="en-US" sz="1800" dirty="0">
+                <a:effectLst/>
+                <a:latin typeface="Times New Roman" panose="02020603050405020304" pitchFamily="18" charset="0"/>
+                <a:ea typeface="Calibri" panose="020F0502020204030204" pitchFamily="34" charset="0"/>
+                <a:cs typeface="Times New Roman" panose="02020603050405020304" pitchFamily="18" charset="0"/>
+              </a:rPr>
+              <a:t>, Milic, &amp; Nikolic, 2018).  Despite unlocking the biological key to mimicking cognitive learning, the processing power was unavailable until the early 2000s.  Today, researchers use neural networks to extract patterns to nebulous problems that met or exceed human capacities.</a:t>
+            </a:r>
           </a:p>
         </p:txBody>
       </p:sp>
@@ -34888,9 +34993,9 @@
           <a:bodyPr/>
           <a:lstStyle/>
           <a:p>
-            <a:pPr marL="0" marR="0" lvl="0" indent="0" algn="l" defTabSz="914400" rtl="0" eaLnBrk="1" fontAlgn="auto" latinLnBrk="0" hangingPunct="1">
+            <a:pPr marL="0" marR="0">
               <a:lnSpc>
-                <a:spcPct val="100000"/>
+                <a:spcPct val="200000"/>
               </a:lnSpc>
               <a:spcBef>
                 <a:spcPts val="0"/>
@@ -34898,26 +35003,185 @@
               <a:spcAft>
                 <a:spcPts val="0"/>
               </a:spcAft>
-              <a:buClrTx/>
-              <a:buSzTx/>
-              <a:buFontTx/>
-              <a:buNone/>
-              <a:tabLst/>
-              <a:defRPr/>
             </a:pPr>
             <a:r>
-              <a:rPr lang="en-US" b="0" i="0" dirty="0">
-                <a:solidFill>
-                  <a:srgbClr val="D4D4D4"/>
-                </a:solidFill>
+              <a:rPr lang="en-US" sz="1800" dirty="0">
                 <a:effectLst/>
-                <a:latin typeface="-apple-system"/>
+                <a:latin typeface="Times New Roman" panose="02020603050405020304" pitchFamily="18" charset="0"/>
+                <a:ea typeface="Calibri" panose="020F0502020204030204" pitchFamily="34" charset="0"/>
               </a:rPr>
-              <a:t>Their purpose and function</a:t>
+              <a:t>Traditional software follows the model of </a:t>
+            </a:r>
+            <a:r>
+              <a:rPr lang="en-US" sz="1800" i="1" dirty="0">
+                <a:effectLst/>
+                <a:latin typeface="Times New Roman" panose="02020603050405020304" pitchFamily="18" charset="0"/>
+                <a:ea typeface="Calibri" panose="020F0502020204030204" pitchFamily="34" charset="0"/>
+              </a:rPr>
+              <a:t>data </a:t>
+            </a:r>
+            <a:r>
+              <a:rPr lang="en-US" sz="1800" dirty="0">
+                <a:effectLst/>
+                <a:latin typeface="Times New Roman" panose="02020603050405020304" pitchFamily="18" charset="0"/>
+                <a:ea typeface="Calibri" panose="020F0502020204030204" pitchFamily="34" charset="0"/>
+              </a:rPr>
+              <a:t>plus </a:t>
+            </a:r>
+            <a:r>
+              <a:rPr lang="en-US" sz="1800" i="1" dirty="0">
+                <a:effectLst/>
+                <a:latin typeface="Times New Roman" panose="02020603050405020304" pitchFamily="18" charset="0"/>
+                <a:ea typeface="Calibri" panose="020F0502020204030204" pitchFamily="34" charset="0"/>
+              </a:rPr>
+              <a:t>rules</a:t>
+            </a:r>
+            <a:r>
+              <a:rPr lang="en-US" sz="1800" dirty="0">
+                <a:effectLst/>
+                <a:latin typeface="Times New Roman" panose="02020603050405020304" pitchFamily="18" charset="0"/>
+                <a:ea typeface="Calibri" panose="020F0502020204030204" pitchFamily="34" charset="0"/>
+              </a:rPr>
+              <a:t> equals </a:t>
+            </a:r>
+            <a:r>
+              <a:rPr lang="en-US" sz="1800" i="1" dirty="0">
+                <a:effectLst/>
+                <a:latin typeface="Times New Roman" panose="02020603050405020304" pitchFamily="18" charset="0"/>
+                <a:ea typeface="Calibri" panose="020F0502020204030204" pitchFamily="34" charset="0"/>
+              </a:rPr>
+              <a:t>outcomes.  </a:t>
+            </a:r>
+            <a:r>
+              <a:rPr lang="en-US" sz="1800" dirty="0">
+                <a:effectLst/>
+                <a:latin typeface="Times New Roman" panose="02020603050405020304" pitchFamily="18" charset="0"/>
+                <a:ea typeface="Calibri" panose="020F0502020204030204" pitchFamily="34" charset="0"/>
+              </a:rPr>
+              <a:t>In contrast, intelligent systems use data and outcomes to derive rules.  This distinction can be valuable when the </a:t>
+            </a:r>
+            <a:r>
+              <a:rPr lang="en-US" sz="1800" i="1" dirty="0">
+                <a:effectLst/>
+                <a:latin typeface="Times New Roman" panose="02020603050405020304" pitchFamily="18" charset="0"/>
+                <a:ea typeface="Calibri" panose="020F0502020204030204" pitchFamily="34" charset="0"/>
+              </a:rPr>
+              <a:t>rules</a:t>
+            </a:r>
+            <a:r>
+              <a:rPr lang="en-US" sz="1800" dirty="0">
+                <a:effectLst/>
+                <a:latin typeface="Times New Roman" panose="02020603050405020304" pitchFamily="18" charset="0"/>
+                <a:ea typeface="Calibri" panose="020F0502020204030204" pitchFamily="34" charset="0"/>
+              </a:rPr>
+              <a:t> are fuzzy or not entirely understood.  After extracting those rules into a model, researchers and engineering teams can predict actions across mechanical, thinking, and feeling tasks (Huang, Rust, &amp; </a:t>
+            </a:r>
+            <a:r>
+              <a:rPr lang="en-US" sz="1800" dirty="0" err="1">
+                <a:effectLst/>
+                <a:latin typeface="Times New Roman" panose="02020603050405020304" pitchFamily="18" charset="0"/>
+                <a:ea typeface="Calibri" panose="020F0502020204030204" pitchFamily="34" charset="0"/>
+              </a:rPr>
+              <a:t>Maksimovic</a:t>
+            </a:r>
+            <a:r>
+              <a:rPr lang="en-US" sz="1800" dirty="0">
+                <a:effectLst/>
+                <a:latin typeface="Times New Roman" panose="02020603050405020304" pitchFamily="18" charset="0"/>
+                <a:ea typeface="Calibri" panose="020F0502020204030204" pitchFamily="34" charset="0"/>
+              </a:rPr>
+              <a:t>, 2019).</a:t>
             </a:r>
           </a:p>
           <a:p>
-            <a:endParaRPr lang="en-US" dirty="0"/>
+            <a:pPr marL="0" marR="0">
+              <a:lnSpc>
+                <a:spcPct val="200000"/>
+              </a:lnSpc>
+              <a:spcBef>
+                <a:spcPts val="0"/>
+              </a:spcBef>
+              <a:spcAft>
+                <a:spcPts val="0"/>
+              </a:spcAft>
+            </a:pPr>
+            <a:endParaRPr lang="en-US" sz="1800" dirty="0">
+              <a:effectLst/>
+              <a:latin typeface="Times New Roman" panose="02020603050405020304" pitchFamily="18" charset="0"/>
+              <a:ea typeface="Calibri" panose="020F0502020204030204" pitchFamily="34" charset="0"/>
+            </a:endParaRPr>
+          </a:p>
+          <a:p>
+            <a:pPr marL="342900" marR="0" lvl="0" indent="-342900">
+              <a:lnSpc>
+                <a:spcPct val="200000"/>
+              </a:lnSpc>
+              <a:spcBef>
+                <a:spcPts val="0"/>
+              </a:spcBef>
+              <a:spcAft>
+                <a:spcPts val="0"/>
+              </a:spcAft>
+              <a:buFont typeface="Symbol" panose="05050102010706020507" pitchFamily="18" charset="2"/>
+              <a:buChar char=""/>
+            </a:pPr>
+            <a:r>
+              <a:rPr lang="en-US" sz="1800" dirty="0">
+                <a:effectLst/>
+                <a:latin typeface="Times New Roman" panose="02020603050405020304" pitchFamily="18" charset="0"/>
+                <a:ea typeface="Calibri" panose="020F0502020204030204" pitchFamily="34" charset="0"/>
+                <a:cs typeface="Times New Roman" panose="02020603050405020304" pitchFamily="18" charset="0"/>
+              </a:rPr>
+              <a:t>Mechanical tasks are actions that are highly repetitive and benefit from automation.  These are operations like turning on lights or assembly-line construction.</a:t>
+            </a:r>
+          </a:p>
+          <a:p>
+            <a:pPr marL="342900" marR="0" lvl="0" indent="-342900">
+              <a:lnSpc>
+                <a:spcPct val="200000"/>
+              </a:lnSpc>
+              <a:spcBef>
+                <a:spcPts val="0"/>
+              </a:spcBef>
+              <a:spcAft>
+                <a:spcPts val="0"/>
+              </a:spcAft>
+              <a:buFont typeface="Symbol" panose="05050102010706020507" pitchFamily="18" charset="2"/>
+              <a:buChar char=""/>
+            </a:pPr>
+            <a:r>
+              <a:rPr lang="en-US" sz="1800" dirty="0">
+                <a:effectLst/>
+                <a:latin typeface="Times New Roman" panose="02020603050405020304" pitchFamily="18" charset="0"/>
+                <a:ea typeface="Calibri" panose="020F0502020204030204" pitchFamily="34" charset="0"/>
+                <a:cs typeface="Times New Roman" panose="02020603050405020304" pitchFamily="18" charset="0"/>
+              </a:rPr>
+              <a:t>Thinking tasks are operations that require analysis and rationalization.  For instance, “does this picture contain a hotdog,” or “is this sentence grammatically correct?”</a:t>
+            </a:r>
+          </a:p>
+          <a:p>
+            <a:pPr marL="342900" marR="0" lvl="0" indent="-342900">
+              <a:lnSpc>
+                <a:spcPct val="200000"/>
+              </a:lnSpc>
+              <a:spcBef>
+                <a:spcPts val="0"/>
+              </a:spcBef>
+              <a:spcAft>
+                <a:spcPts val="0"/>
+              </a:spcAft>
+              <a:buFont typeface="Symbol" panose="05050102010706020507" pitchFamily="18" charset="2"/>
+              <a:buChar char=""/>
+            </a:pPr>
+            <a:r>
+              <a:rPr lang="en-US" sz="1800" dirty="0">
+                <a:effectLst/>
+                <a:latin typeface="Times New Roman" panose="02020603050405020304" pitchFamily="18" charset="0"/>
+                <a:ea typeface="Calibri" panose="020F0502020204030204" pitchFamily="34" charset="0"/>
+                <a:cs typeface="Times New Roman" panose="02020603050405020304" pitchFamily="18" charset="0"/>
+              </a:rPr>
+              <a:t>Feeling tasks, emulate interpersonal experiences, and express empathy toward the users.  These autonomous systems might replace a call center or control support chatbots.</a:t>
+            </a:r>
           </a:p>
         </p:txBody>
       </p:sp>
@@ -35001,9 +35265,9 @@
           <a:bodyPr/>
           <a:lstStyle/>
           <a:p>
-            <a:pPr marL="0" marR="0" lvl="0" indent="0" algn="l" defTabSz="914400" rtl="0" eaLnBrk="1" fontAlgn="auto" latinLnBrk="0" hangingPunct="1">
+            <a:pPr marL="0" marR="0" lvl="0" indent="457200" algn="l" defTabSz="914400" rtl="0" eaLnBrk="1" fontAlgn="auto" latinLnBrk="0" hangingPunct="1">
               <a:lnSpc>
-                <a:spcPct val="100000"/>
+                <a:spcPct val="200000"/>
               </a:lnSpc>
               <a:spcBef>
                 <a:spcPts val="0"/>
@@ -35019,18 +35283,91 @@
               <a:defRPr/>
             </a:pPr>
             <a:r>
-              <a:rPr lang="en-US" b="0" i="0" dirty="0">
-                <a:solidFill>
-                  <a:srgbClr val="D4D4D4"/>
-                </a:solidFill>
+              <a:rPr lang="en-US" sz="1800" dirty="0">
                 <a:effectLst/>
-                <a:latin typeface="-apple-system"/>
+                <a:latin typeface="Times New Roman" panose="02020603050405020304" pitchFamily="18" charset="0"/>
+                <a:ea typeface="Calibri" panose="020F0502020204030204" pitchFamily="34" charset="0"/>
               </a:rPr>
-              <a:t>Specific examples of their use</a:t>
+              <a:t>Numerous business scenarios can leverage artificial intelligence through heuristics, machine learning, or deep neural networks.  Under each type are several subcategories, like natural language processing.  These technologies allow the software to reason about a textual source, then project capabilities such as translation or autocomplete predictions.  Another use case is fraud detection, which attempts to stop criminals from exploiting payment processing systems.  Researchers create evolutionary intelligence, like Google’s </a:t>
+            </a:r>
+            <a:r>
+              <a:rPr lang="en-US" sz="1800" dirty="0" err="1">
+                <a:effectLst/>
+                <a:latin typeface="Times New Roman" panose="02020603050405020304" pitchFamily="18" charset="0"/>
+                <a:ea typeface="Calibri" panose="020F0502020204030204" pitchFamily="34" charset="0"/>
+              </a:rPr>
+              <a:t>AlpaGo</a:t>
+            </a:r>
+            <a:r>
+              <a:rPr lang="en-US" sz="1800" dirty="0">
+                <a:effectLst/>
+                <a:latin typeface="Times New Roman" panose="02020603050405020304" pitchFamily="18" charset="0"/>
+                <a:ea typeface="Calibri" panose="020F0502020204030204" pitchFamily="34" charset="0"/>
+              </a:rPr>
+              <a:t>, to learn new strategies for playing complicated games, far superior to humans (Silver, Huang, &amp; Maddison, 2016).  </a:t>
+            </a:r>
+            <a:r>
+              <a:rPr lang="en-US" sz="1800">
+                <a:effectLst/>
+                <a:latin typeface="Times New Roman" panose="02020603050405020304" pitchFamily="18" charset="0"/>
+                <a:ea typeface="Calibri" panose="020F0502020204030204" pitchFamily="34" charset="0"/>
+              </a:rPr>
+              <a:t>Many times the concepts that flow into these intelligent systems are adaptable to other scenarios.</a:t>
             </a:r>
           </a:p>
           <a:p>
-            <a:endParaRPr lang="en-US" dirty="0"/>
+            <a:pPr marL="0" marR="0" indent="457200">
+              <a:lnSpc>
+                <a:spcPct val="200000"/>
+              </a:lnSpc>
+              <a:spcBef>
+                <a:spcPts val="0"/>
+              </a:spcBef>
+              <a:spcAft>
+                <a:spcPts val="0"/>
+              </a:spcAft>
+            </a:pPr>
+            <a:endParaRPr lang="en-US" sz="1800" dirty="0">
+              <a:effectLst/>
+              <a:latin typeface="Times New Roman" panose="02020603050405020304" pitchFamily="18" charset="0"/>
+              <a:ea typeface="Calibri" panose="020F0502020204030204" pitchFamily="34" charset="0"/>
+            </a:endParaRPr>
+          </a:p>
+          <a:p>
+            <a:pPr marL="0" marR="0" indent="457200">
+              <a:lnSpc>
+                <a:spcPct val="200000"/>
+              </a:lnSpc>
+              <a:spcBef>
+                <a:spcPts val="0"/>
+              </a:spcBef>
+              <a:spcAft>
+                <a:spcPts val="0"/>
+              </a:spcAft>
+            </a:pPr>
+            <a:endParaRPr lang="en-US" sz="1800" dirty="0">
+              <a:effectLst/>
+              <a:latin typeface="Times New Roman" panose="02020603050405020304" pitchFamily="18" charset="0"/>
+              <a:ea typeface="Calibri" panose="020F0502020204030204" pitchFamily="34" charset="0"/>
+            </a:endParaRPr>
+          </a:p>
+          <a:p>
+            <a:pPr marL="0" marR="0" indent="457200">
+              <a:lnSpc>
+                <a:spcPct val="200000"/>
+              </a:lnSpc>
+              <a:spcBef>
+                <a:spcPts val="0"/>
+              </a:spcBef>
+              <a:spcAft>
+                <a:spcPts val="0"/>
+              </a:spcAft>
+            </a:pPr>
+            <a:endParaRPr lang="en-US" sz="1800" dirty="0">
+              <a:effectLst/>
+              <a:latin typeface="Times New Roman" panose="02020603050405020304" pitchFamily="18" charset="0"/>
+              <a:ea typeface="Calibri" panose="020F0502020204030204" pitchFamily="34" charset="0"/>
+            </a:endParaRPr>
           </a:p>
         </p:txBody>
       </p:sp>

--- a/Week1_Describe/BachmeierNTIM8150-1.pptx
+++ b/Week1_Describe/BachmeierNTIM8150-1.pptx
@@ -35304,15 +35304,7 @@
                 <a:latin typeface="Times New Roman" panose="02020603050405020304" pitchFamily="18" charset="0"/>
                 <a:ea typeface="Calibri" panose="020F0502020204030204" pitchFamily="34" charset="0"/>
               </a:rPr>
-              <a:t>, to learn new strategies for playing complicated games, far superior to humans (Silver, Huang, &amp; Maddison, 2016).  </a:t>
-            </a:r>
-            <a:r>
-              <a:rPr lang="en-US" sz="1800">
-                <a:effectLst/>
-                <a:latin typeface="Times New Roman" panose="02020603050405020304" pitchFamily="18" charset="0"/>
-                <a:ea typeface="Calibri" panose="020F0502020204030204" pitchFamily="34" charset="0"/>
-              </a:rPr>
-              <a:t>Many times the concepts that flow into these intelligent systems are adaptable to other scenarios.</a:t>
+              <a:t>, to learn new strategies for playing complicated games, far superior to humans (Silver, Huang, &amp; Maddison, 2016).  Many times the concepts that flow into these intelligent systems are adaptable to other scenarios.</a:t>
             </a:r>
           </a:p>
           <a:p>
@@ -35469,17 +35461,115 @@
               <a:defRPr/>
             </a:pPr>
             <a:r>
-              <a:rPr lang="en-US" b="0" i="0" dirty="0">
-                <a:solidFill>
-                  <a:srgbClr val="D4D4D4"/>
-                </a:solidFill>
+              <a:rPr lang="en-US" sz="1800" dirty="0">
                 <a:effectLst/>
-                <a:latin typeface="-apple-system"/>
+                <a:latin typeface="Times New Roman" panose="02020603050405020304" pitchFamily="18" charset="0"/>
+                <a:ea typeface="Calibri" panose="020F0502020204030204" pitchFamily="34" charset="0"/>
               </a:rPr>
-              <a:t>Their level of success compared to other alternatives</a:t>
+              <a:t>Artificial intelligence comes in many forms and applies to a wide array of scenarios, making it challenging to define success arbitrarily.  Instead, organizations should identify both the value and resource constraints involved with the project, similar to any other Information Communication and Technology (ICT) system (Jain, 2018).  </a:t>
             </a:r>
           </a:p>
           <a:p>
+            <a:pPr marL="0" marR="0" lvl="0" indent="0" algn="l" defTabSz="914400" rtl="0" eaLnBrk="1" fontAlgn="auto" latinLnBrk="0" hangingPunct="1">
+              <a:lnSpc>
+                <a:spcPct val="100000"/>
+              </a:lnSpc>
+              <a:spcBef>
+                <a:spcPts val="0"/>
+              </a:spcBef>
+              <a:spcAft>
+                <a:spcPts val="0"/>
+              </a:spcAft>
+              <a:buClrTx/>
+              <a:buSzTx/>
+              <a:buFontTx/>
+              <a:buNone/>
+              <a:tabLst/>
+              <a:defRPr/>
+            </a:pPr>
+            <a:endParaRPr lang="en-US" sz="1800" dirty="0">
+              <a:effectLst/>
+              <a:latin typeface="Times New Roman" panose="02020603050405020304" pitchFamily="18" charset="0"/>
+              <a:ea typeface="Calibri" panose="020F0502020204030204" pitchFamily="34" charset="0"/>
+            </a:endParaRPr>
+          </a:p>
+          <a:p>
+            <a:pPr marL="0" marR="0" lvl="0" indent="0" algn="l" defTabSz="914400" rtl="0" eaLnBrk="1" fontAlgn="auto" latinLnBrk="0" hangingPunct="1">
+              <a:lnSpc>
+                <a:spcPct val="100000"/>
+              </a:lnSpc>
+              <a:spcBef>
+                <a:spcPts val="0"/>
+              </a:spcBef>
+              <a:spcAft>
+                <a:spcPts val="0"/>
+              </a:spcAft>
+              <a:buClrTx/>
+              <a:buSzTx/>
+              <a:buFontTx/>
+              <a:buNone/>
+              <a:tabLst/>
+              <a:defRPr/>
+            </a:pPr>
+            <a:r>
+              <a:rPr lang="en-US" sz="1800" dirty="0">
+                <a:effectLst/>
+                <a:latin typeface="Times New Roman" panose="02020603050405020304" pitchFamily="18" charset="0"/>
+                <a:ea typeface="Calibri" panose="020F0502020204030204" pitchFamily="34" charset="0"/>
+              </a:rPr>
+              <a:t>For instance, Contoso Motors wants to implement a smarter cruise control with 3% better fuel mileage for its SUV (Sport Utility Vehicles).  According to the data, the vehicle expends significant fuel on inclines, so the engineering team chooses to optimize this aspect with a terrain classification system.  Now that the researchers have a problem definition, performance metrics, and potential solution, they can report what level of success is delivered.  </a:t>
+            </a:r>
+          </a:p>
+          <a:p>
+            <a:pPr marL="0" marR="0" lvl="0" indent="0" algn="l" defTabSz="914400" rtl="0" eaLnBrk="1" fontAlgn="auto" latinLnBrk="0" hangingPunct="1">
+              <a:lnSpc>
+                <a:spcPct val="100000"/>
+              </a:lnSpc>
+              <a:spcBef>
+                <a:spcPts val="0"/>
+              </a:spcBef>
+              <a:spcAft>
+                <a:spcPts val="0"/>
+              </a:spcAft>
+              <a:buClrTx/>
+              <a:buSzTx/>
+              <a:buFontTx/>
+              <a:buNone/>
+              <a:tabLst/>
+              <a:defRPr/>
+            </a:pPr>
+            <a:endParaRPr lang="en-US" sz="1800" dirty="0">
+              <a:effectLst/>
+              <a:latin typeface="Times New Roman" panose="02020603050405020304" pitchFamily="18" charset="0"/>
+              <a:ea typeface="Calibri" panose="020F0502020204030204" pitchFamily="34" charset="0"/>
+            </a:endParaRPr>
+          </a:p>
+          <a:p>
+            <a:pPr marL="0" marR="0" lvl="0" indent="0" algn="l" defTabSz="914400" rtl="0" eaLnBrk="1" fontAlgn="auto" latinLnBrk="0" hangingPunct="1">
+              <a:lnSpc>
+                <a:spcPct val="100000"/>
+              </a:lnSpc>
+              <a:spcBef>
+                <a:spcPts val="0"/>
+              </a:spcBef>
+              <a:spcAft>
+                <a:spcPts val="0"/>
+              </a:spcAft>
+              <a:buClrTx/>
+              <a:buSzTx/>
+              <a:buFontTx/>
+              <a:buNone/>
+              <a:tabLst/>
+              <a:defRPr/>
+            </a:pPr>
+            <a:r>
+              <a:rPr lang="en-US" sz="1800" dirty="0">
+                <a:effectLst/>
+                <a:latin typeface="Times New Roman" panose="02020603050405020304" pitchFamily="18" charset="0"/>
+                <a:ea typeface="Calibri" panose="020F0502020204030204" pitchFamily="34" charset="0"/>
+              </a:rPr>
+              <a:t>However, alternative solutions might also exist that do not require artificial intelligence.  Instead, the engineering team might implement business policies as static firmware code.  While this solution comes with a lower-barrier to entry, it is also more challenging to scale across future scenarios.</a:t>
+            </a:r>
             <a:endParaRPr lang="en-US" dirty="0"/>
           </a:p>
         </p:txBody>
@@ -35564,9 +35654,9 @@
           <a:bodyPr/>
           <a:lstStyle/>
           <a:p>
-            <a:pPr marL="0" marR="0" lvl="0" indent="0" algn="l" defTabSz="914400" rtl="0" eaLnBrk="1" fontAlgn="auto" latinLnBrk="0" hangingPunct="1">
+            <a:pPr marL="0" marR="0">
               <a:lnSpc>
-                <a:spcPct val="100000"/>
+                <a:spcPct val="200000"/>
               </a:lnSpc>
               <a:spcBef>
                 <a:spcPts val="0"/>
@@ -35574,26 +35664,54 @@
               <a:spcAft>
                 <a:spcPts val="0"/>
               </a:spcAft>
-              <a:buClrTx/>
-              <a:buSzTx/>
-              <a:buFontTx/>
-              <a:buNone/>
-              <a:tabLst/>
-              <a:defRPr/>
             </a:pPr>
             <a:r>
-              <a:rPr lang="en-US" b="0" dirty="0">
-                <a:solidFill>
-                  <a:srgbClr val="D4D4D4"/>
-                </a:solidFill>
+              <a:rPr lang="en-US" sz="1800" dirty="0">
                 <a:effectLst/>
-                <a:latin typeface="Consolas" panose="020B0609020204030204" pitchFamily="49" charset="0"/>
+                <a:latin typeface="Times New Roman" panose="02020603050405020304" pitchFamily="18" charset="0"/>
+                <a:ea typeface="Calibri" panose="020F0502020204030204" pitchFamily="34" charset="0"/>
               </a:rPr>
-              <a:t>Their advantages and disadvantages</a:t>
+              <a:t>There are many strengths to introducing artificial intelligence across products and features.  For instance, those services can adapt at greater precision with higher accuracy.  That leads to cost reductions and the ability to automate more complicated tasks.  Decision processes can also remove humans from the workflow, enabling faster and safer reactions to stressful situations.  Perhaps our SUV is about to crash, and while the driver freezes, technology takes the wheel, minimizing the impact.  A.I. can also exist in less dire scenarios, such as recommending the next song in the playlist.</a:t>
             </a:r>
           </a:p>
           <a:p>
-            <a:endParaRPr lang="en-US" dirty="0"/>
+            <a:pPr marL="0" marR="0">
+              <a:lnSpc>
+                <a:spcPct val="200000"/>
+              </a:lnSpc>
+              <a:spcBef>
+                <a:spcPts val="0"/>
+              </a:spcBef>
+              <a:spcAft>
+                <a:spcPts val="0"/>
+              </a:spcAft>
+            </a:pPr>
+            <a:endParaRPr lang="en-US" sz="1800" dirty="0">
+              <a:effectLst/>
+              <a:latin typeface="Times New Roman" panose="02020603050405020304" pitchFamily="18" charset="0"/>
+              <a:ea typeface="Calibri" panose="020F0502020204030204" pitchFamily="34" charset="0"/>
+            </a:endParaRPr>
+          </a:p>
+          <a:p>
+            <a:pPr marL="0" marR="0">
+              <a:lnSpc>
+                <a:spcPct val="200000"/>
+              </a:lnSpc>
+              <a:spcBef>
+                <a:spcPts val="0"/>
+              </a:spcBef>
+              <a:spcAft>
+                <a:spcPts val="0"/>
+              </a:spcAft>
+            </a:pPr>
+            <a:r>
+              <a:rPr lang="en-US" sz="1800" dirty="0">
+                <a:effectLst/>
+                <a:latin typeface="Times New Roman" panose="02020603050405020304" pitchFamily="18" charset="0"/>
+                <a:ea typeface="Calibri" panose="020F0502020204030204" pitchFamily="34" charset="0"/>
+              </a:rPr>
+              <a:t>However, not every problem requires a hammer, and sometimes a screwdriver works better.  Many business domains have well-established rules, minimizing the value from reverse- engineering them from outcomes.  Other domains, such as insurance, have enormous models full of ambiguity or encounter concept drift (Krishna, Rohit, &amp; Mohana, 2018).  These situations cause artificial learning systems to produce incorrect or incomplete results.  Aside from technical challenges, some organizations must overcome disagreement of priorities across the senior leadership team.</a:t>
+            </a:r>
           </a:p>
         </p:txBody>
       </p:sp>
@@ -35695,14 +35813,12 @@
               <a:defRPr/>
             </a:pPr>
             <a:r>
-              <a:rPr lang="en-US" b="0" dirty="0">
-                <a:solidFill>
-                  <a:srgbClr val="D4D4D4"/>
-                </a:solidFill>
+              <a:rPr lang="en-US" sz="1800" dirty="0">
                 <a:effectLst/>
-                <a:latin typeface="Consolas" panose="020B0609020204030204" pitchFamily="49" charset="0"/>
+                <a:latin typeface="Times New Roman" panose="02020603050405020304" pitchFamily="18" charset="0"/>
+                <a:ea typeface="Calibri" panose="020F0502020204030204" pitchFamily="34" charset="0"/>
               </a:rPr>
-              <a:t>The challenges and barriers to the wider adoption of the specific technologies</a:t>
+              <a:t>	Brock et al. (2019) provide the acronym ‘DIGITAL’ to enumerate why some artificial intelligence systems fail.  A critical concept to remember is that machine learnings solutions produce answers to specific questions.  When questions lack a precise definition, it can be nearly impossible to find enough of the right data to churn into facts.  Next, grounding questions within the constraints of the organization’s resources and competencies is necessary, or the project will not be obtainable. When A.I. systems lack integration into existing processes, it results in pie-in-the-sky thinking that does not center on business value.  Similarly, projects that do not have strong cohesiveness are likely to encounter political pressure from leadership.</a:t>
             </a:r>
           </a:p>
           <a:p>
@@ -35790,9 +35906,9 @@
           <a:bodyPr/>
           <a:lstStyle/>
           <a:p>
-            <a:pPr marL="0" marR="0" lvl="0" indent="0" algn="l" defTabSz="914400" rtl="0" eaLnBrk="1" fontAlgn="auto" latinLnBrk="0" hangingPunct="1">
+            <a:pPr marL="0" marR="0">
               <a:lnSpc>
-                <a:spcPct val="100000"/>
+                <a:spcPct val="200000"/>
               </a:lnSpc>
               <a:spcBef>
                 <a:spcPts val="0"/>
@@ -35800,26 +35916,70 @@
               <a:spcAft>
                 <a:spcPts val="0"/>
               </a:spcAft>
-              <a:buClrTx/>
-              <a:buSzTx/>
-              <a:buFontTx/>
-              <a:buNone/>
-              <a:tabLst/>
-              <a:defRPr/>
             </a:pPr>
             <a:r>
-              <a:rPr lang="en-US" b="0" dirty="0">
-                <a:solidFill>
-                  <a:srgbClr val="D4D4D4"/>
-                </a:solidFill>
+              <a:rPr lang="en-US" sz="1800" dirty="0">
                 <a:effectLst/>
-                <a:latin typeface="Consolas" panose="020B0609020204030204" pitchFamily="49" charset="0"/>
+                <a:latin typeface="Times New Roman" panose="02020603050405020304" pitchFamily="18" charset="0"/>
+                <a:ea typeface="Calibri" panose="020F0502020204030204" pitchFamily="34" charset="0"/>
               </a:rPr>
-              <a:t>Their potential for supporting business operations, innovation, and strategy in modern organizations today and in the near future</a:t>
+              <a:t>Artificial intelligent systems that augment existing business processes are more likely to succeed (</a:t>
+            </a:r>
+            <a:r>
+              <a:rPr lang="en-US" sz="1800" dirty="0" err="1">
+                <a:effectLst/>
+                <a:latin typeface="Times New Roman" panose="02020603050405020304" pitchFamily="18" charset="0"/>
+                <a:ea typeface="Calibri" panose="020F0502020204030204" pitchFamily="34" charset="0"/>
+              </a:rPr>
+              <a:t>Garbuio</a:t>
+            </a:r>
+            <a:r>
+              <a:rPr lang="en-US" sz="1800" dirty="0">
+                <a:effectLst/>
+                <a:latin typeface="Times New Roman" panose="02020603050405020304" pitchFamily="18" charset="0"/>
+                <a:ea typeface="Calibri" panose="020F0502020204030204" pitchFamily="34" charset="0"/>
+              </a:rPr>
+              <a:t> &amp; Lin, 2019).  Accomplishing this goal begins with identifying what problem exists, its impact, and potential value.  </a:t>
             </a:r>
           </a:p>
           <a:p>
-            <a:endParaRPr lang="en-US" dirty="0"/>
+            <a:pPr marL="0" marR="0">
+              <a:lnSpc>
+                <a:spcPct val="200000"/>
+              </a:lnSpc>
+              <a:spcBef>
+                <a:spcPts val="0"/>
+              </a:spcBef>
+              <a:spcAft>
+                <a:spcPts val="0"/>
+              </a:spcAft>
+            </a:pPr>
+            <a:endParaRPr lang="en-US" sz="1800" dirty="0">
+              <a:effectLst/>
+              <a:latin typeface="Times New Roman" panose="02020603050405020304" pitchFamily="18" charset="0"/>
+              <a:ea typeface="Calibri" panose="020F0502020204030204" pitchFamily="34" charset="0"/>
+            </a:endParaRPr>
+          </a:p>
+          <a:p>
+            <a:pPr marL="0" marR="0">
+              <a:lnSpc>
+                <a:spcPct val="200000"/>
+              </a:lnSpc>
+              <a:spcBef>
+                <a:spcPts val="0"/>
+              </a:spcBef>
+              <a:spcAft>
+                <a:spcPts val="0"/>
+              </a:spcAft>
+            </a:pPr>
+            <a:r>
+              <a:rPr lang="en-US" sz="1800" dirty="0">
+                <a:effectLst/>
+                <a:latin typeface="Times New Roman" panose="02020603050405020304" pitchFamily="18" charset="0"/>
+                <a:ea typeface="Calibri" panose="020F0502020204030204" pitchFamily="34" charset="0"/>
+              </a:rPr>
+              <a:t>Today, Contoso Motors employs several staff members to read and monitor social media.  The business can use sentiment analysis to classify and prioritize only the messages that require human intervention.  Since the team does not need to review every tweet, this automation change frees them to perform additional customer relationship tasks.  In addition to providing immediate value to the organization, its statement of work and purpose is explainable to senior leadership.</a:t>
+            </a:r>
           </a:p>
         </p:txBody>
       </p:sp>
@@ -42856,9 +43016,98 @@
           </a:bodyPr>
           <a:lstStyle/>
           <a:p>
-            <a:endParaRPr lang="en-US">
+            <a:r>
+              <a:rPr lang="en-US" dirty="0">
+                <a:solidFill>
+                  <a:schemeClr val="accent2"/>
+                </a:solidFill>
+              </a:rPr>
+              <a:t>Artificial intelligence is a collection of technologies and strategies</a:t>
+            </a:r>
+            <a:br>
+              <a:rPr lang="en-US" dirty="0">
+                <a:solidFill>
+                  <a:schemeClr val="accent2"/>
+                </a:solidFill>
+              </a:rPr>
+            </a:br>
+            <a:endParaRPr lang="en-US" dirty="0">
               <a:solidFill>
-                <a:schemeClr val="bg1"/>
+                <a:schemeClr val="accent2"/>
+              </a:solidFill>
+            </a:endParaRPr>
+          </a:p>
+          <a:p>
+            <a:r>
+              <a:rPr lang="en-US" dirty="0">
+                <a:solidFill>
+                  <a:schemeClr val="accent2"/>
+                </a:solidFill>
+              </a:rPr>
+              <a:t>It is applicable to a wide assortment of business opportunities and challenges</a:t>
+            </a:r>
+            <a:br>
+              <a:rPr lang="en-US" dirty="0">
+                <a:solidFill>
+                  <a:schemeClr val="accent2"/>
+                </a:solidFill>
+              </a:rPr>
+            </a:br>
+            <a:endParaRPr lang="en-US" dirty="0">
+              <a:solidFill>
+                <a:schemeClr val="accent2"/>
+              </a:solidFill>
+            </a:endParaRPr>
+          </a:p>
+          <a:p>
+            <a:r>
+              <a:rPr lang="en-US" dirty="0">
+                <a:solidFill>
+                  <a:schemeClr val="accent2"/>
+                </a:solidFill>
+              </a:rPr>
+              <a:t>However, organizations must be cognizant not to assume its magic</a:t>
+            </a:r>
+            <a:br>
+              <a:rPr lang="en-US" dirty="0">
+                <a:solidFill>
+                  <a:schemeClr val="accent2"/>
+                </a:solidFill>
+              </a:rPr>
+            </a:br>
+            <a:endParaRPr lang="en-US" dirty="0">
+              <a:solidFill>
+                <a:schemeClr val="accent2"/>
+              </a:solidFill>
+            </a:endParaRPr>
+          </a:p>
+          <a:p>
+            <a:r>
+              <a:rPr lang="en-US" dirty="0">
+                <a:solidFill>
+                  <a:schemeClr val="accent2"/>
+                </a:solidFill>
+              </a:rPr>
+              <a:t>Generally, this means start small and augment </a:t>
+            </a:r>
+            <a:r>
+              <a:rPr lang="en-US">
+                <a:solidFill>
+                  <a:schemeClr val="accent2"/>
+                </a:solidFill>
+              </a:rPr>
+              <a:t>existing workloads first</a:t>
+            </a:r>
+            <a:endParaRPr lang="en-US" dirty="0">
+              <a:solidFill>
+                <a:schemeClr val="accent2"/>
+              </a:solidFill>
+            </a:endParaRPr>
+          </a:p>
+          <a:p>
+            <a:endParaRPr lang="en-US" dirty="0">
+              <a:solidFill>
+                <a:schemeClr val="accent2"/>
               </a:solidFill>
             </a:endParaRPr>
           </a:p>

--- a/Week1_Describe/BachmeierNTIM8150-1.pptx
+++ b/Week1_Describe/BachmeierNTIM8150-1.pptx
@@ -36019,6 +36019,530 @@
 </p:notes>
 </file>
 
+<file path=ppt/notesSlides/notesSlide9.xml><?xml version="1.0" encoding="utf-8"?>
+<p:notes xmlns:a="http://schemas.openxmlformats.org/drawingml/2006/main" xmlns:r="http://schemas.openxmlformats.org/officeDocument/2006/relationships" xmlns:p="http://schemas.openxmlformats.org/presentationml/2006/main">
+  <p:cSld>
+    <p:spTree>
+      <p:nvGrpSpPr>
+        <p:cNvPr id="1" name=""/>
+        <p:cNvGrpSpPr/>
+        <p:nvPr/>
+      </p:nvGrpSpPr>
+      <p:grpSpPr>
+        <a:xfrm>
+          <a:off x="0" y="0"/>
+          <a:ext cx="0" cy="0"/>
+          <a:chOff x="0" y="0"/>
+          <a:chExt cx="0" cy="0"/>
+        </a:xfrm>
+      </p:grpSpPr>
+      <p:sp>
+        <p:nvSpPr>
+          <p:cNvPr id="2" name="Slide Image Placeholder 1"/>
+          <p:cNvSpPr>
+            <a:spLocks noGrp="1" noRot="1" noChangeAspect="1"/>
+          </p:cNvSpPr>
+          <p:nvPr>
+            <p:ph type="sldImg"/>
+          </p:nvPr>
+        </p:nvSpPr>
+        <p:spPr/>
+      </p:sp>
+      <p:sp>
+        <p:nvSpPr>
+          <p:cNvPr id="3" name="Notes Placeholder 2"/>
+          <p:cNvSpPr>
+            <a:spLocks noGrp="1"/>
+          </p:cNvSpPr>
+          <p:nvPr>
+            <p:ph type="body" idx="1"/>
+          </p:nvPr>
+        </p:nvSpPr>
+        <p:spPr/>
+        <p:txBody>
+          <a:bodyPr/>
+          <a:lstStyle/>
+          <a:p>
+            <a:pPr marL="457200" marR="0" indent="-457200">
+              <a:lnSpc>
+                <a:spcPct val="200000"/>
+              </a:lnSpc>
+              <a:spcBef>
+                <a:spcPts val="0"/>
+              </a:spcBef>
+              <a:spcAft>
+                <a:spcPts val="0"/>
+              </a:spcAft>
+            </a:pPr>
+            <a:r>
+              <a:rPr lang="en-US" sz="1800" dirty="0">
+                <a:effectLst/>
+                <a:latin typeface="Times New Roman" panose="02020603050405020304" pitchFamily="18" charset="0"/>
+                <a:ea typeface="Calibri" panose="020F0502020204030204" pitchFamily="34" charset="0"/>
+              </a:rPr>
+              <a:t>Brock, J., &amp; von </a:t>
+            </a:r>
+            <a:r>
+              <a:rPr lang="en-US" sz="1800" dirty="0" err="1">
+                <a:effectLst/>
+                <a:latin typeface="Times New Roman" panose="02020603050405020304" pitchFamily="18" charset="0"/>
+                <a:ea typeface="Calibri" panose="020F0502020204030204" pitchFamily="34" charset="0"/>
+              </a:rPr>
+              <a:t>Wangenheim</a:t>
+            </a:r>
+            <a:r>
+              <a:rPr lang="en-US" sz="1800" dirty="0">
+                <a:effectLst/>
+                <a:latin typeface="Times New Roman" panose="02020603050405020304" pitchFamily="18" charset="0"/>
+                <a:ea typeface="Calibri" panose="020F0502020204030204" pitchFamily="34" charset="0"/>
+              </a:rPr>
+              <a:t>, F. (2019). Demystifying A.I.: what digital transformation leaders can teach you about real artificial intelligence. </a:t>
+            </a:r>
+            <a:r>
+              <a:rPr lang="en-US" sz="1800" i="1" dirty="0">
+                <a:effectLst/>
+                <a:latin typeface="Times New Roman" panose="02020603050405020304" pitchFamily="18" charset="0"/>
+                <a:ea typeface="Calibri" panose="020F0502020204030204" pitchFamily="34" charset="0"/>
+              </a:rPr>
+              <a:t>California Management Review, 61</a:t>
+            </a:r>
+            <a:r>
+              <a:rPr lang="en-US" sz="1800" dirty="0">
+                <a:effectLst/>
+                <a:latin typeface="Times New Roman" panose="02020603050405020304" pitchFamily="18" charset="0"/>
+                <a:ea typeface="Calibri" panose="020F0502020204030204" pitchFamily="34" charset="0"/>
+              </a:rPr>
+              <a:t>(4), 110-134. </a:t>
+            </a:r>
+            <a:r>
+              <a:rPr lang="en-US" sz="1800" dirty="0" err="1">
+                <a:effectLst/>
+                <a:latin typeface="Times New Roman" panose="02020603050405020304" pitchFamily="18" charset="0"/>
+                <a:ea typeface="Calibri" panose="020F0502020204030204" pitchFamily="34" charset="0"/>
+              </a:rPr>
+              <a:t>doi:https</a:t>
+            </a:r>
+            <a:r>
+              <a:rPr lang="en-US" sz="1800" dirty="0">
+                <a:effectLst/>
+                <a:latin typeface="Times New Roman" panose="02020603050405020304" pitchFamily="18" charset="0"/>
+                <a:ea typeface="Calibri" panose="020F0502020204030204" pitchFamily="34" charset="0"/>
+              </a:rPr>
+              <a:t>://doi-org.proxy1.ncu.edu/10.1177/1536504219865226</a:t>
+            </a:r>
+          </a:p>
+          <a:p>
+            <a:pPr marL="457200" marR="0" indent="-457200">
+              <a:lnSpc>
+                <a:spcPct val="200000"/>
+              </a:lnSpc>
+              <a:spcBef>
+                <a:spcPts val="0"/>
+              </a:spcBef>
+              <a:spcAft>
+                <a:spcPts val="0"/>
+              </a:spcAft>
+            </a:pPr>
+            <a:r>
+              <a:rPr lang="en-US" sz="1800" dirty="0">
+                <a:effectLst/>
+                <a:latin typeface="Times New Roman" panose="02020603050405020304" pitchFamily="18" charset="0"/>
+                <a:ea typeface="Calibri" panose="020F0502020204030204" pitchFamily="34" charset="0"/>
+              </a:rPr>
+              <a:t>Buchanan, B. (2005). A very brief history of artificial intelligence. </a:t>
+            </a:r>
+            <a:r>
+              <a:rPr lang="en-US" sz="1800" i="1" dirty="0">
+                <a:effectLst/>
+                <a:latin typeface="Times New Roman" panose="02020603050405020304" pitchFamily="18" charset="0"/>
+                <a:ea typeface="Calibri" panose="020F0502020204030204" pitchFamily="34" charset="0"/>
+              </a:rPr>
+              <a:t>A.I. Magazine, 26</a:t>
+            </a:r>
+            <a:r>
+              <a:rPr lang="en-US" sz="1800" dirty="0">
+                <a:effectLst/>
+                <a:latin typeface="Times New Roman" panose="02020603050405020304" pitchFamily="18" charset="0"/>
+                <a:ea typeface="Calibri" panose="020F0502020204030204" pitchFamily="34" charset="0"/>
+              </a:rPr>
+              <a:t>(4), 53-60. Retrieved from ttps://search-ebscohost-com.proxy1.ncu.edu/login.aspx?direct=true&amp;db=ofs&amp;AN=501189619&amp;site=eds-live</a:t>
+            </a:r>
+          </a:p>
+          <a:p>
+            <a:pPr marL="457200" marR="0" indent="-457200">
+              <a:lnSpc>
+                <a:spcPct val="200000"/>
+              </a:lnSpc>
+              <a:spcBef>
+                <a:spcPts val="0"/>
+              </a:spcBef>
+              <a:spcAft>
+                <a:spcPts val="0"/>
+              </a:spcAft>
+            </a:pPr>
+            <a:r>
+              <a:rPr lang="en-US" sz="1800" dirty="0" err="1">
+                <a:effectLst/>
+                <a:latin typeface="Times New Roman" panose="02020603050405020304" pitchFamily="18" charset="0"/>
+                <a:ea typeface="Calibri" panose="020F0502020204030204" pitchFamily="34" charset="0"/>
+              </a:rPr>
+              <a:t>Garbuio</a:t>
+            </a:r>
+            <a:r>
+              <a:rPr lang="en-US" sz="1800" dirty="0">
+                <a:effectLst/>
+                <a:latin typeface="Times New Roman" panose="02020603050405020304" pitchFamily="18" charset="0"/>
+                <a:ea typeface="Calibri" panose="020F0502020204030204" pitchFamily="34" charset="0"/>
+              </a:rPr>
+              <a:t>, M., &amp; Lin, N. (2019). A.I. as a growth engine. </a:t>
+            </a:r>
+            <a:r>
+              <a:rPr lang="en-US" sz="1800" i="1" dirty="0">
+                <a:effectLst/>
+                <a:latin typeface="Times New Roman" panose="02020603050405020304" pitchFamily="18" charset="0"/>
+                <a:ea typeface="Calibri" panose="020F0502020204030204" pitchFamily="34" charset="0"/>
+              </a:rPr>
+              <a:t>California Management Review, 61</a:t>
+            </a:r>
+            <a:r>
+              <a:rPr lang="en-US" sz="1800" dirty="0">
+                <a:effectLst/>
+                <a:latin typeface="Times New Roman" panose="02020603050405020304" pitchFamily="18" charset="0"/>
+                <a:ea typeface="Calibri" panose="020F0502020204030204" pitchFamily="34" charset="0"/>
+              </a:rPr>
+              <a:t>(2), 59-83. </a:t>
+            </a:r>
+            <a:r>
+              <a:rPr lang="en-US" sz="1800" dirty="0" err="1">
+                <a:effectLst/>
+                <a:latin typeface="Times New Roman" panose="02020603050405020304" pitchFamily="18" charset="0"/>
+                <a:ea typeface="Calibri" panose="020F0502020204030204" pitchFamily="34" charset="0"/>
+              </a:rPr>
+              <a:t>doi:https</a:t>
+            </a:r>
+            <a:r>
+              <a:rPr lang="en-US" sz="1800" dirty="0">
+                <a:effectLst/>
+                <a:latin typeface="Times New Roman" panose="02020603050405020304" pitchFamily="18" charset="0"/>
+                <a:ea typeface="Calibri" panose="020F0502020204030204" pitchFamily="34" charset="0"/>
+              </a:rPr>
+              <a:t>://doi-org.proxy1.ncu.edu/10.1177/0008125618811931</a:t>
+            </a:r>
+          </a:p>
+          <a:p>
+            <a:pPr marL="457200" marR="0" indent="-457200">
+              <a:lnSpc>
+                <a:spcPct val="200000"/>
+              </a:lnSpc>
+              <a:spcBef>
+                <a:spcPts val="0"/>
+              </a:spcBef>
+              <a:spcAft>
+                <a:spcPts val="0"/>
+              </a:spcAft>
+            </a:pPr>
+            <a:r>
+              <a:rPr lang="en-US" sz="1800" dirty="0">
+                <a:effectLst/>
+                <a:latin typeface="Times New Roman" panose="02020603050405020304" pitchFamily="18" charset="0"/>
+                <a:ea typeface="Calibri" panose="020F0502020204030204" pitchFamily="34" charset="0"/>
+              </a:rPr>
+              <a:t>Huang, M., Rust, R., &amp; </a:t>
+            </a:r>
+            <a:r>
+              <a:rPr lang="en-US" sz="1800" dirty="0" err="1">
+                <a:effectLst/>
+                <a:latin typeface="Times New Roman" panose="02020603050405020304" pitchFamily="18" charset="0"/>
+                <a:ea typeface="Calibri" panose="020F0502020204030204" pitchFamily="34" charset="0"/>
+              </a:rPr>
+              <a:t>Maksimovic</a:t>
+            </a:r>
+            <a:r>
+              <a:rPr lang="en-US" sz="1800" dirty="0">
+                <a:effectLst/>
+                <a:latin typeface="Times New Roman" panose="02020603050405020304" pitchFamily="18" charset="0"/>
+                <a:ea typeface="Calibri" panose="020F0502020204030204" pitchFamily="34" charset="0"/>
+              </a:rPr>
+              <a:t>, V. (2019). The feeling economy: managing in the next generation of artificial intelligence. </a:t>
+            </a:r>
+            <a:r>
+              <a:rPr lang="en-US" sz="1800" i="1" dirty="0">
+                <a:effectLst/>
+                <a:latin typeface="Times New Roman" panose="02020603050405020304" pitchFamily="18" charset="0"/>
+                <a:ea typeface="Calibri" panose="020F0502020204030204" pitchFamily="34" charset="0"/>
+              </a:rPr>
+              <a:t>California Management Review, 61</a:t>
+            </a:r>
+            <a:r>
+              <a:rPr lang="en-US" sz="1800" dirty="0">
+                <a:effectLst/>
+                <a:latin typeface="Times New Roman" panose="02020603050405020304" pitchFamily="18" charset="0"/>
+                <a:ea typeface="Calibri" panose="020F0502020204030204" pitchFamily="34" charset="0"/>
+              </a:rPr>
+              <a:t>(4), 43-65. </a:t>
+            </a:r>
+            <a:r>
+              <a:rPr lang="en-US" sz="1800" dirty="0" err="1">
+                <a:effectLst/>
+                <a:latin typeface="Times New Roman" panose="02020603050405020304" pitchFamily="18" charset="0"/>
+                <a:ea typeface="Calibri" panose="020F0502020204030204" pitchFamily="34" charset="0"/>
+              </a:rPr>
+              <a:t>doi:https</a:t>
+            </a:r>
+            <a:r>
+              <a:rPr lang="en-US" sz="1800" dirty="0">
+                <a:effectLst/>
+                <a:latin typeface="Times New Roman" panose="02020603050405020304" pitchFamily="18" charset="0"/>
+                <a:ea typeface="Calibri" panose="020F0502020204030204" pitchFamily="34" charset="0"/>
+              </a:rPr>
+              <a:t>://doi-org.proxy1.ncu.edu/10.1177/0008125619863436</a:t>
+            </a:r>
+          </a:p>
+          <a:p>
+            <a:pPr marL="457200" marR="0" indent="-457200">
+              <a:lnSpc>
+                <a:spcPct val="200000"/>
+              </a:lnSpc>
+              <a:spcBef>
+                <a:spcPts val="0"/>
+              </a:spcBef>
+              <a:spcAft>
+                <a:spcPts val="0"/>
+              </a:spcAft>
+            </a:pPr>
+            <a:r>
+              <a:rPr lang="en-US" sz="1800" dirty="0">
+                <a:effectLst/>
+                <a:latin typeface="Times New Roman" panose="02020603050405020304" pitchFamily="18" charset="0"/>
+                <a:ea typeface="Calibri" panose="020F0502020204030204" pitchFamily="34" charset="0"/>
+              </a:rPr>
+              <a:t>Jain, N. (2018, February 21). </a:t>
+            </a:r>
+            <a:r>
+              <a:rPr lang="en-US" sz="1800" i="1" dirty="0">
+                <a:effectLst/>
+                <a:latin typeface="Times New Roman" panose="02020603050405020304" pitchFamily="18" charset="0"/>
+                <a:ea typeface="Calibri" panose="020F0502020204030204" pitchFamily="34" charset="0"/>
+              </a:rPr>
+              <a:t>Top 10 reasons for project failure</a:t>
+            </a:r>
+            <a:r>
+              <a:rPr lang="en-US" sz="1800" dirty="0">
+                <a:effectLst/>
+                <a:latin typeface="Times New Roman" panose="02020603050405020304" pitchFamily="18" charset="0"/>
+                <a:ea typeface="Calibri" panose="020F0502020204030204" pitchFamily="34" charset="0"/>
+              </a:rPr>
+              <a:t>. Retrieved 28 2020, June, from Whiz Labs: https://www.whizlabs.com/blog/top-10-reasons-for-project-failure/</a:t>
+            </a:r>
+          </a:p>
+          <a:p>
+            <a:pPr marL="457200" marR="0" indent="-457200">
+              <a:lnSpc>
+                <a:spcPct val="200000"/>
+              </a:lnSpc>
+              <a:spcBef>
+                <a:spcPts val="0"/>
+              </a:spcBef>
+              <a:spcAft>
+                <a:spcPts val="0"/>
+              </a:spcAft>
+            </a:pPr>
+            <a:r>
+              <a:rPr lang="en-US" sz="1800" dirty="0">
+                <a:effectLst/>
+                <a:latin typeface="Times New Roman" panose="02020603050405020304" pitchFamily="18" charset="0"/>
+                <a:ea typeface="Calibri" panose="020F0502020204030204" pitchFamily="34" charset="0"/>
+              </a:rPr>
+              <a:t>Krishna, C., Rohit, H., &amp; Mohana. (2018). A review of artificial intelligence methods for data science and data analytics. </a:t>
+            </a:r>
+            <a:r>
+              <a:rPr lang="en-US" sz="1800" i="1" dirty="0">
+                <a:effectLst/>
+                <a:latin typeface="Times New Roman" panose="02020603050405020304" pitchFamily="18" charset="0"/>
+                <a:ea typeface="Calibri" panose="020F0502020204030204" pitchFamily="34" charset="0"/>
+              </a:rPr>
+              <a:t>International Conference on I-SMAC (IoT in Social, Mobile, Analytics, and Cloud).</a:t>
+            </a:r>
+            <a:r>
+              <a:rPr lang="en-US" sz="1800" dirty="0">
+                <a:effectLst/>
+                <a:latin typeface="Times New Roman" panose="02020603050405020304" pitchFamily="18" charset="0"/>
+                <a:ea typeface="Calibri" panose="020F0502020204030204" pitchFamily="34" charset="0"/>
+              </a:rPr>
+              <a:t> </a:t>
+            </a:r>
+            <a:r>
+              <a:rPr lang="en-US" sz="1800" dirty="0" err="1">
+                <a:effectLst/>
+                <a:latin typeface="Times New Roman" panose="02020603050405020304" pitchFamily="18" charset="0"/>
+                <a:ea typeface="Calibri" panose="020F0502020204030204" pitchFamily="34" charset="0"/>
+              </a:rPr>
+              <a:t>Palladam</a:t>
+            </a:r>
+            <a:r>
+              <a:rPr lang="en-US" sz="1800" dirty="0">
+                <a:effectLst/>
+                <a:latin typeface="Times New Roman" panose="02020603050405020304" pitchFamily="18" charset="0"/>
+                <a:ea typeface="Calibri" panose="020F0502020204030204" pitchFamily="34" charset="0"/>
+              </a:rPr>
+              <a:t>, India, India. </a:t>
+            </a:r>
+            <a:r>
+              <a:rPr lang="en-US" sz="1800" dirty="0" err="1">
+                <a:effectLst/>
+                <a:latin typeface="Times New Roman" panose="02020603050405020304" pitchFamily="18" charset="0"/>
+                <a:ea typeface="Calibri" panose="020F0502020204030204" pitchFamily="34" charset="0"/>
+              </a:rPr>
+              <a:t>doi:https</a:t>
+            </a:r>
+            <a:r>
+              <a:rPr lang="en-US" sz="1800" dirty="0">
+                <a:effectLst/>
+                <a:latin typeface="Times New Roman" panose="02020603050405020304" pitchFamily="18" charset="0"/>
+                <a:ea typeface="Calibri" panose="020F0502020204030204" pitchFamily="34" charset="0"/>
+              </a:rPr>
+              <a:t>://doi-org.proxy1.ncu.edu/10.1109/I-SMAC.2018.8653670</a:t>
+            </a:r>
+          </a:p>
+          <a:p>
+            <a:pPr marL="457200" marR="0" indent="-457200">
+              <a:lnSpc>
+                <a:spcPct val="200000"/>
+              </a:lnSpc>
+              <a:spcBef>
+                <a:spcPts val="0"/>
+              </a:spcBef>
+              <a:spcAft>
+                <a:spcPts val="0"/>
+              </a:spcAft>
+            </a:pPr>
+            <a:r>
+              <a:rPr lang="en-US" sz="1800" dirty="0" err="1">
+                <a:effectLst/>
+                <a:latin typeface="Times New Roman" panose="02020603050405020304" pitchFamily="18" charset="0"/>
+                <a:ea typeface="Calibri" panose="020F0502020204030204" pitchFamily="34" charset="0"/>
+              </a:rPr>
+              <a:t>Lukac</a:t>
+            </a:r>
+            <a:r>
+              <a:rPr lang="en-US" sz="1800" dirty="0">
+                <a:effectLst/>
+                <a:latin typeface="Times New Roman" panose="02020603050405020304" pitchFamily="18" charset="0"/>
+                <a:ea typeface="Calibri" panose="020F0502020204030204" pitchFamily="34" charset="0"/>
+              </a:rPr>
+              <a:t>, D., Milic, M., &amp; Nikolic, J. (2018). From artificial intelligence to augmented age, an overview. </a:t>
+            </a:r>
+            <a:r>
+              <a:rPr lang="en-US" sz="1800" i="1" dirty="0">
+                <a:effectLst/>
+                <a:latin typeface="Times New Roman" panose="02020603050405020304" pitchFamily="18" charset="0"/>
+                <a:ea typeface="Calibri" panose="020F0502020204030204" pitchFamily="34" charset="0"/>
+              </a:rPr>
+              <a:t>Zooming Innovation in Consumer Technologies Conference</a:t>
+            </a:r>
+            <a:r>
+              <a:rPr lang="en-US" sz="1800" dirty="0">
+                <a:effectLst/>
+                <a:latin typeface="Times New Roman" panose="02020603050405020304" pitchFamily="18" charset="0"/>
+                <a:ea typeface="Calibri" panose="020F0502020204030204" pitchFamily="34" charset="0"/>
+              </a:rPr>
+              <a:t> (pp. 100-103). </a:t>
+            </a:r>
+            <a:r>
+              <a:rPr lang="en-US" sz="1800" dirty="0" err="1">
+                <a:effectLst/>
+                <a:latin typeface="Times New Roman" panose="02020603050405020304" pitchFamily="18" charset="0"/>
+                <a:ea typeface="Calibri" panose="020F0502020204030204" pitchFamily="34" charset="0"/>
+              </a:rPr>
+              <a:t>doi:https</a:t>
+            </a:r>
+            <a:r>
+              <a:rPr lang="en-US" sz="1800" dirty="0">
+                <a:effectLst/>
+                <a:latin typeface="Times New Roman" panose="02020603050405020304" pitchFamily="18" charset="0"/>
+                <a:ea typeface="Calibri" panose="020F0502020204030204" pitchFamily="34" charset="0"/>
+              </a:rPr>
+              <a:t>://doi-org.proxy1.ncu.edu/10.1109/ZINC.2018.8448793</a:t>
+            </a:r>
+          </a:p>
+          <a:p>
+            <a:pPr marL="457200" marR="0" indent="-457200">
+              <a:lnSpc>
+                <a:spcPct val="200000"/>
+              </a:lnSpc>
+              <a:spcBef>
+                <a:spcPts val="0"/>
+              </a:spcBef>
+              <a:spcAft>
+                <a:spcPts val="0"/>
+              </a:spcAft>
+            </a:pPr>
+            <a:r>
+              <a:rPr lang="en-US" sz="1800" dirty="0">
+                <a:effectLst/>
+                <a:latin typeface="Times New Roman" panose="02020603050405020304" pitchFamily="18" charset="0"/>
+                <a:ea typeface="Calibri" panose="020F0502020204030204" pitchFamily="34" charset="0"/>
+              </a:rPr>
+              <a:t>Silver, D., Huang, A., &amp; Maddison, C. (2016, January). Mastering the game of Go with deep neural networks and tree search. </a:t>
+            </a:r>
+            <a:r>
+              <a:rPr lang="en-US" sz="1800" i="1" dirty="0">
+                <a:effectLst/>
+                <a:latin typeface="Times New Roman" panose="02020603050405020304" pitchFamily="18" charset="0"/>
+                <a:ea typeface="Calibri" panose="020F0502020204030204" pitchFamily="34" charset="0"/>
+              </a:rPr>
+              <a:t>Nature, 529</a:t>
+            </a:r>
+            <a:r>
+              <a:rPr lang="en-US" sz="1800" dirty="0">
+                <a:effectLst/>
+                <a:latin typeface="Times New Roman" panose="02020603050405020304" pitchFamily="18" charset="0"/>
+                <a:ea typeface="Calibri" panose="020F0502020204030204" pitchFamily="34" charset="0"/>
+              </a:rPr>
+              <a:t>, 484-459. DOI:10.1038/nature16961</a:t>
+            </a:r>
+          </a:p>
+          <a:p>
+            <a:endParaRPr lang="en-US" dirty="0"/>
+          </a:p>
+        </p:txBody>
+      </p:sp>
+      <p:sp>
+        <p:nvSpPr>
+          <p:cNvPr id="4" name="Slide Number Placeholder 3"/>
+          <p:cNvSpPr>
+            <a:spLocks noGrp="1"/>
+          </p:cNvSpPr>
+          <p:nvPr>
+            <p:ph type="sldNum" sz="quarter" idx="5"/>
+          </p:nvPr>
+        </p:nvSpPr>
+        <p:spPr/>
+        <p:txBody>
+          <a:bodyPr/>
+          <a:lstStyle/>
+          <a:p>
+            <a:fld id="{BE9BB30C-39C1-4412-B58E-F7A8E715C7B9}" type="slidenum">
+              <a:rPr lang="en-US" smtClean="0"/>
+              <a:t>12</a:t>
+            </a:fld>
+            <a:endParaRPr lang="en-US"/>
+          </a:p>
+        </p:txBody>
+      </p:sp>
+    </p:spTree>
+    <p:extLst>
+      <p:ext uri="{BB962C8B-B14F-4D97-AF65-F5344CB8AC3E}">
+        <p14:creationId xmlns:p14="http://schemas.microsoft.com/office/powerpoint/2010/main" val="780084344"/>
+      </p:ext>
+    </p:extLst>
+  </p:cSld>
+  <p:clrMapOvr>
+    <a:masterClrMapping/>
+  </p:clrMapOvr>
+</p:notes>
+</file>
+
 <file path=ppt/slideLayouts/slideLayout1.xml><?xml version="1.0" encoding="utf-8"?>
 <p:sldLayout xmlns:a="http://schemas.openxmlformats.org/drawingml/2006/main" xmlns:r="http://schemas.openxmlformats.org/officeDocument/2006/relationships" xmlns:p="http://schemas.openxmlformats.org/presentationml/2006/main" showMasterSp="0" type="title" preserve="1">
   <p:cSld name="Title Slide">
@@ -43088,21 +43612,8 @@
                   <a:schemeClr val="accent2"/>
                 </a:solidFill>
               </a:rPr>
-              <a:t>Generally, this means start small and augment </a:t>
+              <a:t>Generally, this means start small and augment existing workloads first</a:t>
             </a:r>
-            <a:r>
-              <a:rPr lang="en-US">
-                <a:solidFill>
-                  <a:schemeClr val="accent2"/>
-                </a:solidFill>
-              </a:rPr>
-              <a:t>existing workloads first</a:t>
-            </a:r>
-            <a:endParaRPr lang="en-US" dirty="0">
-              <a:solidFill>
-                <a:schemeClr val="accent2"/>
-              </a:solidFill>
-            </a:endParaRPr>
           </a:p>
           <a:p>
             <a:endParaRPr lang="en-US" dirty="0">
